--- a/Visualization/NBA_PLAYER_ANALYSIS.pptx
+++ b/Visualization/NBA_PLAYER_ANALYSIS.pptx
@@ -5,29 +5,32 @@
     <p:sldMasterId id="2147483659" r:id="rId1"/>
   </p:sldMasterIdLst>
   <p:notesMasterIdLst>
-    <p:notesMasterId r:id="rId18"/>
+    <p:notesMasterId r:id="rId14"/>
   </p:notesMasterIdLst>
   <p:sldIdLst>
     <p:sldId id="256" r:id="rId2"/>
     <p:sldId id="257" r:id="rId3"/>
     <p:sldId id="258" r:id="rId4"/>
     <p:sldId id="259" r:id="rId5"/>
-    <p:sldId id="260" r:id="rId6"/>
-    <p:sldId id="261" r:id="rId7"/>
-    <p:sldId id="262" r:id="rId8"/>
-    <p:sldId id="263" r:id="rId9"/>
+    <p:sldId id="273" r:id="rId6"/>
+    <p:sldId id="262" r:id="rId7"/>
+    <p:sldId id="274" r:id="rId8"/>
+    <p:sldId id="275" r:id="rId9"/>
     <p:sldId id="264" r:id="rId10"/>
-    <p:sldId id="265" r:id="rId11"/>
-    <p:sldId id="266" r:id="rId12"/>
-    <p:sldId id="267" r:id="rId13"/>
-    <p:sldId id="268" r:id="rId14"/>
-    <p:sldId id="269" r:id="rId15"/>
-    <p:sldId id="270" r:id="rId16"/>
-    <p:sldId id="271" r:id="rId17"/>
+    <p:sldId id="276" r:id="rId11"/>
+    <p:sldId id="277" r:id="rId12"/>
+    <p:sldId id="278" r:id="rId13"/>
   </p:sldIdLst>
   <p:sldSz cx="9144000" cy="5143500" type="screen16x9"/>
   <p:notesSz cx="6858000" cy="9144000"/>
   <p:embeddedFontLst>
+    <p:embeddedFont>
+      <p:font typeface="Calibri" panose="020F0502020204030204" pitchFamily="34" charset="0"/>
+      <p:regular r:id="rId15"/>
+      <p:bold r:id="rId16"/>
+      <p:italic r:id="rId17"/>
+      <p:boldItalic r:id="rId18"/>
+    </p:embeddedFont>
     <p:embeddedFont>
       <p:font typeface="Nunito" panose="020B0604020202020204" charset="0"/>
       <p:regular r:id="rId19"/>
@@ -36,18 +39,11 @@
       <p:boldItalic r:id="rId22"/>
     </p:embeddedFont>
     <p:embeddedFont>
-      <p:font typeface="Calibri" panose="020F0502020204030204" pitchFamily="34" charset="0"/>
+      <p:font typeface="Roboto" panose="02000000000000000000" pitchFamily="2" charset="0"/>
       <p:regular r:id="rId23"/>
       <p:bold r:id="rId24"/>
       <p:italic r:id="rId25"/>
       <p:boldItalic r:id="rId26"/>
-    </p:embeddedFont>
-    <p:embeddedFont>
-      <p:font typeface="Roboto" panose="020B0604020202020204" charset="0"/>
-      <p:regular r:id="rId27"/>
-      <p:bold r:id="rId28"/>
-      <p:italic r:id="rId29"/>
-      <p:boldItalic r:id="rId30"/>
     </p:embeddedFont>
   </p:embeddedFontLst>
   <p:defaultTextStyle>
@@ -281,7 +277,7 @@
   </p:defaultTextStyle>
   <p:extLst>
     <p:ext uri="{EFAFB233-063F-42B5-8137-9DF3F51BA10A}">
-      <p15:sldGuideLst xmlns="" xmlns:mc="http://schemas.openxmlformats.org/markup-compatibility/2006" xmlns:mv="urn:schemas-microsoft-com:mac:vml" xmlns:c="http://schemas.openxmlformats.org/drawingml/2006/chart" xmlns:dgm="http://schemas.openxmlformats.org/drawingml/2006/diagram" xmlns:o="urn:schemas-microsoft-com:office:office" xmlns:v="urn:schemas-microsoft-com:vml" xmlns:pvml="urn:schemas-microsoft-com:office:powerpoint" xmlns:com="http://schemas.openxmlformats.org/drawingml/2006/compatibility" xmlns:p14="http://schemas.microsoft.com/office/powerpoint/2010/main" xmlns:p15="http://schemas.microsoft.com/office/powerpoint/2012/main" xmlns:ahyp="http://schemas.microsoft.com/office/drawing/2018/hyperlinkcolor">
+      <p15:sldGuideLst xmlns:p15="http://schemas.microsoft.com/office/powerpoint/2012/main">
         <p15:guide id="1" orient="horz" pos="1620">
           <p15:clr>
             <a:srgbClr val="A4A3A4"/>
@@ -848,734 +844,6 @@
 </p:notes>
 </file>
 
-<file path=ppt/notesSlides/notesSlide10.xml><?xml version="1.0" encoding="utf-8"?>
-<p:notes xmlns:a="http://schemas.openxmlformats.org/drawingml/2006/main" xmlns:r="http://schemas.openxmlformats.org/officeDocument/2006/relationships" xmlns:p="http://schemas.openxmlformats.org/presentationml/2006/main" showMasterSp="0" showMasterPhAnim="0">
-  <p:cSld>
-    <p:spTree>
-      <p:nvGrpSpPr>
-        <p:cNvPr id="1" name="Shape 213"/>
-        <p:cNvGrpSpPr/>
-        <p:nvPr/>
-      </p:nvGrpSpPr>
-      <p:grpSpPr>
-        <a:xfrm>
-          <a:off x="0" y="0"/>
-          <a:ext cx="0" cy="0"/>
-          <a:chOff x="0" y="0"/>
-          <a:chExt cx="0" cy="0"/>
-        </a:xfrm>
-      </p:grpSpPr>
-      <p:sp>
-        <p:nvSpPr>
-          <p:cNvPr id="214" name="Google Shape;214;gdee2e41ef9_0_1:notes"/>
-          <p:cNvSpPr>
-            <a:spLocks noGrp="1" noRot="1" noChangeAspect="1"/>
-          </p:cNvSpPr>
-          <p:nvPr>
-            <p:ph type="sldImg" idx="2"/>
-          </p:nvPr>
-        </p:nvSpPr>
-        <p:spPr>
-          <a:xfrm>
-            <a:off x="381000" y="685800"/>
-            <a:ext cx="6096000" cy="3429000"/>
-          </a:xfrm>
-          <a:custGeom>
-            <a:avLst/>
-            <a:gdLst/>
-            <a:ahLst/>
-            <a:cxnLst/>
-            <a:rect l="l" t="t" r="r" b="b"/>
-            <a:pathLst>
-              <a:path w="120000" h="120000" extrusionOk="0">
-                <a:moveTo>
-                  <a:pt x="0" y="0"/>
-                </a:moveTo>
-                <a:lnTo>
-                  <a:pt x="120000" y="0"/>
-                </a:lnTo>
-                <a:lnTo>
-                  <a:pt x="120000" y="120000"/>
-                </a:lnTo>
-                <a:lnTo>
-                  <a:pt x="0" y="120000"/>
-                </a:lnTo>
-                <a:close/>
-              </a:path>
-            </a:pathLst>
-          </a:custGeom>
-        </p:spPr>
-      </p:sp>
-      <p:sp>
-        <p:nvSpPr>
-          <p:cNvPr id="215" name="Google Shape;215;gdee2e41ef9_0_1:notes"/>
-          <p:cNvSpPr txBox="1">
-            <a:spLocks noGrp="1"/>
-          </p:cNvSpPr>
-          <p:nvPr>
-            <p:ph type="body" idx="1"/>
-          </p:nvPr>
-        </p:nvSpPr>
-        <p:spPr>
-          <a:xfrm>
-            <a:off x="685800" y="4343400"/>
-            <a:ext cx="5486400" cy="4114800"/>
-          </a:xfrm>
-          <a:prstGeom prst="rect">
-            <a:avLst/>
-          </a:prstGeom>
-        </p:spPr>
-        <p:txBody>
-          <a:bodyPr spcFirstLastPara="1" wrap="square" lIns="91425" tIns="91425" rIns="91425" bIns="91425" anchor="t" anchorCtr="0">
-            <a:noAutofit/>
-          </a:bodyPr>
-          <a:lstStyle/>
-          <a:p>
-            <a:pPr marL="0" lvl="0" indent="0" algn="l" rtl="0">
-              <a:spcBef>
-                <a:spcPts val="0"/>
-              </a:spcBef>
-              <a:spcAft>
-                <a:spcPts val="0"/>
-              </a:spcAft>
-              <a:buNone/>
-            </a:pPr>
-            <a:endParaRPr/>
-          </a:p>
-        </p:txBody>
-      </p:sp>
-    </p:spTree>
-  </p:cSld>
-  <p:clrMapOvr>
-    <a:masterClrMapping/>
-  </p:clrMapOvr>
-</p:notes>
-</file>
-
-<file path=ppt/notesSlides/notesSlide11.xml><?xml version="1.0" encoding="utf-8"?>
-<p:notes xmlns:a="http://schemas.openxmlformats.org/drawingml/2006/main" xmlns:r="http://schemas.openxmlformats.org/officeDocument/2006/relationships" xmlns:p="http://schemas.openxmlformats.org/presentationml/2006/main" showMasterSp="0" showMasterPhAnim="0">
-  <p:cSld>
-    <p:spTree>
-      <p:nvGrpSpPr>
-        <p:cNvPr id="1" name="Shape 219"/>
-        <p:cNvGrpSpPr/>
-        <p:nvPr/>
-      </p:nvGrpSpPr>
-      <p:grpSpPr>
-        <a:xfrm>
-          <a:off x="0" y="0"/>
-          <a:ext cx="0" cy="0"/>
-          <a:chOff x="0" y="0"/>
-          <a:chExt cx="0" cy="0"/>
-        </a:xfrm>
-      </p:grpSpPr>
-      <p:sp>
-        <p:nvSpPr>
-          <p:cNvPr id="220" name="Google Shape;220;gdee2e41ef9_0_7:notes"/>
-          <p:cNvSpPr>
-            <a:spLocks noGrp="1" noRot="1" noChangeAspect="1"/>
-          </p:cNvSpPr>
-          <p:nvPr>
-            <p:ph type="sldImg" idx="2"/>
-          </p:nvPr>
-        </p:nvSpPr>
-        <p:spPr>
-          <a:xfrm>
-            <a:off x="381000" y="685800"/>
-            <a:ext cx="6096000" cy="3429000"/>
-          </a:xfrm>
-          <a:custGeom>
-            <a:avLst/>
-            <a:gdLst/>
-            <a:ahLst/>
-            <a:cxnLst/>
-            <a:rect l="l" t="t" r="r" b="b"/>
-            <a:pathLst>
-              <a:path w="120000" h="120000" extrusionOk="0">
-                <a:moveTo>
-                  <a:pt x="0" y="0"/>
-                </a:moveTo>
-                <a:lnTo>
-                  <a:pt x="120000" y="0"/>
-                </a:lnTo>
-                <a:lnTo>
-                  <a:pt x="120000" y="120000"/>
-                </a:lnTo>
-                <a:lnTo>
-                  <a:pt x="0" y="120000"/>
-                </a:lnTo>
-                <a:close/>
-              </a:path>
-            </a:pathLst>
-          </a:custGeom>
-        </p:spPr>
-      </p:sp>
-      <p:sp>
-        <p:nvSpPr>
-          <p:cNvPr id="221" name="Google Shape;221;gdee2e41ef9_0_7:notes"/>
-          <p:cNvSpPr txBox="1">
-            <a:spLocks noGrp="1"/>
-          </p:cNvSpPr>
-          <p:nvPr>
-            <p:ph type="body" idx="1"/>
-          </p:nvPr>
-        </p:nvSpPr>
-        <p:spPr>
-          <a:xfrm>
-            <a:off x="685800" y="4343400"/>
-            <a:ext cx="5486400" cy="4114800"/>
-          </a:xfrm>
-          <a:prstGeom prst="rect">
-            <a:avLst/>
-          </a:prstGeom>
-        </p:spPr>
-        <p:txBody>
-          <a:bodyPr spcFirstLastPara="1" wrap="square" lIns="91425" tIns="91425" rIns="91425" bIns="91425" anchor="t" anchorCtr="0">
-            <a:noAutofit/>
-          </a:bodyPr>
-          <a:lstStyle/>
-          <a:p>
-            <a:pPr marL="0" lvl="0" indent="0" algn="l" rtl="0">
-              <a:spcBef>
-                <a:spcPts val="0"/>
-              </a:spcBef>
-              <a:spcAft>
-                <a:spcPts val="0"/>
-              </a:spcAft>
-              <a:buNone/>
-            </a:pPr>
-            <a:endParaRPr/>
-          </a:p>
-        </p:txBody>
-      </p:sp>
-    </p:spTree>
-  </p:cSld>
-  <p:clrMapOvr>
-    <a:masterClrMapping/>
-  </p:clrMapOvr>
-</p:notes>
-</file>
-
-<file path=ppt/notesSlides/notesSlide12.xml><?xml version="1.0" encoding="utf-8"?>
-<p:notes xmlns:a="http://schemas.openxmlformats.org/drawingml/2006/main" xmlns:r="http://schemas.openxmlformats.org/officeDocument/2006/relationships" xmlns:p="http://schemas.openxmlformats.org/presentationml/2006/main" showMasterSp="0" showMasterPhAnim="0">
-  <p:cSld>
-    <p:spTree>
-      <p:nvGrpSpPr>
-        <p:cNvPr id="1" name="Shape 225"/>
-        <p:cNvGrpSpPr/>
-        <p:nvPr/>
-      </p:nvGrpSpPr>
-      <p:grpSpPr>
-        <a:xfrm>
-          <a:off x="0" y="0"/>
-          <a:ext cx="0" cy="0"/>
-          <a:chOff x="0" y="0"/>
-          <a:chExt cx="0" cy="0"/>
-        </a:xfrm>
-      </p:grpSpPr>
-      <p:sp>
-        <p:nvSpPr>
-          <p:cNvPr id="226" name="Google Shape;226;gdee2e41ef9_0_13:notes"/>
-          <p:cNvSpPr>
-            <a:spLocks noGrp="1" noRot="1" noChangeAspect="1"/>
-          </p:cNvSpPr>
-          <p:nvPr>
-            <p:ph type="sldImg" idx="2"/>
-          </p:nvPr>
-        </p:nvSpPr>
-        <p:spPr>
-          <a:xfrm>
-            <a:off x="381000" y="685800"/>
-            <a:ext cx="6096000" cy="3429000"/>
-          </a:xfrm>
-          <a:custGeom>
-            <a:avLst/>
-            <a:gdLst/>
-            <a:ahLst/>
-            <a:cxnLst/>
-            <a:rect l="l" t="t" r="r" b="b"/>
-            <a:pathLst>
-              <a:path w="120000" h="120000" extrusionOk="0">
-                <a:moveTo>
-                  <a:pt x="0" y="0"/>
-                </a:moveTo>
-                <a:lnTo>
-                  <a:pt x="120000" y="0"/>
-                </a:lnTo>
-                <a:lnTo>
-                  <a:pt x="120000" y="120000"/>
-                </a:lnTo>
-                <a:lnTo>
-                  <a:pt x="0" y="120000"/>
-                </a:lnTo>
-                <a:close/>
-              </a:path>
-            </a:pathLst>
-          </a:custGeom>
-        </p:spPr>
-      </p:sp>
-      <p:sp>
-        <p:nvSpPr>
-          <p:cNvPr id="227" name="Google Shape;227;gdee2e41ef9_0_13:notes"/>
-          <p:cNvSpPr txBox="1">
-            <a:spLocks noGrp="1"/>
-          </p:cNvSpPr>
-          <p:nvPr>
-            <p:ph type="body" idx="1"/>
-          </p:nvPr>
-        </p:nvSpPr>
-        <p:spPr>
-          <a:xfrm>
-            <a:off x="685800" y="4343400"/>
-            <a:ext cx="5486400" cy="4114800"/>
-          </a:xfrm>
-          <a:prstGeom prst="rect">
-            <a:avLst/>
-          </a:prstGeom>
-        </p:spPr>
-        <p:txBody>
-          <a:bodyPr spcFirstLastPara="1" wrap="square" lIns="91425" tIns="91425" rIns="91425" bIns="91425" anchor="t" anchorCtr="0">
-            <a:noAutofit/>
-          </a:bodyPr>
-          <a:lstStyle/>
-          <a:p>
-            <a:pPr marL="0" lvl="0" indent="0" algn="l" rtl="0">
-              <a:spcBef>
-                <a:spcPts val="0"/>
-              </a:spcBef>
-              <a:spcAft>
-                <a:spcPts val="0"/>
-              </a:spcAft>
-              <a:buNone/>
-            </a:pPr>
-            <a:endParaRPr/>
-          </a:p>
-        </p:txBody>
-      </p:sp>
-    </p:spTree>
-  </p:cSld>
-  <p:clrMapOvr>
-    <a:masterClrMapping/>
-  </p:clrMapOvr>
-</p:notes>
-</file>
-
-<file path=ppt/notesSlides/notesSlide13.xml><?xml version="1.0" encoding="utf-8"?>
-<p:notes xmlns:a="http://schemas.openxmlformats.org/drawingml/2006/main" xmlns:r="http://schemas.openxmlformats.org/officeDocument/2006/relationships" xmlns:p="http://schemas.openxmlformats.org/presentationml/2006/main" showMasterSp="0" showMasterPhAnim="0">
-  <p:cSld>
-    <p:spTree>
-      <p:nvGrpSpPr>
-        <p:cNvPr id="1" name="Shape 231"/>
-        <p:cNvGrpSpPr/>
-        <p:nvPr/>
-      </p:nvGrpSpPr>
-      <p:grpSpPr>
-        <a:xfrm>
-          <a:off x="0" y="0"/>
-          <a:ext cx="0" cy="0"/>
-          <a:chOff x="0" y="0"/>
-          <a:chExt cx="0" cy="0"/>
-        </a:xfrm>
-      </p:grpSpPr>
-      <p:sp>
-        <p:nvSpPr>
-          <p:cNvPr id="232" name="Google Shape;232;gdee2e41ef9_0_19:notes"/>
-          <p:cNvSpPr>
-            <a:spLocks noGrp="1" noRot="1" noChangeAspect="1"/>
-          </p:cNvSpPr>
-          <p:nvPr>
-            <p:ph type="sldImg" idx="2"/>
-          </p:nvPr>
-        </p:nvSpPr>
-        <p:spPr>
-          <a:xfrm>
-            <a:off x="381000" y="685800"/>
-            <a:ext cx="6096000" cy="3429000"/>
-          </a:xfrm>
-          <a:custGeom>
-            <a:avLst/>
-            <a:gdLst/>
-            <a:ahLst/>
-            <a:cxnLst/>
-            <a:rect l="l" t="t" r="r" b="b"/>
-            <a:pathLst>
-              <a:path w="120000" h="120000" extrusionOk="0">
-                <a:moveTo>
-                  <a:pt x="0" y="0"/>
-                </a:moveTo>
-                <a:lnTo>
-                  <a:pt x="120000" y="0"/>
-                </a:lnTo>
-                <a:lnTo>
-                  <a:pt x="120000" y="120000"/>
-                </a:lnTo>
-                <a:lnTo>
-                  <a:pt x="0" y="120000"/>
-                </a:lnTo>
-                <a:close/>
-              </a:path>
-            </a:pathLst>
-          </a:custGeom>
-        </p:spPr>
-      </p:sp>
-      <p:sp>
-        <p:nvSpPr>
-          <p:cNvPr id="233" name="Google Shape;233;gdee2e41ef9_0_19:notes"/>
-          <p:cNvSpPr txBox="1">
-            <a:spLocks noGrp="1"/>
-          </p:cNvSpPr>
-          <p:nvPr>
-            <p:ph type="body" idx="1"/>
-          </p:nvPr>
-        </p:nvSpPr>
-        <p:spPr>
-          <a:xfrm>
-            <a:off x="685800" y="4343400"/>
-            <a:ext cx="5486400" cy="4114800"/>
-          </a:xfrm>
-          <a:prstGeom prst="rect">
-            <a:avLst/>
-          </a:prstGeom>
-        </p:spPr>
-        <p:txBody>
-          <a:bodyPr spcFirstLastPara="1" wrap="square" lIns="91425" tIns="91425" rIns="91425" bIns="91425" anchor="t" anchorCtr="0">
-            <a:noAutofit/>
-          </a:bodyPr>
-          <a:lstStyle/>
-          <a:p>
-            <a:pPr marL="0" lvl="0" indent="0" algn="l" rtl="0">
-              <a:spcBef>
-                <a:spcPts val="0"/>
-              </a:spcBef>
-              <a:spcAft>
-                <a:spcPts val="0"/>
-              </a:spcAft>
-              <a:buNone/>
-            </a:pPr>
-            <a:endParaRPr/>
-          </a:p>
-        </p:txBody>
-      </p:sp>
-    </p:spTree>
-  </p:cSld>
-  <p:clrMapOvr>
-    <a:masterClrMapping/>
-  </p:clrMapOvr>
-</p:notes>
-</file>
-
-<file path=ppt/notesSlides/notesSlide14.xml><?xml version="1.0" encoding="utf-8"?>
-<p:notes xmlns:a="http://schemas.openxmlformats.org/drawingml/2006/main" xmlns:r="http://schemas.openxmlformats.org/officeDocument/2006/relationships" xmlns:p="http://schemas.openxmlformats.org/presentationml/2006/main" showMasterSp="0" showMasterPhAnim="0">
-  <p:cSld>
-    <p:spTree>
-      <p:nvGrpSpPr>
-        <p:cNvPr id="1" name="Shape 237"/>
-        <p:cNvGrpSpPr/>
-        <p:nvPr/>
-      </p:nvGrpSpPr>
-      <p:grpSpPr>
-        <a:xfrm>
-          <a:off x="0" y="0"/>
-          <a:ext cx="0" cy="0"/>
-          <a:chOff x="0" y="0"/>
-          <a:chExt cx="0" cy="0"/>
-        </a:xfrm>
-      </p:grpSpPr>
-      <p:sp>
-        <p:nvSpPr>
-          <p:cNvPr id="238" name="Google Shape;238;gdee2e41ef9_0_25:notes"/>
-          <p:cNvSpPr>
-            <a:spLocks noGrp="1" noRot="1" noChangeAspect="1"/>
-          </p:cNvSpPr>
-          <p:nvPr>
-            <p:ph type="sldImg" idx="2"/>
-          </p:nvPr>
-        </p:nvSpPr>
-        <p:spPr>
-          <a:xfrm>
-            <a:off x="381000" y="685800"/>
-            <a:ext cx="6096000" cy="3429000"/>
-          </a:xfrm>
-          <a:custGeom>
-            <a:avLst/>
-            <a:gdLst/>
-            <a:ahLst/>
-            <a:cxnLst/>
-            <a:rect l="l" t="t" r="r" b="b"/>
-            <a:pathLst>
-              <a:path w="120000" h="120000" extrusionOk="0">
-                <a:moveTo>
-                  <a:pt x="0" y="0"/>
-                </a:moveTo>
-                <a:lnTo>
-                  <a:pt x="120000" y="0"/>
-                </a:lnTo>
-                <a:lnTo>
-                  <a:pt x="120000" y="120000"/>
-                </a:lnTo>
-                <a:lnTo>
-                  <a:pt x="0" y="120000"/>
-                </a:lnTo>
-                <a:close/>
-              </a:path>
-            </a:pathLst>
-          </a:custGeom>
-        </p:spPr>
-      </p:sp>
-      <p:sp>
-        <p:nvSpPr>
-          <p:cNvPr id="239" name="Google Shape;239;gdee2e41ef9_0_25:notes"/>
-          <p:cNvSpPr txBox="1">
-            <a:spLocks noGrp="1"/>
-          </p:cNvSpPr>
-          <p:nvPr>
-            <p:ph type="body" idx="1"/>
-          </p:nvPr>
-        </p:nvSpPr>
-        <p:spPr>
-          <a:xfrm>
-            <a:off x="685800" y="4343400"/>
-            <a:ext cx="5486400" cy="4114800"/>
-          </a:xfrm>
-          <a:prstGeom prst="rect">
-            <a:avLst/>
-          </a:prstGeom>
-        </p:spPr>
-        <p:txBody>
-          <a:bodyPr spcFirstLastPara="1" wrap="square" lIns="91425" tIns="91425" rIns="91425" bIns="91425" anchor="t" anchorCtr="0">
-            <a:noAutofit/>
-          </a:bodyPr>
-          <a:lstStyle/>
-          <a:p>
-            <a:pPr marL="0" lvl="0" indent="0" algn="l" rtl="0">
-              <a:spcBef>
-                <a:spcPts val="0"/>
-              </a:spcBef>
-              <a:spcAft>
-                <a:spcPts val="0"/>
-              </a:spcAft>
-              <a:buNone/>
-            </a:pPr>
-            <a:endParaRPr/>
-          </a:p>
-        </p:txBody>
-      </p:sp>
-    </p:spTree>
-  </p:cSld>
-  <p:clrMapOvr>
-    <a:masterClrMapping/>
-  </p:clrMapOvr>
-</p:notes>
-</file>
-
-<file path=ppt/notesSlides/notesSlide15.xml><?xml version="1.0" encoding="utf-8"?>
-<p:notes xmlns:a="http://schemas.openxmlformats.org/drawingml/2006/main" xmlns:r="http://schemas.openxmlformats.org/officeDocument/2006/relationships" xmlns:p="http://schemas.openxmlformats.org/presentationml/2006/main" showMasterSp="0" showMasterPhAnim="0">
-  <p:cSld>
-    <p:spTree>
-      <p:nvGrpSpPr>
-        <p:cNvPr id="1" name="Shape 243"/>
-        <p:cNvGrpSpPr/>
-        <p:nvPr/>
-      </p:nvGrpSpPr>
-      <p:grpSpPr>
-        <a:xfrm>
-          <a:off x="0" y="0"/>
-          <a:ext cx="0" cy="0"/>
-          <a:chOff x="0" y="0"/>
-          <a:chExt cx="0" cy="0"/>
-        </a:xfrm>
-      </p:grpSpPr>
-      <p:sp>
-        <p:nvSpPr>
-          <p:cNvPr id="244" name="Google Shape;244;gdee2e41ef9_0_31:notes"/>
-          <p:cNvSpPr>
-            <a:spLocks noGrp="1" noRot="1" noChangeAspect="1"/>
-          </p:cNvSpPr>
-          <p:nvPr>
-            <p:ph type="sldImg" idx="2"/>
-          </p:nvPr>
-        </p:nvSpPr>
-        <p:spPr>
-          <a:xfrm>
-            <a:off x="381000" y="685800"/>
-            <a:ext cx="6096000" cy="3429000"/>
-          </a:xfrm>
-          <a:custGeom>
-            <a:avLst/>
-            <a:gdLst/>
-            <a:ahLst/>
-            <a:cxnLst/>
-            <a:rect l="l" t="t" r="r" b="b"/>
-            <a:pathLst>
-              <a:path w="120000" h="120000" extrusionOk="0">
-                <a:moveTo>
-                  <a:pt x="0" y="0"/>
-                </a:moveTo>
-                <a:lnTo>
-                  <a:pt x="120000" y="0"/>
-                </a:lnTo>
-                <a:lnTo>
-                  <a:pt x="120000" y="120000"/>
-                </a:lnTo>
-                <a:lnTo>
-                  <a:pt x="0" y="120000"/>
-                </a:lnTo>
-                <a:close/>
-              </a:path>
-            </a:pathLst>
-          </a:custGeom>
-        </p:spPr>
-      </p:sp>
-      <p:sp>
-        <p:nvSpPr>
-          <p:cNvPr id="245" name="Google Shape;245;gdee2e41ef9_0_31:notes"/>
-          <p:cNvSpPr txBox="1">
-            <a:spLocks noGrp="1"/>
-          </p:cNvSpPr>
-          <p:nvPr>
-            <p:ph type="body" idx="1"/>
-          </p:nvPr>
-        </p:nvSpPr>
-        <p:spPr>
-          <a:xfrm>
-            <a:off x="685800" y="4343400"/>
-            <a:ext cx="5486400" cy="4114800"/>
-          </a:xfrm>
-          <a:prstGeom prst="rect">
-            <a:avLst/>
-          </a:prstGeom>
-        </p:spPr>
-        <p:txBody>
-          <a:bodyPr spcFirstLastPara="1" wrap="square" lIns="91425" tIns="91425" rIns="91425" bIns="91425" anchor="t" anchorCtr="0">
-            <a:noAutofit/>
-          </a:bodyPr>
-          <a:lstStyle/>
-          <a:p>
-            <a:pPr marL="0" lvl="0" indent="0" algn="l" rtl="0">
-              <a:spcBef>
-                <a:spcPts val="0"/>
-              </a:spcBef>
-              <a:spcAft>
-                <a:spcPts val="0"/>
-              </a:spcAft>
-              <a:buNone/>
-            </a:pPr>
-            <a:endParaRPr/>
-          </a:p>
-        </p:txBody>
-      </p:sp>
-    </p:spTree>
-  </p:cSld>
-  <p:clrMapOvr>
-    <a:masterClrMapping/>
-  </p:clrMapOvr>
-</p:notes>
-</file>
-
-<file path=ppt/notesSlides/notesSlide16.xml><?xml version="1.0" encoding="utf-8"?>
-<p:notes xmlns:a="http://schemas.openxmlformats.org/drawingml/2006/main" xmlns:r="http://schemas.openxmlformats.org/officeDocument/2006/relationships" xmlns:p="http://schemas.openxmlformats.org/presentationml/2006/main" showMasterSp="0" showMasterPhAnim="0">
-  <p:cSld>
-    <p:spTree>
-      <p:nvGrpSpPr>
-        <p:cNvPr id="1" name="Shape 250"/>
-        <p:cNvGrpSpPr/>
-        <p:nvPr/>
-      </p:nvGrpSpPr>
-      <p:grpSpPr>
-        <a:xfrm>
-          <a:off x="0" y="0"/>
-          <a:ext cx="0" cy="0"/>
-          <a:chOff x="0" y="0"/>
-          <a:chExt cx="0" cy="0"/>
-        </a:xfrm>
-      </p:grpSpPr>
-      <p:sp>
-        <p:nvSpPr>
-          <p:cNvPr id="251" name="Google Shape;251;gde1a278800_0_342:notes"/>
-          <p:cNvSpPr>
-            <a:spLocks noGrp="1" noRot="1" noChangeAspect="1"/>
-          </p:cNvSpPr>
-          <p:nvPr>
-            <p:ph type="sldImg" idx="2"/>
-          </p:nvPr>
-        </p:nvSpPr>
-        <p:spPr>
-          <a:xfrm>
-            <a:off x="381000" y="685800"/>
-            <a:ext cx="6096000" cy="3429000"/>
-          </a:xfrm>
-          <a:custGeom>
-            <a:avLst/>
-            <a:gdLst/>
-            <a:ahLst/>
-            <a:cxnLst/>
-            <a:rect l="l" t="t" r="r" b="b"/>
-            <a:pathLst>
-              <a:path w="120000" h="120000" extrusionOk="0">
-                <a:moveTo>
-                  <a:pt x="0" y="0"/>
-                </a:moveTo>
-                <a:lnTo>
-                  <a:pt x="120000" y="0"/>
-                </a:lnTo>
-                <a:lnTo>
-                  <a:pt x="120000" y="120000"/>
-                </a:lnTo>
-                <a:lnTo>
-                  <a:pt x="0" y="120000"/>
-                </a:lnTo>
-                <a:close/>
-              </a:path>
-            </a:pathLst>
-          </a:custGeom>
-        </p:spPr>
-      </p:sp>
-      <p:sp>
-        <p:nvSpPr>
-          <p:cNvPr id="252" name="Google Shape;252;gde1a278800_0_342:notes"/>
-          <p:cNvSpPr txBox="1">
-            <a:spLocks noGrp="1"/>
-          </p:cNvSpPr>
-          <p:nvPr>
-            <p:ph type="body" idx="1"/>
-          </p:nvPr>
-        </p:nvSpPr>
-        <p:spPr>
-          <a:xfrm>
-            <a:off x="685800" y="4343400"/>
-            <a:ext cx="5486400" cy="4114800"/>
-          </a:xfrm>
-          <a:prstGeom prst="rect">
-            <a:avLst/>
-          </a:prstGeom>
-        </p:spPr>
-        <p:txBody>
-          <a:bodyPr spcFirstLastPara="1" wrap="square" lIns="91425" tIns="91425" rIns="91425" bIns="91425" anchor="t" anchorCtr="0">
-            <a:noAutofit/>
-          </a:bodyPr>
-          <a:lstStyle/>
-          <a:p>
-            <a:pPr marL="0" lvl="0" indent="0" algn="l" rtl="0">
-              <a:spcBef>
-                <a:spcPts val="0"/>
-              </a:spcBef>
-              <a:spcAft>
-                <a:spcPts val="0"/>
-              </a:spcAft>
-              <a:buNone/>
-            </a:pPr>
-            <a:endParaRPr/>
-          </a:p>
-        </p:txBody>
-      </p:sp>
-    </p:spTree>
-  </p:cSld>
-  <p:clrMapOvr>
-    <a:masterClrMapping/>
-  </p:clrMapOvr>
-</p:notes>
-</file>
-
 <file path=ppt/notesSlides/notesSlide2.xml><?xml version="1.0" encoding="utf-8"?>
 <p:notes xmlns:a="http://schemas.openxmlformats.org/drawingml/2006/main" xmlns:r="http://schemas.openxmlformats.org/officeDocument/2006/relationships" xmlns:p="http://schemas.openxmlformats.org/presentationml/2006/main" showMasterSp="0" showMasterPhAnim="0">
   <p:cSld>
@@ -1893,7 +1161,7 @@
   <p:cSld>
     <p:spTree>
       <p:nvGrpSpPr>
-        <p:cNvPr id="1" name="Shape 183"/>
+        <p:cNvPr id="1" name="Shape 177"/>
         <p:cNvGrpSpPr/>
         <p:nvPr/>
       </p:nvGrpSpPr>
@@ -1907,7 +1175,7 @@
       </p:grpSpPr>
       <p:sp>
         <p:nvSpPr>
-          <p:cNvPr id="184" name="Google Shape;184;gde1a278800_0_1:notes"/>
+          <p:cNvPr id="178" name="Google Shape;178;gde1a278800_0_348:notes"/>
           <p:cNvSpPr>
             <a:spLocks noGrp="1" noRot="1" noChangeAspect="1"/>
           </p:cNvSpPr>
@@ -1948,7 +1216,7 @@
       </p:sp>
       <p:sp>
         <p:nvSpPr>
-          <p:cNvPr id="185" name="Google Shape;185;gde1a278800_0_1:notes"/>
+          <p:cNvPr id="179" name="Google Shape;179;gde1a278800_0_348:notes"/>
           <p:cNvSpPr txBox="1">
             <a:spLocks noGrp="1"/>
           </p:cNvSpPr>
@@ -1980,112 +1248,16 @@
               </a:spcAft>
               <a:buNone/>
             </a:pPr>
-            <a:r>
-              <a:rPr lang="en"/>
-              <a:t>References - </a:t>
-            </a:r>
-            <a:r>
-              <a:rPr lang="en" sz="1200">
-                <a:solidFill>
-                  <a:srgbClr val="24292E"/>
-                </a:solidFill>
-                <a:highlight>
-                  <a:srgbClr val="FFFFFF"/>
-                </a:highlight>
-              </a:rPr>
-              <a:t>NBA.com - </a:t>
-            </a:r>
-            <a:r>
-              <a:rPr lang="en" sz="1200">
-                <a:solidFill>
-                  <a:schemeClr val="hlink"/>
-                </a:solidFill>
-                <a:highlight>
-                  <a:srgbClr val="FFFFFF"/>
-                </a:highlight>
-                <a:uFill>
-                  <a:noFill/>
-                </a:uFill>
-                <a:hlinkClick r:id="rId3"/>
-              </a:rPr>
-              <a:t>https://pypi.org/project/nba-api/#description</a:t>
-            </a:r>
-            <a:endParaRPr sz="1200">
-              <a:solidFill>
-                <a:schemeClr val="hlink"/>
-              </a:solidFill>
-              <a:highlight>
-                <a:srgbClr val="FFFFFF"/>
-              </a:highlight>
-            </a:endParaRPr>
-          </a:p>
-          <a:p>
-            <a:pPr marL="457200" lvl="0" indent="-304800" algn="l" rtl="0">
-              <a:lnSpc>
-                <a:spcPct val="115000"/>
-              </a:lnSpc>
-              <a:spcBef>
-                <a:spcPts val="300"/>
-              </a:spcBef>
-              <a:spcAft>
-                <a:spcPts val="0"/>
-              </a:spcAft>
-              <a:buClr>
-                <a:srgbClr val="24292E"/>
-              </a:buClr>
-              <a:buSzPts val="1200"/>
-              <a:buChar char="●"/>
-            </a:pPr>
-            <a:r>
-              <a:rPr lang="en" sz="1200">
-                <a:solidFill>
-                  <a:srgbClr val="24292E"/>
-                </a:solidFill>
-                <a:highlight>
-                  <a:srgbClr val="FFFFFF"/>
-                </a:highlight>
-              </a:rPr>
-              <a:t>Kaggle - </a:t>
-            </a:r>
-            <a:r>
-              <a:rPr lang="en" sz="1200">
-                <a:solidFill>
-                  <a:schemeClr val="hlink"/>
-                </a:solidFill>
-                <a:highlight>
-                  <a:srgbClr val="FFFFFF"/>
-                </a:highlight>
-                <a:uFill>
-                  <a:noFill/>
-                </a:uFill>
-                <a:hlinkClick r:id="rId4"/>
-              </a:rPr>
-              <a:t>https://www.kaggle.com/drgilermo/nba-players-stats?select=player_data.csv-</a:t>
-            </a:r>
-            <a:endParaRPr sz="1200">
-              <a:solidFill>
-                <a:schemeClr val="hlink"/>
-              </a:solidFill>
-              <a:highlight>
-                <a:srgbClr val="FFFFFF"/>
-              </a:highlight>
-            </a:endParaRPr>
-          </a:p>
-          <a:p>
-            <a:pPr marL="0" lvl="0" indent="0" algn="l" rtl="0">
-              <a:spcBef>
-                <a:spcPts val="1200"/>
-              </a:spcBef>
-              <a:spcAft>
-                <a:spcPts val="0"/>
-              </a:spcAft>
-              <a:buNone/>
-            </a:pPr>
             <a:endParaRPr/>
           </a:p>
         </p:txBody>
       </p:sp>
     </p:spTree>
+    <p:extLst>
+      <p:ext uri="{BB962C8B-B14F-4D97-AF65-F5344CB8AC3E}">
+        <p14:creationId xmlns:p14="http://schemas.microsoft.com/office/powerpoint/2010/main" val="1268631124"/>
+      </p:ext>
+    </p:extLst>
   </p:cSld>
   <p:clrMapOvr>
     <a:masterClrMapping/>
@@ -2094,110 +1266,6 @@
 </file>
 
 <file path=ppt/notesSlides/notesSlide6.xml><?xml version="1.0" encoding="utf-8"?>
-<p:notes xmlns:a="http://schemas.openxmlformats.org/drawingml/2006/main" xmlns:r="http://schemas.openxmlformats.org/officeDocument/2006/relationships" xmlns:p="http://schemas.openxmlformats.org/presentationml/2006/main" showMasterSp="0" showMasterPhAnim="0">
-  <p:cSld>
-    <p:spTree>
-      <p:nvGrpSpPr>
-        <p:cNvPr id="1" name="Shape 190"/>
-        <p:cNvGrpSpPr/>
-        <p:nvPr/>
-      </p:nvGrpSpPr>
-      <p:grpSpPr>
-        <a:xfrm>
-          <a:off x="0" y="0"/>
-          <a:ext cx="0" cy="0"/>
-          <a:chOff x="0" y="0"/>
-          <a:chExt cx="0" cy="0"/>
-        </a:xfrm>
-      </p:grpSpPr>
-      <p:sp>
-        <p:nvSpPr>
-          <p:cNvPr id="191" name="Google Shape;191;gde1a278800_0_7:notes"/>
-          <p:cNvSpPr>
-            <a:spLocks noGrp="1" noRot="1" noChangeAspect="1"/>
-          </p:cNvSpPr>
-          <p:nvPr>
-            <p:ph type="sldImg" idx="2"/>
-          </p:nvPr>
-        </p:nvSpPr>
-        <p:spPr>
-          <a:xfrm>
-            <a:off x="381000" y="685800"/>
-            <a:ext cx="6096000" cy="3429000"/>
-          </a:xfrm>
-          <a:custGeom>
-            <a:avLst/>
-            <a:gdLst/>
-            <a:ahLst/>
-            <a:cxnLst/>
-            <a:rect l="l" t="t" r="r" b="b"/>
-            <a:pathLst>
-              <a:path w="120000" h="120000" extrusionOk="0">
-                <a:moveTo>
-                  <a:pt x="0" y="0"/>
-                </a:moveTo>
-                <a:lnTo>
-                  <a:pt x="120000" y="0"/>
-                </a:lnTo>
-                <a:lnTo>
-                  <a:pt x="120000" y="120000"/>
-                </a:lnTo>
-                <a:lnTo>
-                  <a:pt x="0" y="120000"/>
-                </a:lnTo>
-                <a:close/>
-              </a:path>
-            </a:pathLst>
-          </a:custGeom>
-        </p:spPr>
-      </p:sp>
-      <p:sp>
-        <p:nvSpPr>
-          <p:cNvPr id="192" name="Google Shape;192;gde1a278800_0_7:notes"/>
-          <p:cNvSpPr txBox="1">
-            <a:spLocks noGrp="1"/>
-          </p:cNvSpPr>
-          <p:nvPr>
-            <p:ph type="body" idx="1"/>
-          </p:nvPr>
-        </p:nvSpPr>
-        <p:spPr>
-          <a:xfrm>
-            <a:off x="685800" y="4343400"/>
-            <a:ext cx="5486400" cy="4114800"/>
-          </a:xfrm>
-          <a:prstGeom prst="rect">
-            <a:avLst/>
-          </a:prstGeom>
-        </p:spPr>
-        <p:txBody>
-          <a:bodyPr spcFirstLastPara="1" wrap="square" lIns="91425" tIns="91425" rIns="91425" bIns="91425" anchor="t" anchorCtr="0">
-            <a:noAutofit/>
-          </a:bodyPr>
-          <a:lstStyle/>
-          <a:p>
-            <a:pPr marL="0" lvl="0" indent="0" algn="l" rtl="0">
-              <a:spcBef>
-                <a:spcPts val="0"/>
-              </a:spcBef>
-              <a:spcAft>
-                <a:spcPts val="0"/>
-              </a:spcAft>
-              <a:buNone/>
-            </a:pPr>
-            <a:endParaRPr/>
-          </a:p>
-        </p:txBody>
-      </p:sp>
-    </p:spTree>
-  </p:cSld>
-  <p:clrMapOvr>
-    <a:masterClrMapping/>
-  </p:clrMapOvr>
-</p:notes>
-</file>
-
-<file path=ppt/notesSlides/notesSlide7.xml><?xml version="1.0" encoding="utf-8"?>
 <p:notes xmlns:a="http://schemas.openxmlformats.org/drawingml/2006/main" xmlns:r="http://schemas.openxmlformats.org/officeDocument/2006/relationships" xmlns:p="http://schemas.openxmlformats.org/presentationml/2006/main" showMasterSp="0" showMasterPhAnim="0">
   <p:cSld>
     <p:spTree>
@@ -2429,111 +1497,7 @@
 </p:notes>
 </file>
 
-<file path=ppt/notesSlides/notesSlide8.xml><?xml version="1.0" encoding="utf-8"?>
-<p:notes xmlns:a="http://schemas.openxmlformats.org/drawingml/2006/main" xmlns:r="http://schemas.openxmlformats.org/officeDocument/2006/relationships" xmlns:p="http://schemas.openxmlformats.org/presentationml/2006/main" showMasterSp="0" showMasterPhAnim="0">
-  <p:cSld>
-    <p:spTree>
-      <p:nvGrpSpPr>
-        <p:cNvPr id="1" name="Shape 202"/>
-        <p:cNvGrpSpPr/>
-        <p:nvPr/>
-      </p:nvGrpSpPr>
-      <p:grpSpPr>
-        <a:xfrm>
-          <a:off x="0" y="0"/>
-          <a:ext cx="0" cy="0"/>
-          <a:chOff x="0" y="0"/>
-          <a:chExt cx="0" cy="0"/>
-        </a:xfrm>
-      </p:grpSpPr>
-      <p:sp>
-        <p:nvSpPr>
-          <p:cNvPr id="203" name="Google Shape;203;gde1a278800_0_321:notes"/>
-          <p:cNvSpPr>
-            <a:spLocks noGrp="1" noRot="1" noChangeAspect="1"/>
-          </p:cNvSpPr>
-          <p:nvPr>
-            <p:ph type="sldImg" idx="2"/>
-          </p:nvPr>
-        </p:nvSpPr>
-        <p:spPr>
-          <a:xfrm>
-            <a:off x="381000" y="685800"/>
-            <a:ext cx="6096000" cy="3429000"/>
-          </a:xfrm>
-          <a:custGeom>
-            <a:avLst/>
-            <a:gdLst/>
-            <a:ahLst/>
-            <a:cxnLst/>
-            <a:rect l="l" t="t" r="r" b="b"/>
-            <a:pathLst>
-              <a:path w="120000" h="120000" extrusionOk="0">
-                <a:moveTo>
-                  <a:pt x="0" y="0"/>
-                </a:moveTo>
-                <a:lnTo>
-                  <a:pt x="120000" y="0"/>
-                </a:lnTo>
-                <a:lnTo>
-                  <a:pt x="120000" y="120000"/>
-                </a:lnTo>
-                <a:lnTo>
-                  <a:pt x="0" y="120000"/>
-                </a:lnTo>
-                <a:close/>
-              </a:path>
-            </a:pathLst>
-          </a:custGeom>
-        </p:spPr>
-      </p:sp>
-      <p:sp>
-        <p:nvSpPr>
-          <p:cNvPr id="204" name="Google Shape;204;gde1a278800_0_321:notes"/>
-          <p:cNvSpPr txBox="1">
-            <a:spLocks noGrp="1"/>
-          </p:cNvSpPr>
-          <p:nvPr>
-            <p:ph type="body" idx="1"/>
-          </p:nvPr>
-        </p:nvSpPr>
-        <p:spPr>
-          <a:xfrm>
-            <a:off x="685800" y="4343400"/>
-            <a:ext cx="5486400" cy="4114800"/>
-          </a:xfrm>
-          <a:prstGeom prst="rect">
-            <a:avLst/>
-          </a:prstGeom>
-        </p:spPr>
-        <p:txBody>
-          <a:bodyPr spcFirstLastPara="1" wrap="square" lIns="91425" tIns="91425" rIns="91425" bIns="91425" anchor="t" anchorCtr="0">
-            <a:noAutofit/>
-          </a:bodyPr>
-          <a:lstStyle/>
-          <a:p>
-            <a:pPr marL="0" lvl="0" indent="0" algn="l" rtl="0">
-              <a:spcBef>
-                <a:spcPts val="0"/>
-              </a:spcBef>
-              <a:spcAft>
-                <a:spcPts val="0"/>
-              </a:spcAft>
-              <a:buNone/>
-            </a:pPr>
-            <a:endParaRPr/>
-          </a:p>
-        </p:txBody>
-      </p:sp>
-    </p:spTree>
-  </p:cSld>
-  <p:clrMapOvr>
-    <a:masterClrMapping/>
-  </p:clrMapOvr>
-</p:notes>
-</file>
-
-<file path=ppt/notesSlides/notesSlide9.xml><?xml version="1.0" encoding="utf-8"?>
+<file path=ppt/notesSlides/notesSlide7.xml><?xml version="1.0" encoding="utf-8"?>
 <p:notes xmlns:a="http://schemas.openxmlformats.org/drawingml/2006/main" xmlns:r="http://schemas.openxmlformats.org/officeDocument/2006/relationships" xmlns:p="http://schemas.openxmlformats.org/presentationml/2006/main" showMasterSp="0" showMasterPhAnim="0">
   <p:cSld>
     <p:spTree>
@@ -10926,7 +9890,7 @@
   <p:cSld>
     <p:spTree>
       <p:nvGrpSpPr>
-        <p:cNvPr id="1" name="Shape 216"/>
+        <p:cNvPr id="1" name=""/>
         <p:cNvGrpSpPr/>
         <p:nvPr/>
       </p:nvGrpSpPr>
@@ -10940,8 +9904,42 @@
       </p:grpSpPr>
       <p:sp>
         <p:nvSpPr>
-          <p:cNvPr id="217" name="Google Shape;217;p22"/>
-          <p:cNvSpPr txBox="1">
+          <p:cNvPr id="2" name="Title 1">
+            <a:extLst>
+              <a:ext uri="{FF2B5EF4-FFF2-40B4-BE49-F238E27FC236}">
+                <a16:creationId xmlns:a16="http://schemas.microsoft.com/office/drawing/2014/main" id="{2C196D81-B1C4-470E-BC7C-4EDC967BB1A4}"/>
+              </a:ext>
+            </a:extLst>
+          </p:cNvPr>
+          <p:cNvSpPr>
+            <a:spLocks noGrp="1"/>
+          </p:cNvSpPr>
+          <p:nvPr>
+            <p:ph type="title"/>
+          </p:nvPr>
+        </p:nvSpPr>
+        <p:spPr/>
+        <p:txBody>
+          <a:bodyPr/>
+          <a:lstStyle/>
+          <a:p>
+            <a:r>
+              <a:rPr lang="en-CA" dirty="0"/>
+              <a:t>Time Series</a:t>
+            </a:r>
+          </a:p>
+        </p:txBody>
+      </p:sp>
+      <p:sp>
+        <p:nvSpPr>
+          <p:cNvPr id="3" name="Text Placeholder 2">
+            <a:extLst>
+              <a:ext uri="{FF2B5EF4-FFF2-40B4-BE49-F238E27FC236}">
+                <a16:creationId xmlns:a16="http://schemas.microsoft.com/office/drawing/2014/main" id="{F0040EA2-4981-4867-A0D2-56CD69A19EFD}"/>
+              </a:ext>
+            </a:extLst>
+          </p:cNvPr>
+          <p:cNvSpPr>
             <a:spLocks noGrp="1"/>
           </p:cNvSpPr>
           <p:nvPr>
@@ -10950,94 +9948,51 @@
         </p:nvSpPr>
         <p:spPr>
           <a:xfrm>
-            <a:off x="607300" y="495750"/>
-            <a:ext cx="7882500" cy="3916500"/>
+            <a:off x="712358" y="1630304"/>
+            <a:ext cx="7505700" cy="2448000"/>
           </a:xfrm>
-          <a:prstGeom prst="rect">
-            <a:avLst/>
-          </a:prstGeom>
         </p:spPr>
         <p:txBody>
-          <a:bodyPr spcFirstLastPara="1" wrap="square" lIns="91425" tIns="91425" rIns="91425" bIns="91425" anchor="t" anchorCtr="0">
-            <a:normAutofit/>
-          </a:bodyPr>
+          <a:bodyPr/>
           <a:lstStyle/>
           <a:p>
-            <a:pPr marL="457200" lvl="0" indent="-311150" algn="l" rtl="0">
-              <a:spcBef>
-                <a:spcPts val="0"/>
-              </a:spcBef>
-              <a:spcAft>
-                <a:spcPts val="0"/>
-              </a:spcAft>
-              <a:buSzPts val="1300"/>
-              <a:buFont typeface="Times New Roman"/>
-              <a:buAutoNum type="arabicPeriod"/>
-            </a:pPr>
             <a:r>
-              <a:rPr lang="en" b="1">
-                <a:latin typeface="Times New Roman"/>
-                <a:ea typeface="Times New Roman"/>
-                <a:cs typeface="Times New Roman"/>
-                <a:sym typeface="Times New Roman"/>
-              </a:rPr>
-              <a:t>VORP by Player by Year</a:t>
+              <a:rPr lang="en-CA" dirty="0"/>
+              <a:t>Looked at the VORP and Cluster for every two year period, </a:t>
             </a:r>
-            <a:endParaRPr b="1">
-              <a:latin typeface="Times New Roman"/>
-              <a:ea typeface="Times New Roman"/>
-              <a:cs typeface="Times New Roman"/>
-              <a:sym typeface="Times New Roman"/>
-            </a:endParaRPr>
           </a:p>
           <a:p>
-            <a:pPr marL="457200" lvl="0" indent="0" algn="l" rtl="0">
-              <a:spcBef>
-                <a:spcPts val="1200"/>
-              </a:spcBef>
-              <a:spcAft>
-                <a:spcPts val="1200"/>
-              </a:spcAft>
-              <a:buNone/>
-            </a:pPr>
-            <a:endParaRPr>
-              <a:latin typeface="Times New Roman"/>
-              <a:ea typeface="Times New Roman"/>
-              <a:cs typeface="Times New Roman"/>
-              <a:sym typeface="Times New Roman"/>
-            </a:endParaRPr>
+            <a:r>
+              <a:rPr lang="en-CA" dirty="0"/>
+              <a:t>Noted if there was an improvement or regression in VORP </a:t>
+            </a:r>
+          </a:p>
+          <a:p>
+            <a:r>
+              <a:rPr lang="en-CA" dirty="0"/>
+              <a:t>If there was Improvement or Regression we noted down if the play changed his Play type (Cluster)</a:t>
+            </a:r>
+          </a:p>
+          <a:p>
+            <a:endParaRPr lang="en-CA" dirty="0"/>
+          </a:p>
+          <a:p>
+            <a:endParaRPr lang="en-CA" dirty="0"/>
+          </a:p>
+          <a:p>
+            <a:r>
+              <a:rPr lang="en-CA" dirty="0"/>
+              <a:t>ADD TIME SERIES IMAGE</a:t>
+            </a:r>
           </a:p>
         </p:txBody>
       </p:sp>
-      <p:pic>
-        <p:nvPicPr>
-          <p:cNvPr id="218" name="Google Shape;218;p22"/>
-          <p:cNvPicPr preferRelativeResize="0"/>
-          <p:nvPr/>
-        </p:nvPicPr>
-        <p:blipFill>
-          <a:blip r:embed="rId3">
-            <a:alphaModFix/>
-          </a:blip>
-          <a:stretch>
-            <a:fillRect/>
-          </a:stretch>
-        </p:blipFill>
-        <p:spPr>
-          <a:xfrm>
-            <a:off x="396600" y="1012725"/>
-            <a:ext cx="8192425" cy="3573050"/>
-          </a:xfrm>
-          <a:prstGeom prst="rect">
-            <a:avLst/>
-          </a:prstGeom>
-          <a:noFill/>
-          <a:ln>
-            <a:noFill/>
-          </a:ln>
-        </p:spPr>
-      </p:pic>
     </p:spTree>
+    <p:extLst>
+      <p:ext uri="{BB962C8B-B14F-4D97-AF65-F5344CB8AC3E}">
+        <p14:creationId xmlns:p14="http://schemas.microsoft.com/office/powerpoint/2010/main" val="2367623420"/>
+      </p:ext>
+    </p:extLst>
   </p:cSld>
   <p:clrMapOvr>
     <a:masterClrMapping/>
@@ -11050,7 +10005,167 @@
   <p:cSld>
     <p:spTree>
       <p:nvGrpSpPr>
-        <p:cNvPr id="1" name="Shape 222"/>
+        <p:cNvPr id="1" name=""/>
+        <p:cNvGrpSpPr/>
+        <p:nvPr/>
+      </p:nvGrpSpPr>
+      <p:grpSpPr>
+        <a:xfrm>
+          <a:off x="0" y="0"/>
+          <a:ext cx="0" cy="0"/>
+          <a:chOff x="0" y="0"/>
+          <a:chExt cx="0" cy="0"/>
+        </a:xfrm>
+      </p:grpSpPr>
+      <p:pic>
+        <p:nvPicPr>
+          <p:cNvPr id="5" name="Picture 4">
+            <a:extLst>
+              <a:ext uri="{FF2B5EF4-FFF2-40B4-BE49-F238E27FC236}">
+                <a16:creationId xmlns:a16="http://schemas.microsoft.com/office/drawing/2014/main" id="{86842729-56D6-4B83-99F3-B41491835F37}"/>
+              </a:ext>
+            </a:extLst>
+          </p:cNvPr>
+          <p:cNvPicPr>
+            <a:picLocks noChangeAspect="1"/>
+          </p:cNvPicPr>
+          <p:nvPr/>
+        </p:nvPicPr>
+        <p:blipFill>
+          <a:blip r:embed="rId2"/>
+          <a:stretch>
+            <a:fillRect/>
+          </a:stretch>
+        </p:blipFill>
+        <p:spPr>
+          <a:xfrm>
+            <a:off x="201207" y="419160"/>
+            <a:ext cx="4271652" cy="4597525"/>
+          </a:xfrm>
+          <a:prstGeom prst="rect">
+            <a:avLst/>
+          </a:prstGeom>
+        </p:spPr>
+      </p:pic>
+      <p:sp>
+        <p:nvSpPr>
+          <p:cNvPr id="6" name="TextBox 5">
+            <a:extLst>
+              <a:ext uri="{FF2B5EF4-FFF2-40B4-BE49-F238E27FC236}">
+                <a16:creationId xmlns:a16="http://schemas.microsoft.com/office/drawing/2014/main" id="{E9DB8FAE-A704-4F9E-8F41-9AFAB7F7C595}"/>
+              </a:ext>
+            </a:extLst>
+          </p:cNvPr>
+          <p:cNvSpPr txBox="1"/>
+          <p:nvPr/>
+        </p:nvSpPr>
+        <p:spPr>
+          <a:xfrm>
+            <a:off x="473886" y="233606"/>
+            <a:ext cx="4271651" cy="307777"/>
+          </a:xfrm>
+          <a:prstGeom prst="rect">
+            <a:avLst/>
+          </a:prstGeom>
+          <a:noFill/>
+        </p:spPr>
+        <p:txBody>
+          <a:bodyPr wrap="square" rtlCol="0">
+            <a:spAutoFit/>
+          </a:bodyPr>
+          <a:lstStyle/>
+          <a:p>
+            <a:r>
+              <a:rPr lang="en-CA" dirty="0"/>
+              <a:t>Improvements</a:t>
+            </a:r>
+          </a:p>
+        </p:txBody>
+      </p:sp>
+      <p:pic>
+        <p:nvPicPr>
+          <p:cNvPr id="8" name="Picture 7">
+            <a:extLst>
+              <a:ext uri="{FF2B5EF4-FFF2-40B4-BE49-F238E27FC236}">
+                <a16:creationId xmlns:a16="http://schemas.microsoft.com/office/drawing/2014/main" id="{ED0FD97A-6197-4E10-A72C-9DB641E8C173}"/>
+              </a:ext>
+            </a:extLst>
+          </p:cNvPr>
+          <p:cNvPicPr>
+            <a:picLocks noChangeAspect="1"/>
+          </p:cNvPicPr>
+          <p:nvPr/>
+        </p:nvPicPr>
+        <p:blipFill>
+          <a:blip r:embed="rId3"/>
+          <a:stretch>
+            <a:fillRect/>
+          </a:stretch>
+        </p:blipFill>
+        <p:spPr>
+          <a:xfrm>
+            <a:off x="4671143" y="419160"/>
+            <a:ext cx="4185857" cy="4597525"/>
+          </a:xfrm>
+          <a:prstGeom prst="rect">
+            <a:avLst/>
+          </a:prstGeom>
+        </p:spPr>
+      </p:pic>
+      <p:sp>
+        <p:nvSpPr>
+          <p:cNvPr id="9" name="TextBox 8">
+            <a:extLst>
+              <a:ext uri="{FF2B5EF4-FFF2-40B4-BE49-F238E27FC236}">
+                <a16:creationId xmlns:a16="http://schemas.microsoft.com/office/drawing/2014/main" id="{07010796-14E6-404C-9CE5-2E8103AACFDD}"/>
+              </a:ext>
+            </a:extLst>
+          </p:cNvPr>
+          <p:cNvSpPr txBox="1"/>
+          <p:nvPr/>
+        </p:nvSpPr>
+        <p:spPr>
+          <a:xfrm>
+            <a:off x="4932420" y="233606"/>
+            <a:ext cx="3170365" cy="307777"/>
+          </a:xfrm>
+          <a:prstGeom prst="rect">
+            <a:avLst/>
+          </a:prstGeom>
+          <a:noFill/>
+        </p:spPr>
+        <p:txBody>
+          <a:bodyPr wrap="square" rtlCol="0">
+            <a:spAutoFit/>
+          </a:bodyPr>
+          <a:lstStyle/>
+          <a:p>
+            <a:r>
+              <a:rPr lang="en-CA" dirty="0"/>
+              <a:t>Regression</a:t>
+            </a:r>
+          </a:p>
+        </p:txBody>
+      </p:sp>
+    </p:spTree>
+    <p:extLst>
+      <p:ext uri="{BB962C8B-B14F-4D97-AF65-F5344CB8AC3E}">
+        <p14:creationId xmlns:p14="http://schemas.microsoft.com/office/powerpoint/2010/main" val="2121093515"/>
+      </p:ext>
+    </p:extLst>
+  </p:cSld>
+  <p:clrMapOvr>
+    <a:masterClrMapping/>
+  </p:clrMapOvr>
+</p:sld>
+</file>
+
+<file path=ppt/slides/slide12.xml><?xml version="1.0" encoding="utf-8"?>
+<p:sld xmlns:a="http://schemas.openxmlformats.org/drawingml/2006/main" xmlns:r="http://schemas.openxmlformats.org/officeDocument/2006/relationships" xmlns:p="http://schemas.openxmlformats.org/presentationml/2006/main">
+  <p:cSld>
+    <p:spTree>
+      <p:nvGrpSpPr>
+        <p:cNvPr id="1" name=""/>
         <p:cNvGrpSpPr/>
         <p:nvPr/>
       </p:nvGrpSpPr>
@@ -11064,565 +10179,14 @@
       </p:grpSpPr>
       <p:sp>
         <p:nvSpPr>
-          <p:cNvPr id="223" name="Google Shape;223;p23"/>
-          <p:cNvSpPr txBox="1">
-            <a:spLocks noGrp="1"/>
-          </p:cNvSpPr>
-          <p:nvPr>
-            <p:ph type="body" idx="1"/>
-          </p:nvPr>
-        </p:nvSpPr>
-        <p:spPr>
-          <a:xfrm>
-            <a:off x="632100" y="545325"/>
-            <a:ext cx="7692600" cy="3893400"/>
-          </a:xfrm>
-          <a:prstGeom prst="rect">
-            <a:avLst/>
-          </a:prstGeom>
-        </p:spPr>
-        <p:txBody>
-          <a:bodyPr spcFirstLastPara="1" wrap="square" lIns="91425" tIns="91425" rIns="91425" bIns="91425" anchor="t" anchorCtr="0">
-            <a:normAutofit/>
-          </a:bodyPr>
-          <a:lstStyle/>
-          <a:p>
-            <a:pPr marL="0" lvl="0" indent="0" algn="l" rtl="0">
-              <a:spcBef>
-                <a:spcPts val="0"/>
-              </a:spcBef>
-              <a:spcAft>
-                <a:spcPts val="1200"/>
-              </a:spcAft>
-              <a:buNone/>
-            </a:pPr>
-            <a:endParaRPr/>
-          </a:p>
-        </p:txBody>
-      </p:sp>
-      <p:pic>
-        <p:nvPicPr>
-          <p:cNvPr id="224" name="Google Shape;224;p23"/>
-          <p:cNvPicPr preferRelativeResize="0"/>
-          <p:nvPr/>
-        </p:nvPicPr>
-        <p:blipFill>
-          <a:blip r:embed="rId3">
-            <a:alphaModFix/>
-          </a:blip>
-          <a:stretch>
-            <a:fillRect/>
-          </a:stretch>
-        </p:blipFill>
-        <p:spPr>
-          <a:xfrm>
-            <a:off x="718850" y="632100"/>
-            <a:ext cx="7605850" cy="3806625"/>
-          </a:xfrm>
-          <a:prstGeom prst="rect">
-            <a:avLst/>
-          </a:prstGeom>
-          <a:noFill/>
-          <a:ln>
-            <a:noFill/>
-          </a:ln>
-        </p:spPr>
-      </p:pic>
-    </p:spTree>
-  </p:cSld>
-  <p:clrMapOvr>
-    <a:masterClrMapping/>
-  </p:clrMapOvr>
-</p:sld>
-</file>
-
-<file path=ppt/slides/slide12.xml><?xml version="1.0" encoding="utf-8"?>
-<p:sld xmlns:a="http://schemas.openxmlformats.org/drawingml/2006/main" xmlns:r="http://schemas.openxmlformats.org/officeDocument/2006/relationships" xmlns:p="http://schemas.openxmlformats.org/presentationml/2006/main">
-  <p:cSld>
-    <p:spTree>
-      <p:nvGrpSpPr>
-        <p:cNvPr id="1" name="Shape 228"/>
-        <p:cNvGrpSpPr/>
-        <p:nvPr/>
-      </p:nvGrpSpPr>
-      <p:grpSpPr>
-        <a:xfrm>
-          <a:off x="0" y="0"/>
-          <a:ext cx="0" cy="0"/>
-          <a:chOff x="0" y="0"/>
-          <a:chExt cx="0" cy="0"/>
-        </a:xfrm>
-      </p:grpSpPr>
-      <p:sp>
-        <p:nvSpPr>
-          <p:cNvPr id="229" name="Google Shape;229;p24"/>
-          <p:cNvSpPr txBox="1">
-            <a:spLocks noGrp="1"/>
-          </p:cNvSpPr>
-          <p:nvPr>
-            <p:ph type="body" idx="1"/>
-          </p:nvPr>
-        </p:nvSpPr>
-        <p:spPr>
-          <a:xfrm>
-            <a:off x="495750" y="570125"/>
-            <a:ext cx="7829100" cy="3868500"/>
-          </a:xfrm>
-          <a:prstGeom prst="rect">
-            <a:avLst/>
-          </a:prstGeom>
-        </p:spPr>
-        <p:txBody>
-          <a:bodyPr spcFirstLastPara="1" wrap="square" lIns="91425" tIns="91425" rIns="91425" bIns="91425" anchor="t" anchorCtr="0">
-            <a:normAutofit/>
-          </a:bodyPr>
-          <a:lstStyle/>
-          <a:p>
-            <a:pPr marL="0" lvl="0" indent="0" algn="l" rtl="0">
-              <a:spcBef>
-                <a:spcPts val="0"/>
-              </a:spcBef>
-              <a:spcAft>
-                <a:spcPts val="0"/>
-              </a:spcAft>
-              <a:buNone/>
-            </a:pPr>
-            <a:r>
-              <a:rPr lang="en"/>
-              <a:t>2. </a:t>
-            </a:r>
-            <a:r>
-              <a:rPr lang="en" b="1"/>
-              <a:t>VORP by Age</a:t>
-            </a:r>
-            <a:endParaRPr b="1"/>
-          </a:p>
-          <a:p>
-            <a:pPr marL="0" lvl="0" indent="0" algn="l" rtl="0">
-              <a:spcBef>
-                <a:spcPts val="1200"/>
-              </a:spcBef>
-              <a:spcAft>
-                <a:spcPts val="1200"/>
-              </a:spcAft>
-              <a:buNone/>
-            </a:pPr>
-            <a:endParaRPr b="1"/>
-          </a:p>
-        </p:txBody>
-      </p:sp>
-      <p:pic>
-        <p:nvPicPr>
-          <p:cNvPr id="230" name="Google Shape;230;p24"/>
-          <p:cNvPicPr preferRelativeResize="0"/>
-          <p:nvPr/>
-        </p:nvPicPr>
-        <p:blipFill>
-          <a:blip r:embed="rId3">
-            <a:alphaModFix/>
-          </a:blip>
-          <a:stretch>
-            <a:fillRect/>
-          </a:stretch>
-        </p:blipFill>
-        <p:spPr>
-          <a:xfrm>
-            <a:off x="285050" y="933600"/>
-            <a:ext cx="8527076" cy="3868500"/>
-          </a:xfrm>
-          <a:prstGeom prst="rect">
-            <a:avLst/>
-          </a:prstGeom>
-          <a:noFill/>
-          <a:ln>
-            <a:noFill/>
-          </a:ln>
-        </p:spPr>
-      </p:pic>
-    </p:spTree>
-  </p:cSld>
-  <p:clrMapOvr>
-    <a:masterClrMapping/>
-  </p:clrMapOvr>
-</p:sld>
-</file>
-
-<file path=ppt/slides/slide13.xml><?xml version="1.0" encoding="utf-8"?>
-<p:sld xmlns:a="http://schemas.openxmlformats.org/drawingml/2006/main" xmlns:r="http://schemas.openxmlformats.org/officeDocument/2006/relationships" xmlns:p="http://schemas.openxmlformats.org/presentationml/2006/main">
-  <p:cSld>
-    <p:spTree>
-      <p:nvGrpSpPr>
-        <p:cNvPr id="1" name="Shape 234"/>
-        <p:cNvGrpSpPr/>
-        <p:nvPr/>
-      </p:nvGrpSpPr>
-      <p:grpSpPr>
-        <a:xfrm>
-          <a:off x="0" y="0"/>
-          <a:ext cx="0" cy="0"/>
-          <a:chOff x="0" y="0"/>
-          <a:chExt cx="0" cy="0"/>
-        </a:xfrm>
-      </p:grpSpPr>
-      <p:sp>
-        <p:nvSpPr>
-          <p:cNvPr id="235" name="Google Shape;235;p25"/>
-          <p:cNvSpPr txBox="1">
-            <a:spLocks noGrp="1"/>
-          </p:cNvSpPr>
-          <p:nvPr>
-            <p:ph type="body" idx="1"/>
-          </p:nvPr>
-        </p:nvSpPr>
-        <p:spPr>
-          <a:xfrm>
-            <a:off x="632100" y="681675"/>
-            <a:ext cx="7692900" cy="3757200"/>
-          </a:xfrm>
-          <a:prstGeom prst="rect">
-            <a:avLst/>
-          </a:prstGeom>
-        </p:spPr>
-        <p:txBody>
-          <a:bodyPr spcFirstLastPara="1" wrap="square" lIns="91425" tIns="91425" rIns="91425" bIns="91425" anchor="t" anchorCtr="0">
-            <a:normAutofit/>
-          </a:bodyPr>
-          <a:lstStyle/>
-          <a:p>
-            <a:pPr marL="0" lvl="0" indent="0" algn="l" rtl="0">
-              <a:spcBef>
-                <a:spcPts val="0"/>
-              </a:spcBef>
-              <a:spcAft>
-                <a:spcPts val="0"/>
-              </a:spcAft>
-              <a:buNone/>
-            </a:pPr>
-            <a:r>
-              <a:rPr lang="en"/>
-              <a:t>3. </a:t>
-            </a:r>
-            <a:r>
-              <a:rPr lang="en" b="1"/>
-              <a:t>Player Efficiency Rate By Year</a:t>
-            </a:r>
-            <a:endParaRPr b="1"/>
-          </a:p>
-          <a:p>
-            <a:pPr marL="0" lvl="0" indent="0" algn="l" rtl="0">
-              <a:spcBef>
-                <a:spcPts val="1200"/>
-              </a:spcBef>
-              <a:spcAft>
-                <a:spcPts val="1200"/>
-              </a:spcAft>
-              <a:buNone/>
-            </a:pPr>
-            <a:endParaRPr b="1"/>
-          </a:p>
-        </p:txBody>
-      </p:sp>
-      <p:pic>
-        <p:nvPicPr>
-          <p:cNvPr id="236" name="Google Shape;236;p25"/>
-          <p:cNvPicPr preferRelativeResize="0"/>
-          <p:nvPr/>
-        </p:nvPicPr>
-        <p:blipFill>
-          <a:blip r:embed="rId3">
-            <a:alphaModFix/>
-          </a:blip>
-          <a:stretch>
-            <a:fillRect/>
-          </a:stretch>
-        </p:blipFill>
-        <p:spPr>
-          <a:xfrm>
-            <a:off x="706450" y="1103075"/>
-            <a:ext cx="7857775" cy="3619025"/>
-          </a:xfrm>
-          <a:prstGeom prst="rect">
-            <a:avLst/>
-          </a:prstGeom>
-          <a:noFill/>
-          <a:ln>
-            <a:noFill/>
-          </a:ln>
-        </p:spPr>
-      </p:pic>
-    </p:spTree>
-  </p:cSld>
-  <p:clrMapOvr>
-    <a:masterClrMapping/>
-  </p:clrMapOvr>
-</p:sld>
-</file>
-
-<file path=ppt/slides/slide14.xml><?xml version="1.0" encoding="utf-8"?>
-<p:sld xmlns:a="http://schemas.openxmlformats.org/drawingml/2006/main" xmlns:r="http://schemas.openxmlformats.org/officeDocument/2006/relationships" xmlns:p="http://schemas.openxmlformats.org/presentationml/2006/main">
-  <p:cSld>
-    <p:spTree>
-      <p:nvGrpSpPr>
-        <p:cNvPr id="1" name="Shape 240"/>
-        <p:cNvGrpSpPr/>
-        <p:nvPr/>
-      </p:nvGrpSpPr>
-      <p:grpSpPr>
-        <a:xfrm>
-          <a:off x="0" y="0"/>
-          <a:ext cx="0" cy="0"/>
-          <a:chOff x="0" y="0"/>
-          <a:chExt cx="0" cy="0"/>
-        </a:xfrm>
-      </p:grpSpPr>
-      <p:sp>
-        <p:nvSpPr>
-          <p:cNvPr id="241" name="Google Shape;241;p26"/>
-          <p:cNvSpPr txBox="1">
-            <a:spLocks noGrp="1"/>
-          </p:cNvSpPr>
-          <p:nvPr>
-            <p:ph type="body" idx="1"/>
-          </p:nvPr>
-        </p:nvSpPr>
-        <p:spPr>
-          <a:xfrm>
-            <a:off x="819150" y="594900"/>
-            <a:ext cx="7505700" cy="3843900"/>
-          </a:xfrm>
-          <a:prstGeom prst="rect">
-            <a:avLst/>
-          </a:prstGeom>
-        </p:spPr>
-        <p:txBody>
-          <a:bodyPr spcFirstLastPara="1" wrap="square" lIns="91425" tIns="91425" rIns="91425" bIns="91425" anchor="t" anchorCtr="0">
-            <a:normAutofit/>
-          </a:bodyPr>
-          <a:lstStyle/>
-          <a:p>
-            <a:pPr marL="0" lvl="0" indent="0" algn="l" rtl="0">
-              <a:spcBef>
-                <a:spcPts val="0"/>
-              </a:spcBef>
-              <a:spcAft>
-                <a:spcPts val="0"/>
-              </a:spcAft>
-              <a:buNone/>
-            </a:pPr>
-            <a:r>
-              <a:rPr lang="en"/>
-              <a:t>4</a:t>
-            </a:r>
-            <a:r>
-              <a:rPr lang="en" b="1"/>
-              <a:t>. VORP by MP</a:t>
-            </a:r>
-            <a:endParaRPr b="1"/>
-          </a:p>
-          <a:p>
-            <a:pPr marL="0" lvl="0" indent="0" algn="l" rtl="0">
-              <a:spcBef>
-                <a:spcPts val="1200"/>
-              </a:spcBef>
-              <a:spcAft>
-                <a:spcPts val="1200"/>
-              </a:spcAft>
-              <a:buNone/>
-            </a:pPr>
-            <a:endParaRPr b="1"/>
-          </a:p>
-        </p:txBody>
-      </p:sp>
-      <p:pic>
-        <p:nvPicPr>
-          <p:cNvPr id="242" name="Google Shape;242;p26"/>
-          <p:cNvPicPr preferRelativeResize="0"/>
-          <p:nvPr/>
-        </p:nvPicPr>
-        <p:blipFill>
-          <a:blip r:embed="rId3">
-            <a:alphaModFix/>
-          </a:blip>
-          <a:stretch>
-            <a:fillRect/>
-          </a:stretch>
-        </p:blipFill>
-        <p:spPr>
-          <a:xfrm>
-            <a:off x="421400" y="979125"/>
-            <a:ext cx="8279176" cy="3670375"/>
-          </a:xfrm>
-          <a:prstGeom prst="rect">
-            <a:avLst/>
-          </a:prstGeom>
-          <a:noFill/>
-          <a:ln>
-            <a:noFill/>
-          </a:ln>
-        </p:spPr>
-      </p:pic>
-    </p:spTree>
-  </p:cSld>
-  <p:clrMapOvr>
-    <a:masterClrMapping/>
-  </p:clrMapOvr>
-</p:sld>
-</file>
-
-<file path=ppt/slides/slide15.xml><?xml version="1.0" encoding="utf-8"?>
-<p:sld xmlns:a="http://schemas.openxmlformats.org/drawingml/2006/main" xmlns:r="http://schemas.openxmlformats.org/officeDocument/2006/relationships" xmlns:p="http://schemas.openxmlformats.org/presentationml/2006/main">
-  <p:cSld>
-    <p:spTree>
-      <p:nvGrpSpPr>
-        <p:cNvPr id="1" name="Shape 246"/>
-        <p:cNvGrpSpPr/>
-        <p:nvPr/>
-      </p:nvGrpSpPr>
-      <p:grpSpPr>
-        <a:xfrm>
-          <a:off x="0" y="0"/>
-          <a:ext cx="0" cy="0"/>
-          <a:chOff x="0" y="0"/>
-          <a:chExt cx="0" cy="0"/>
-        </a:xfrm>
-      </p:grpSpPr>
-      <p:sp>
-        <p:nvSpPr>
-          <p:cNvPr id="247" name="Google Shape;247;p27"/>
-          <p:cNvSpPr txBox="1">
-            <a:spLocks noGrp="1"/>
-          </p:cNvSpPr>
-          <p:nvPr>
-            <p:ph type="title"/>
-          </p:nvPr>
-        </p:nvSpPr>
-        <p:spPr>
-          <a:xfrm>
-            <a:off x="819150" y="446175"/>
-            <a:ext cx="7505700" cy="632100"/>
-          </a:xfrm>
-          <a:prstGeom prst="rect">
-            <a:avLst/>
-          </a:prstGeom>
-        </p:spPr>
-        <p:txBody>
-          <a:bodyPr spcFirstLastPara="1" wrap="square" lIns="91425" tIns="91425" rIns="91425" bIns="91425" anchor="t" anchorCtr="0">
-            <a:normAutofit fontScale="90000"/>
-          </a:bodyPr>
-          <a:lstStyle/>
-          <a:p>
-            <a:pPr marL="0" lvl="0" indent="0" algn="l" rtl="0">
-              <a:spcBef>
-                <a:spcPts val="0"/>
-              </a:spcBef>
-              <a:spcAft>
-                <a:spcPts val="0"/>
-              </a:spcAft>
-              <a:buNone/>
-            </a:pPr>
-            <a:r>
-              <a:rPr lang="en"/>
-              <a:t>Clustering Results</a:t>
-            </a:r>
-            <a:endParaRPr/>
-          </a:p>
-        </p:txBody>
-      </p:sp>
-      <p:sp>
-        <p:nvSpPr>
-          <p:cNvPr id="248" name="Google Shape;248;p27"/>
-          <p:cNvSpPr txBox="1">
-            <a:spLocks noGrp="1"/>
-          </p:cNvSpPr>
-          <p:nvPr>
-            <p:ph type="body" idx="1"/>
-          </p:nvPr>
-        </p:nvSpPr>
-        <p:spPr>
-          <a:xfrm>
-            <a:off x="520550" y="1152650"/>
-            <a:ext cx="8142900" cy="3286200"/>
-          </a:xfrm>
-          <a:prstGeom prst="rect">
-            <a:avLst/>
-          </a:prstGeom>
-        </p:spPr>
-        <p:txBody>
-          <a:bodyPr spcFirstLastPara="1" wrap="square" lIns="91425" tIns="91425" rIns="91425" bIns="91425" anchor="t" anchorCtr="0">
-            <a:normAutofit/>
-          </a:bodyPr>
-          <a:lstStyle/>
-          <a:p>
-            <a:pPr marL="0" lvl="0" indent="0" algn="l" rtl="0">
-              <a:spcBef>
-                <a:spcPts val="0"/>
-              </a:spcBef>
-              <a:spcAft>
-                <a:spcPts val="1200"/>
-              </a:spcAft>
-              <a:buNone/>
-            </a:pPr>
-            <a:endParaRPr/>
-          </a:p>
-        </p:txBody>
-      </p:sp>
-      <p:pic>
-        <p:nvPicPr>
-          <p:cNvPr id="249" name="Google Shape;249;p27"/>
-          <p:cNvPicPr preferRelativeResize="0"/>
-          <p:nvPr/>
-        </p:nvPicPr>
-        <p:blipFill>
-          <a:blip r:embed="rId3">
-            <a:alphaModFix/>
-          </a:blip>
-          <a:stretch>
-            <a:fillRect/>
-          </a:stretch>
-        </p:blipFill>
-        <p:spPr>
-          <a:xfrm>
-            <a:off x="520550" y="1078275"/>
-            <a:ext cx="8142899" cy="3445524"/>
-          </a:xfrm>
-          <a:prstGeom prst="rect">
-            <a:avLst/>
-          </a:prstGeom>
-          <a:noFill/>
-          <a:ln>
-            <a:noFill/>
-          </a:ln>
-        </p:spPr>
-      </p:pic>
-    </p:spTree>
-  </p:cSld>
-  <p:clrMapOvr>
-    <a:masterClrMapping/>
-  </p:clrMapOvr>
-</p:sld>
-</file>
-
-<file path=ppt/slides/slide16.xml><?xml version="1.0" encoding="utf-8"?>
-<p:sld xmlns:a="http://schemas.openxmlformats.org/drawingml/2006/main" xmlns:r="http://schemas.openxmlformats.org/officeDocument/2006/relationships" xmlns:p="http://schemas.openxmlformats.org/presentationml/2006/main">
-  <p:cSld>
-    <p:spTree>
-      <p:nvGrpSpPr>
-        <p:cNvPr id="1" name="Shape 253"/>
-        <p:cNvGrpSpPr/>
-        <p:nvPr/>
-      </p:nvGrpSpPr>
-      <p:grpSpPr>
-        <a:xfrm>
-          <a:off x="0" y="0"/>
-          <a:ext cx="0" cy="0"/>
-          <a:chOff x="0" y="0"/>
-          <a:chExt cx="0" cy="0"/>
-        </a:xfrm>
-      </p:grpSpPr>
-      <p:sp>
-        <p:nvSpPr>
-          <p:cNvPr id="254" name="Google Shape;254;p28"/>
-          <p:cNvSpPr txBox="1">
+          <p:cNvPr id="2" name="Title 1">
+            <a:extLst>
+              <a:ext uri="{FF2B5EF4-FFF2-40B4-BE49-F238E27FC236}">
+                <a16:creationId xmlns:a16="http://schemas.microsoft.com/office/drawing/2014/main" id="{7A2FFDC6-C8BC-4D38-9314-D2D9CE80F586}"/>
+              </a:ext>
+            </a:extLst>
+          </p:cNvPr>
+          <p:cNvSpPr>
             <a:spLocks noGrp="1"/>
           </p:cNvSpPr>
           <p:nvPr>
@@ -11632,39 +10196,32 @@
         <p:spPr>
           <a:xfrm>
             <a:off x="819150" y="845600"/>
-            <a:ext cx="7505700" cy="954600"/>
+            <a:ext cx="3485872" cy="954600"/>
           </a:xfrm>
-          <a:prstGeom prst="rect">
-            <a:avLst/>
-          </a:prstGeom>
         </p:spPr>
         <p:txBody>
-          <a:bodyPr spcFirstLastPara="1" wrap="square" lIns="91425" tIns="91425" rIns="91425" bIns="91425" anchor="t" anchorCtr="0">
-            <a:normAutofit/>
+          <a:bodyPr>
+            <a:normAutofit fontScale="90000"/>
           </a:bodyPr>
           <a:lstStyle/>
           <a:p>
-            <a:pPr marL="0" lvl="0" indent="0" algn="l" rtl="0">
-              <a:spcBef>
-                <a:spcPts val="0"/>
-              </a:spcBef>
-              <a:spcAft>
-                <a:spcPts val="0"/>
-              </a:spcAft>
-              <a:buNone/>
-            </a:pPr>
             <a:r>
-              <a:rPr lang="en"/>
-              <a:t>REFERENCES</a:t>
+              <a:rPr lang="en-CA" dirty="0"/>
+              <a:t>Improvement Vs Total Changes</a:t>
             </a:r>
-            <a:endParaRPr/>
           </a:p>
         </p:txBody>
       </p:sp>
       <p:sp>
         <p:nvSpPr>
-          <p:cNvPr id="255" name="Google Shape;255;p28"/>
-          <p:cNvSpPr txBox="1">
+          <p:cNvPr id="3" name="Text Placeholder 2">
+            <a:extLst>
+              <a:ext uri="{FF2B5EF4-FFF2-40B4-BE49-F238E27FC236}">
+                <a16:creationId xmlns:a16="http://schemas.microsoft.com/office/drawing/2014/main" id="{88B8F84A-039B-49D8-A315-D0C235FD75FD}"/>
+              </a:ext>
+            </a:extLst>
+          </p:cNvPr>
+          <p:cNvSpPr>
             <a:spLocks noGrp="1"/>
           </p:cNvSpPr>
           <p:nvPr>
@@ -11673,326 +10230,57 @@
         </p:nvSpPr>
         <p:spPr>
           <a:xfrm>
-            <a:off x="819150" y="1517525"/>
-            <a:ext cx="7505700" cy="2921100"/>
+            <a:off x="819150" y="1990725"/>
+            <a:ext cx="3485872" cy="2448000"/>
+          </a:xfrm>
+        </p:spPr>
+        <p:txBody>
+          <a:bodyPr/>
+          <a:lstStyle/>
+          <a:p>
+            <a:r>
+              <a:rPr lang="en-CA" dirty="0"/>
+              <a:t>Comparing the number of improvements to the total number of changes (Improvements + Regression)</a:t>
+            </a:r>
+          </a:p>
+        </p:txBody>
+      </p:sp>
+      <p:pic>
+        <p:nvPicPr>
+          <p:cNvPr id="5" name="Picture 4">
+            <a:extLst>
+              <a:ext uri="{FF2B5EF4-FFF2-40B4-BE49-F238E27FC236}">
+                <a16:creationId xmlns:a16="http://schemas.microsoft.com/office/drawing/2014/main" id="{BA1336D7-E1CC-4941-ACD5-DFB7327C2A20}"/>
+              </a:ext>
+            </a:extLst>
+          </p:cNvPr>
+          <p:cNvPicPr>
+            <a:picLocks noChangeAspect="1"/>
+          </p:cNvPicPr>
+          <p:nvPr/>
+        </p:nvPicPr>
+        <p:blipFill>
+          <a:blip r:embed="rId2"/>
+          <a:stretch>
+            <a:fillRect/>
+          </a:stretch>
+        </p:blipFill>
+        <p:spPr>
+          <a:xfrm>
+            <a:off x="4242866" y="333722"/>
+            <a:ext cx="4327131" cy="4327131"/>
           </a:xfrm>
           <a:prstGeom prst="rect">
             <a:avLst/>
           </a:prstGeom>
         </p:spPr>
-        <p:txBody>
-          <a:bodyPr spcFirstLastPara="1" wrap="square" lIns="91425" tIns="91425" rIns="91425" bIns="91425" anchor="t" anchorCtr="0">
-            <a:normAutofit/>
-          </a:bodyPr>
-          <a:lstStyle/>
-          <a:p>
-            <a:pPr marL="457200" lvl="0" indent="-317500" algn="l" rtl="0">
-              <a:lnSpc>
-                <a:spcPct val="100000"/>
-              </a:lnSpc>
-              <a:spcBef>
-                <a:spcPts val="0"/>
-              </a:spcBef>
-              <a:spcAft>
-                <a:spcPts val="0"/>
-              </a:spcAft>
-              <a:buSzPts val="1400"/>
-              <a:buFont typeface="Arial"/>
-              <a:buAutoNum type="arabicPeriod"/>
-            </a:pPr>
-            <a:r>
-              <a:rPr lang="en" sz="1400">
-                <a:solidFill>
-                  <a:srgbClr val="24292E"/>
-                </a:solidFill>
-                <a:highlight>
-                  <a:srgbClr val="FFFFFF"/>
-                </a:highlight>
-                <a:latin typeface="Arial"/>
-                <a:ea typeface="Arial"/>
-                <a:cs typeface="Arial"/>
-                <a:sym typeface="Arial"/>
-              </a:rPr>
-              <a:t>NBA.com - </a:t>
-            </a:r>
-            <a:r>
-              <a:rPr lang="en" sz="1400">
-                <a:solidFill>
-                  <a:schemeClr val="accent5"/>
-                </a:solidFill>
-                <a:highlight>
-                  <a:srgbClr val="FFFFFF"/>
-                </a:highlight>
-                <a:uFill>
-                  <a:noFill/>
-                </a:uFill>
-                <a:latin typeface="Arial"/>
-                <a:ea typeface="Arial"/>
-                <a:cs typeface="Arial"/>
-                <a:sym typeface="Arial"/>
-                <a:hlinkClick r:id="rId3">
-                  <a:extLst>
-                    <a:ext uri="{A12FA001-AC4F-418D-AE19-62706E023703}">
-                      <ahyp:hlinkClr xmlns="" xmlns:mc="http://schemas.openxmlformats.org/markup-compatibility/2006" xmlns:mv="urn:schemas-microsoft-com:mac:vml" xmlns:c="http://schemas.openxmlformats.org/drawingml/2006/chart" xmlns:dgm="http://schemas.openxmlformats.org/drawingml/2006/diagram" xmlns:o="urn:schemas-microsoft-com:office:office" xmlns:v="urn:schemas-microsoft-com:vml" xmlns:pvml="urn:schemas-microsoft-com:office:powerpoint" xmlns:com="http://schemas.openxmlformats.org/drawingml/2006/compatibility" xmlns:p14="http://schemas.microsoft.com/office/powerpoint/2010/main" xmlns:p15="http://schemas.microsoft.com/office/powerpoint/2012/main" xmlns:ahyp="http://schemas.microsoft.com/office/drawing/2018/hyperlinkcolor" val="tx"/>
-                    </a:ext>
-                  </a:extLst>
-                </a:hlinkClick>
-              </a:rPr>
-              <a:t>https://pypi.org/project/nba-api/#description</a:t>
-            </a:r>
-            <a:endParaRPr sz="1400">
-              <a:solidFill>
-                <a:schemeClr val="accent5"/>
-              </a:solidFill>
-              <a:highlight>
-                <a:srgbClr val="FFFFFF"/>
-              </a:highlight>
-              <a:latin typeface="Arial"/>
-              <a:ea typeface="Arial"/>
-              <a:cs typeface="Arial"/>
-              <a:sym typeface="Arial"/>
-            </a:endParaRPr>
-          </a:p>
-          <a:p>
-            <a:pPr marL="457200" lvl="0" indent="-317500" algn="l" rtl="0">
-              <a:spcBef>
-                <a:spcPts val="0"/>
-              </a:spcBef>
-              <a:spcAft>
-                <a:spcPts val="0"/>
-              </a:spcAft>
-              <a:buSzPts val="1400"/>
-              <a:buFont typeface="Arial"/>
-              <a:buAutoNum type="arabicPeriod"/>
-            </a:pPr>
-            <a:r>
-              <a:rPr lang="en" sz="1400">
-                <a:solidFill>
-                  <a:srgbClr val="24292E"/>
-                </a:solidFill>
-                <a:highlight>
-                  <a:srgbClr val="FFFFFF"/>
-                </a:highlight>
-                <a:latin typeface="Arial"/>
-                <a:ea typeface="Arial"/>
-                <a:cs typeface="Arial"/>
-                <a:sym typeface="Arial"/>
-              </a:rPr>
-              <a:t>Kaggle - </a:t>
-            </a:r>
-            <a:r>
-              <a:rPr lang="en" sz="1400">
-                <a:solidFill>
-                  <a:schemeClr val="accent5"/>
-                </a:solidFill>
-                <a:highlight>
-                  <a:srgbClr val="FFFFFF"/>
-                </a:highlight>
-                <a:uFill>
-                  <a:noFill/>
-                </a:uFill>
-                <a:latin typeface="Arial"/>
-                <a:ea typeface="Arial"/>
-                <a:cs typeface="Arial"/>
-                <a:sym typeface="Arial"/>
-                <a:hlinkClick r:id="rId4">
-                  <a:extLst>
-                    <a:ext uri="{A12FA001-AC4F-418D-AE19-62706E023703}">
-                      <ahyp:hlinkClr xmlns="" xmlns:mc="http://schemas.openxmlformats.org/markup-compatibility/2006" xmlns:mv="urn:schemas-microsoft-com:mac:vml" xmlns:c="http://schemas.openxmlformats.org/drawingml/2006/chart" xmlns:dgm="http://schemas.openxmlformats.org/drawingml/2006/diagram" xmlns:o="urn:schemas-microsoft-com:office:office" xmlns:v="urn:schemas-microsoft-com:vml" xmlns:pvml="urn:schemas-microsoft-com:office:powerpoint" xmlns:com="http://schemas.openxmlformats.org/drawingml/2006/compatibility" xmlns:p14="http://schemas.microsoft.com/office/powerpoint/2010/main" xmlns:p15="http://schemas.microsoft.com/office/powerpoint/2012/main" xmlns:ahyp="http://schemas.microsoft.com/office/drawing/2018/hyperlinkcolor" val="tx"/>
-                    </a:ext>
-                  </a:extLst>
-                </a:hlinkClick>
-              </a:rPr>
-              <a:t>https://www.kaggle.com/drgilermo/nba-players-stats?select=player_data.csv-</a:t>
-            </a:r>
-            <a:endParaRPr sz="1500"/>
-          </a:p>
-          <a:p>
-            <a:pPr marL="457200" lvl="0" indent="-323850" algn="l" rtl="0">
-              <a:lnSpc>
-                <a:spcPct val="100000"/>
-              </a:lnSpc>
-              <a:spcBef>
-                <a:spcPts val="0"/>
-              </a:spcBef>
-              <a:spcAft>
-                <a:spcPts val="0"/>
-              </a:spcAft>
-              <a:buSzPts val="1500"/>
-              <a:buAutoNum type="arabicPeriod"/>
-            </a:pPr>
-            <a:r>
-              <a:rPr lang="en" sz="1400">
-                <a:solidFill>
-                  <a:srgbClr val="24292E"/>
-                </a:solidFill>
-                <a:highlight>
-                  <a:srgbClr val="FFFFFF"/>
-                </a:highlight>
-                <a:latin typeface="Arial"/>
-                <a:ea typeface="Arial"/>
-                <a:cs typeface="Arial"/>
-                <a:sym typeface="Arial"/>
-              </a:rPr>
-              <a:t>Model 1: </a:t>
-            </a:r>
-            <a:r>
-              <a:rPr lang="en" sz="1400">
-                <a:solidFill>
-                  <a:schemeClr val="accent5"/>
-                </a:solidFill>
-                <a:highlight>
-                  <a:srgbClr val="FFFFFF"/>
-                </a:highlight>
-                <a:uFill>
-                  <a:noFill/>
-                </a:uFill>
-                <a:latin typeface="Arial"/>
-                <a:ea typeface="Arial"/>
-                <a:cs typeface="Arial"/>
-                <a:sym typeface="Arial"/>
-                <a:hlinkClick r:id="rId5">
-                  <a:extLst>
-                    <a:ext uri="{A12FA001-AC4F-418D-AE19-62706E023703}">
-                      <ahyp:hlinkClr xmlns="" xmlns:mc="http://schemas.openxmlformats.org/markup-compatibility/2006" xmlns:mv="urn:schemas-microsoft-com:mac:vml" xmlns:c="http://schemas.openxmlformats.org/drawingml/2006/chart" xmlns:dgm="http://schemas.openxmlformats.org/drawingml/2006/diagram" xmlns:o="urn:schemas-microsoft-com:office:office" xmlns:v="urn:schemas-microsoft-com:vml" xmlns:pvml="urn:schemas-microsoft-com:office:powerpoint" xmlns:com="http://schemas.openxmlformats.org/drawingml/2006/compatibility" xmlns:p14="http://schemas.microsoft.com/office/powerpoint/2010/main" xmlns:p15="http://schemas.microsoft.com/office/powerpoint/2012/main" xmlns:ahyp="http://schemas.microsoft.com/office/drawing/2018/hyperlinkcolor" val="tx"/>
-                    </a:ext>
-                  </a:extLst>
-                </a:hlinkClick>
-              </a:rPr>
-              <a:t>https://github.com/micahmelling/player_decline</a:t>
-            </a:r>
-            <a:r>
-              <a:rPr lang="en" sz="1400">
-                <a:solidFill>
-                  <a:srgbClr val="24292E"/>
-                </a:solidFill>
-                <a:highlight>
-                  <a:srgbClr val="FFFFFF"/>
-                </a:highlight>
-                <a:latin typeface="Arial"/>
-                <a:ea typeface="Arial"/>
-                <a:cs typeface="Arial"/>
-                <a:sym typeface="Arial"/>
-              </a:rPr>
-              <a:t> Article: </a:t>
-            </a:r>
-            <a:r>
-              <a:rPr lang="en" sz="1400">
-                <a:solidFill>
-                  <a:schemeClr val="accent5"/>
-                </a:solidFill>
-                <a:highlight>
-                  <a:srgbClr val="FFFFFF"/>
-                </a:highlight>
-                <a:uFill>
-                  <a:noFill/>
-                </a:uFill>
-                <a:latin typeface="Arial"/>
-                <a:ea typeface="Arial"/>
-                <a:cs typeface="Arial"/>
-                <a:sym typeface="Arial"/>
-                <a:hlinkClick r:id="rId6">
-                  <a:extLst>
-                    <a:ext uri="{A12FA001-AC4F-418D-AE19-62706E023703}">
-                      <ahyp:hlinkClr xmlns="" xmlns:mc="http://schemas.openxmlformats.org/markup-compatibility/2006" xmlns:mv="urn:schemas-microsoft-com:mac:vml" xmlns:c="http://schemas.openxmlformats.org/drawingml/2006/chart" xmlns:dgm="http://schemas.openxmlformats.org/drawingml/2006/diagram" xmlns:o="urn:schemas-microsoft-com:office:office" xmlns:v="urn:schemas-microsoft-com:vml" xmlns:pvml="urn:schemas-microsoft-com:office:powerpoint" xmlns:com="http://schemas.openxmlformats.org/drawingml/2006/compatibility" xmlns:p14="http://schemas.microsoft.com/office/powerpoint/2010/main" xmlns:p15="http://schemas.microsoft.com/office/powerpoint/2012/main" xmlns:ahyp="http://schemas.microsoft.com/office/drawing/2018/hyperlinkcolor" val="tx"/>
-                    </a:ext>
-                  </a:extLst>
-                </a:hlinkClick>
-              </a:rPr>
-              <a:t>https://www.baseballdatascience.com/machine-learning-to-predict-player-decline/</a:t>
-            </a:r>
-            <a:endParaRPr sz="1400">
-              <a:solidFill>
-                <a:schemeClr val="accent5"/>
-              </a:solidFill>
-              <a:highlight>
-                <a:srgbClr val="FFFFFF"/>
-              </a:highlight>
-              <a:latin typeface="Arial"/>
-              <a:ea typeface="Arial"/>
-              <a:cs typeface="Arial"/>
-              <a:sym typeface="Arial"/>
-            </a:endParaRPr>
-          </a:p>
-          <a:p>
-            <a:pPr marL="457200" lvl="0" indent="-323850" algn="l" rtl="0">
-              <a:spcBef>
-                <a:spcPts val="0"/>
-              </a:spcBef>
-              <a:spcAft>
-                <a:spcPts val="0"/>
-              </a:spcAft>
-              <a:buSzPts val="1500"/>
-              <a:buAutoNum type="arabicPeriod"/>
-            </a:pPr>
-            <a:r>
-              <a:rPr lang="en" sz="1400">
-                <a:solidFill>
-                  <a:srgbClr val="24292E"/>
-                </a:solidFill>
-                <a:highlight>
-                  <a:srgbClr val="FFFFFF"/>
-                </a:highlight>
-                <a:latin typeface="Arial"/>
-                <a:ea typeface="Arial"/>
-                <a:cs typeface="Arial"/>
-                <a:sym typeface="Arial"/>
-              </a:rPr>
-              <a:t>Model 2: </a:t>
-            </a:r>
-            <a:r>
-              <a:rPr lang="en" sz="1400">
-                <a:solidFill>
-                  <a:schemeClr val="accent5"/>
-                </a:solidFill>
-                <a:highlight>
-                  <a:srgbClr val="FFFFFF"/>
-                </a:highlight>
-                <a:uFill>
-                  <a:noFill/>
-                </a:uFill>
-                <a:latin typeface="Arial"/>
-                <a:ea typeface="Arial"/>
-                <a:cs typeface="Arial"/>
-                <a:sym typeface="Arial"/>
-                <a:hlinkClick r:id="rId7">
-                  <a:extLst>
-                    <a:ext uri="{A12FA001-AC4F-418D-AE19-62706E023703}">
-                      <ahyp:hlinkClr xmlns="" xmlns:mc="http://schemas.openxmlformats.org/markup-compatibility/2006" xmlns:mv="urn:schemas-microsoft-com:mac:vml" xmlns:c="http://schemas.openxmlformats.org/drawingml/2006/chart" xmlns:dgm="http://schemas.openxmlformats.org/drawingml/2006/diagram" xmlns:o="urn:schemas-microsoft-com:office:office" xmlns:v="urn:schemas-microsoft-com:vml" xmlns:pvml="urn:schemas-microsoft-com:office:powerpoint" xmlns:com="http://schemas.openxmlformats.org/drawingml/2006/compatibility" xmlns:p14="http://schemas.microsoft.com/office/powerpoint/2010/main" xmlns:p15="http://schemas.microsoft.com/office/powerpoint/2012/main" xmlns:ahyp="http://schemas.microsoft.com/office/drawing/2018/hyperlinkcolor" val="tx"/>
-                    </a:ext>
-                  </a:extLst>
-                </a:hlinkClick>
-              </a:rPr>
-              <a:t>https://towardsdatascience.com/redefining-nba-player-classifications-using-clustering-36a348fa54a8</a:t>
-            </a:r>
-            <a:endParaRPr sz="1400">
-              <a:solidFill>
-                <a:schemeClr val="accent5"/>
-              </a:solidFill>
-              <a:highlight>
-                <a:srgbClr val="FFFFFF"/>
-              </a:highlight>
-              <a:latin typeface="Arial"/>
-              <a:ea typeface="Arial"/>
-              <a:cs typeface="Arial"/>
-              <a:sym typeface="Arial"/>
-            </a:endParaRPr>
-          </a:p>
-          <a:p>
-            <a:pPr marL="457200" lvl="0" indent="0" algn="l" rtl="0">
-              <a:spcBef>
-                <a:spcPts val="300"/>
-              </a:spcBef>
-              <a:spcAft>
-                <a:spcPts val="1200"/>
-              </a:spcAft>
-              <a:buNone/>
-            </a:pPr>
-            <a:endParaRPr/>
-          </a:p>
-        </p:txBody>
-      </p:sp>
+      </p:pic>
     </p:spTree>
+    <p:extLst>
+      <p:ext uri="{BB962C8B-B14F-4D97-AF65-F5344CB8AC3E}">
+        <p14:creationId xmlns:p14="http://schemas.microsoft.com/office/powerpoint/2010/main" val="1135327573"/>
+      </p:ext>
+    </p:extLst>
   </p:cSld>
   <p:clrMapOvr>
     <a:masterClrMapping/>
@@ -12109,7 +10397,7 @@
               <a:buNone/>
             </a:pPr>
             <a:r>
-              <a:rPr lang="en" sz="1600">
+              <a:rPr lang="en" sz="1600" dirty="0">
                 <a:solidFill>
                   <a:srgbClr val="24292E"/>
                 </a:solidFill>
@@ -12121,9 +10409,9 @@
                 <a:cs typeface="Times New Roman"/>
                 <a:sym typeface="Times New Roman"/>
               </a:rPr>
-              <a:t>Using machine learning to analyze player decline in the NBA. This analysis will aim to provide insight on the following questions:</a:t>
+              <a:t>Using machine learning to analyze player preformance in the NBA. This analysis will aim to provide insight on the following questions:</a:t>
             </a:r>
-            <a:endParaRPr sz="1600">
+            <a:endParaRPr sz="1600" dirty="0">
               <a:solidFill>
                 <a:srgbClr val="24292E"/>
               </a:solidFill>
@@ -12152,7 +10440,7 @@
               <a:buAutoNum type="arabicPeriod"/>
             </a:pPr>
             <a:r>
-              <a:rPr lang="en" sz="1600">
+              <a:rPr lang="en-US" sz="1600" dirty="0">
                 <a:solidFill>
                   <a:srgbClr val="24292E"/>
                 </a:solidFill>
@@ -12164,38 +10452,10 @@
                 <a:cs typeface="Times New Roman"/>
                 <a:sym typeface="Times New Roman"/>
               </a:rPr>
-              <a:t>Based on the player archetype, when will the athlete begin to experience a decline in performance?</a:t>
+              <a:t>Determining the new player </a:t>
             </a:r>
-            <a:endParaRPr sz="1600">
-              <a:solidFill>
-                <a:srgbClr val="24292E"/>
-              </a:solidFill>
-              <a:highlight>
-                <a:srgbClr val="FFFFFF"/>
-              </a:highlight>
-              <a:latin typeface="Times New Roman"/>
-              <a:ea typeface="Times New Roman"/>
-              <a:cs typeface="Times New Roman"/>
-              <a:sym typeface="Times New Roman"/>
-            </a:endParaRPr>
-          </a:p>
-          <a:p>
-            <a:pPr marL="457200" lvl="0" indent="-330200" algn="l" rtl="0">
-              <a:spcBef>
-                <a:spcPts val="0"/>
-              </a:spcBef>
-              <a:spcAft>
-                <a:spcPts val="0"/>
-              </a:spcAft>
-              <a:buClr>
-                <a:srgbClr val="24292E"/>
-              </a:buClr>
-              <a:buSzPts val="1600"/>
-              <a:buFont typeface="Times New Roman"/>
-              <a:buAutoNum type="arabicPeriod"/>
-            </a:pPr>
             <a:r>
-              <a:rPr lang="en" sz="1600">
+              <a:rPr lang="en-US" sz="1600" dirty="0" err="1">
                 <a:solidFill>
                   <a:srgbClr val="24292E"/>
                 </a:solidFill>
@@ -12207,32 +10467,55 @@
                 <a:cs typeface="Times New Roman"/>
                 <a:sym typeface="Times New Roman"/>
               </a:rPr>
-              <a:t>Once the player has begun to decline, will adjusting the athletes playstyle help avoid regression?</a:t>
+              <a:t>archytpe</a:t>
             </a:r>
-            <a:endParaRPr sz="1600">
-              <a:solidFill>
-                <a:srgbClr val="24292E"/>
-              </a:solidFill>
-              <a:highlight>
-                <a:srgbClr val="FFFFFF"/>
-              </a:highlight>
-              <a:latin typeface="Times New Roman"/>
-              <a:ea typeface="Times New Roman"/>
-              <a:cs typeface="Times New Roman"/>
-              <a:sym typeface="Times New Roman"/>
-            </a:endParaRPr>
+            <a:r>
+              <a:rPr lang="en-US" sz="1600" dirty="0">
+                <a:solidFill>
+                  <a:srgbClr val="24292E"/>
+                </a:solidFill>
+                <a:highlight>
+                  <a:srgbClr val="FFFFFF"/>
+                </a:highlight>
+                <a:latin typeface="Times New Roman"/>
+                <a:ea typeface="Times New Roman"/>
+                <a:cs typeface="Times New Roman"/>
+                <a:sym typeface="Times New Roman"/>
+              </a:rPr>
+              <a:t> in the modern day position list.</a:t>
+            </a:r>
           </a:p>
           <a:p>
-            <a:pPr marL="0" lvl="0" indent="0" algn="l" rtl="0">
+            <a:pPr marL="457200" lvl="0" indent="-330200" algn="l" rtl="0">
               <a:spcBef>
                 <a:spcPts val="1200"/>
               </a:spcBef>
               <a:spcAft>
-                <a:spcPts val="1200"/>
-              </a:spcAft>
-              <a:buNone/>
+                <a:spcPts val="0"/>
+              </a:spcAft>
+              <a:buClr>
+                <a:srgbClr val="24292E"/>
+              </a:buClr>
+              <a:buSzPts val="1600"/>
+              <a:buFont typeface="Times New Roman"/>
+              <a:buAutoNum type="arabicPeriod"/>
             </a:pPr>
-            <a:endParaRPr/>
+            <a:r>
+              <a:rPr lang="en-US" sz="1600" dirty="0">
+                <a:solidFill>
+                  <a:srgbClr val="24292E"/>
+                </a:solidFill>
+                <a:highlight>
+                  <a:srgbClr val="FFFFFF"/>
+                </a:highlight>
+                <a:latin typeface="Times New Roman"/>
+                <a:ea typeface="Times New Roman"/>
+                <a:cs typeface="Times New Roman"/>
+                <a:sym typeface="Times New Roman"/>
+              </a:rPr>
+              <a:t>Will adjusting the athletes playstyle help improve performance.</a:t>
+            </a:r>
+            <a:endParaRPr dirty="0"/>
           </a:p>
         </p:txBody>
       </p:sp>
@@ -13426,8 +11709,8 @@
         </p:nvSpPr>
         <p:spPr>
           <a:xfrm>
-            <a:off x="7641400" y="2263950"/>
-            <a:ext cx="1270800" cy="646500"/>
+            <a:off x="7625577" y="1922180"/>
+            <a:ext cx="1270800" cy="1107965"/>
           </a:xfrm>
           <a:prstGeom prst="rect">
             <a:avLst/>
@@ -13453,7 +11736,7 @@
               <a:buNone/>
             </a:pPr>
             <a:r>
-              <a:rPr lang="en" sz="1500" b="1">
+              <a:rPr lang="en" sz="1500" b="1" dirty="0">
                 <a:latin typeface="Times New Roman"/>
                 <a:ea typeface="Times New Roman"/>
                 <a:cs typeface="Times New Roman"/>
@@ -13461,7 +11744,36 @@
               </a:rPr>
               <a:t>Data Visualization</a:t>
             </a:r>
-            <a:endParaRPr sz="1500" b="1">
+          </a:p>
+          <a:p>
+            <a:pPr marL="0" lvl="0" indent="0" algn="l" rtl="0">
+              <a:spcBef>
+                <a:spcPts val="0"/>
+              </a:spcBef>
+              <a:spcAft>
+                <a:spcPts val="0"/>
+              </a:spcAft>
+              <a:buNone/>
+            </a:pPr>
+            <a:r>
+              <a:rPr lang="en-CA" sz="1500" b="1" dirty="0">
+                <a:latin typeface="Times New Roman"/>
+                <a:ea typeface="Times New Roman"/>
+                <a:cs typeface="Times New Roman"/>
+                <a:sym typeface="Times New Roman"/>
+              </a:rPr>
+              <a:t>A</a:t>
+            </a:r>
+            <a:r>
+              <a:rPr lang="en" sz="1500" b="1" dirty="0">
+                <a:latin typeface="Times New Roman"/>
+                <a:ea typeface="Times New Roman"/>
+                <a:cs typeface="Times New Roman"/>
+                <a:sym typeface="Times New Roman"/>
+              </a:rPr>
+              <a:t>nd Time Series Model</a:t>
+            </a:r>
+            <a:endParaRPr sz="1500" b="1" dirty="0">
               <a:latin typeface="Times New Roman"/>
               <a:ea typeface="Times New Roman"/>
               <a:cs typeface="Times New Roman"/>
@@ -13531,15 +11843,15 @@
               <a:buNone/>
             </a:pPr>
             <a:r>
-              <a:rPr lang="en" sz="2900">
+              <a:rPr lang="en" sz="2900" dirty="0">
                 <a:latin typeface="Times New Roman"/>
                 <a:ea typeface="Times New Roman"/>
                 <a:cs typeface="Times New Roman"/>
                 <a:sym typeface="Times New Roman"/>
               </a:rPr>
-              <a:t>DATA CLEANING</a:t>
+              <a:t>ETL</a:t>
             </a:r>
-            <a:endParaRPr sz="2900">
+            <a:endParaRPr sz="2900" dirty="0">
               <a:latin typeface="Times New Roman"/>
               <a:ea typeface="Times New Roman"/>
               <a:cs typeface="Times New Roman"/>
@@ -13569,7 +11881,7 @@
         </p:spPr>
         <p:txBody>
           <a:bodyPr spcFirstLastPara="1" wrap="square" lIns="91425" tIns="91425" rIns="91425" bIns="91425" anchor="t" anchorCtr="0">
-            <a:normAutofit lnSpcReduction="10000"/>
+            <a:normAutofit/>
           </a:bodyPr>
           <a:lstStyle/>
           <a:p>
@@ -13588,7 +11900,7 @@
               <a:buChar char="●"/>
             </a:pPr>
             <a:r>
-              <a:rPr lang="en" sz="1500">
+              <a:rPr lang="en" sz="1500" dirty="0">
                 <a:solidFill>
                   <a:srgbClr val="24292E"/>
                 </a:solidFill>
@@ -13600,9 +11912,40 @@
                 <a:cs typeface="Times New Roman"/>
                 <a:sym typeface="Times New Roman"/>
               </a:rPr>
-              <a:t>From Kaggle data set (Season Stats, Players, Player Data) ,we used Season Stats</a:t>
+              <a:t>From Kaggle data set (Season Stats, Player Data) </a:t>
             </a:r>
-            <a:endParaRPr sz="1500">
+          </a:p>
+          <a:p>
+            <a:pPr marL="457200" lvl="0" indent="-323850" algn="l" rtl="0">
+              <a:spcBef>
+                <a:spcPts val="0"/>
+              </a:spcBef>
+              <a:spcAft>
+                <a:spcPts val="0"/>
+              </a:spcAft>
+              <a:buClr>
+                <a:srgbClr val="24292E"/>
+              </a:buClr>
+              <a:buSzPts val="1500"/>
+              <a:buFont typeface="Times New Roman"/>
+              <a:buChar char="●"/>
+            </a:pPr>
+            <a:r>
+              <a:rPr lang="en" sz="1500" dirty="0">
+                <a:solidFill>
+                  <a:srgbClr val="24292E"/>
+                </a:solidFill>
+                <a:highlight>
+                  <a:srgbClr val="FFFFFF"/>
+                </a:highlight>
+                <a:latin typeface="Times New Roman"/>
+                <a:ea typeface="Times New Roman"/>
+                <a:cs typeface="Times New Roman"/>
+                <a:sym typeface="Times New Roman"/>
+              </a:rPr>
+              <a:t>Removed unwanted columns (e.g. Teams and Games Started)</a:t>
+            </a:r>
+            <a:endParaRPr sz="1500" dirty="0">
               <a:solidFill>
                 <a:srgbClr val="24292E"/>
               </a:solidFill>
@@ -13631,7 +11974,7 @@
               <a:buChar char="●"/>
             </a:pPr>
             <a:r>
-              <a:rPr lang="en" sz="1500">
+              <a:rPr lang="en-CA" sz="1500" dirty="0">
                 <a:solidFill>
                   <a:srgbClr val="24292E"/>
                 </a:solidFill>
@@ -13643,20 +11986,8 @@
                 <a:cs typeface="Times New Roman"/>
                 <a:sym typeface="Times New Roman"/>
               </a:rPr>
-              <a:t>Unwanted columns like Games Started and Position among others from Season Stats were dropped.</a:t>
+              <a:t>Filtered data to the appropriate time period (2003-2017)</a:t>
             </a:r>
-            <a:endParaRPr sz="1500">
-              <a:solidFill>
-                <a:srgbClr val="24292E"/>
-              </a:solidFill>
-              <a:highlight>
-                <a:srgbClr val="FFFFFF"/>
-              </a:highlight>
-              <a:latin typeface="Times New Roman"/>
-              <a:ea typeface="Times New Roman"/>
-              <a:cs typeface="Times New Roman"/>
-              <a:sym typeface="Times New Roman"/>
-            </a:endParaRPr>
           </a:p>
           <a:p>
             <a:pPr marL="457200" lvl="0" indent="-323850" algn="l" rtl="0">
@@ -13674,7 +12005,7 @@
               <a:buChar char="●"/>
             </a:pPr>
             <a:r>
-              <a:rPr lang="en" sz="1500">
+              <a:rPr lang="en-CA" sz="1500" dirty="0">
                 <a:solidFill>
                   <a:srgbClr val="24292E"/>
                 </a:solidFill>
@@ -13686,181 +12017,9 @@
                 <a:cs typeface="Times New Roman"/>
                 <a:sym typeface="Times New Roman"/>
               </a:rPr>
-              <a:t>Removed data from before the 2003 season as the data set is from 1950-2018 and we want 2003-2018</a:t>
+              <a:t>Merged datasets together and filtered out the duplicates</a:t>
             </a:r>
-            <a:endParaRPr sz="1500">
-              <a:solidFill>
-                <a:srgbClr val="24292E"/>
-              </a:solidFill>
-              <a:highlight>
-                <a:srgbClr val="FFFFFF"/>
-              </a:highlight>
-              <a:latin typeface="Times New Roman"/>
-              <a:ea typeface="Times New Roman"/>
-              <a:cs typeface="Times New Roman"/>
-              <a:sym typeface="Times New Roman"/>
-            </a:endParaRPr>
-          </a:p>
-          <a:p>
-            <a:pPr marL="457200" lvl="0" indent="-323850" algn="l" rtl="0">
-              <a:spcBef>
-                <a:spcPts val="0"/>
-              </a:spcBef>
-              <a:spcAft>
-                <a:spcPts val="0"/>
-              </a:spcAft>
-              <a:buClr>
-                <a:srgbClr val="24292E"/>
-              </a:buClr>
-              <a:buSzPts val="1500"/>
-              <a:buFont typeface="Times New Roman"/>
-              <a:buChar char="●"/>
-            </a:pPr>
-            <a:r>
-              <a:rPr lang="en" sz="1500">
-                <a:solidFill>
-                  <a:srgbClr val="24292E"/>
-                </a:solidFill>
-                <a:highlight>
-                  <a:srgbClr val="FFFFFF"/>
-                </a:highlight>
-                <a:latin typeface="Times New Roman"/>
-                <a:ea typeface="Times New Roman"/>
-                <a:cs typeface="Times New Roman"/>
-                <a:sym typeface="Times New Roman"/>
-              </a:rPr>
-              <a:t>Next, created join on players from the Players csv to get the height and weight.</a:t>
-            </a:r>
-            <a:endParaRPr sz="1500">
-              <a:solidFill>
-                <a:srgbClr val="24292E"/>
-              </a:solidFill>
-              <a:highlight>
-                <a:srgbClr val="FFFFFF"/>
-              </a:highlight>
-              <a:latin typeface="Times New Roman"/>
-              <a:ea typeface="Times New Roman"/>
-              <a:cs typeface="Times New Roman"/>
-              <a:sym typeface="Times New Roman"/>
-            </a:endParaRPr>
-          </a:p>
-          <a:p>
-            <a:pPr marL="457200" lvl="0" indent="-323850" algn="l" rtl="0">
-              <a:spcBef>
-                <a:spcPts val="0"/>
-              </a:spcBef>
-              <a:spcAft>
-                <a:spcPts val="0"/>
-              </a:spcAft>
-              <a:buClr>
-                <a:srgbClr val="24292E"/>
-              </a:buClr>
-              <a:buSzPts val="1500"/>
-              <a:buFont typeface="Times New Roman"/>
-              <a:buChar char="●"/>
-            </a:pPr>
-            <a:r>
-              <a:rPr lang="en" sz="1500">
-                <a:solidFill>
-                  <a:srgbClr val="24292E"/>
-                </a:solidFill>
-                <a:highlight>
-                  <a:srgbClr val="FFFFFF"/>
-                </a:highlight>
-                <a:latin typeface="Times New Roman"/>
-                <a:ea typeface="Times New Roman"/>
-                <a:cs typeface="Times New Roman"/>
-                <a:sym typeface="Times New Roman"/>
-              </a:rPr>
-              <a:t>Then, we created a new column - year the player is in, to get this we took the year stated column from Player Data and subtract that number form the year column in Season Stats</a:t>
-            </a:r>
-            <a:endParaRPr sz="1500">
-              <a:solidFill>
-                <a:srgbClr val="24292E"/>
-              </a:solidFill>
-              <a:highlight>
-                <a:srgbClr val="FFFFFF"/>
-              </a:highlight>
-              <a:latin typeface="Times New Roman"/>
-              <a:ea typeface="Times New Roman"/>
-              <a:cs typeface="Times New Roman"/>
-              <a:sym typeface="Times New Roman"/>
-            </a:endParaRPr>
-          </a:p>
-          <a:p>
-            <a:pPr marL="457200" lvl="0" indent="-323850" algn="l" rtl="0">
-              <a:spcBef>
-                <a:spcPts val="0"/>
-              </a:spcBef>
-              <a:spcAft>
-                <a:spcPts val="0"/>
-              </a:spcAft>
-              <a:buClr>
-                <a:srgbClr val="24292E"/>
-              </a:buClr>
-              <a:buSzPts val="1500"/>
-              <a:buFont typeface="Times New Roman"/>
-              <a:buChar char="●"/>
-            </a:pPr>
-            <a:r>
-              <a:rPr lang="en" sz="1500">
-                <a:solidFill>
-                  <a:srgbClr val="24292E"/>
-                </a:solidFill>
-                <a:highlight>
-                  <a:srgbClr val="FFFFFF"/>
-                </a:highlight>
-                <a:latin typeface="Times New Roman"/>
-                <a:ea typeface="Times New Roman"/>
-                <a:cs typeface="Times New Roman"/>
-                <a:sym typeface="Times New Roman"/>
-              </a:rPr>
-              <a:t>Lastly, we removed the duplicates from the team column, for when a player played on multiple teams in a year and keep the Total.</a:t>
-            </a:r>
-            <a:endParaRPr sz="1500">
-              <a:solidFill>
-                <a:srgbClr val="24292E"/>
-              </a:solidFill>
-              <a:highlight>
-                <a:srgbClr val="FFFFFF"/>
-              </a:highlight>
-              <a:latin typeface="Times New Roman"/>
-              <a:ea typeface="Times New Roman"/>
-              <a:cs typeface="Times New Roman"/>
-              <a:sym typeface="Times New Roman"/>
-            </a:endParaRPr>
-          </a:p>
-          <a:p>
-            <a:pPr marL="457200" lvl="0" indent="-323850" algn="l" rtl="0">
-              <a:spcBef>
-                <a:spcPts val="0"/>
-              </a:spcBef>
-              <a:spcAft>
-                <a:spcPts val="0"/>
-              </a:spcAft>
-              <a:buClr>
-                <a:srgbClr val="24292E"/>
-              </a:buClr>
-              <a:buSzPts val="1500"/>
-              <a:buFont typeface="Times New Roman"/>
-              <a:buChar char="●"/>
-            </a:pPr>
-            <a:r>
-              <a:rPr lang="en" sz="1500">
-                <a:solidFill>
-                  <a:srgbClr val="24292E"/>
-                </a:solidFill>
-                <a:highlight>
-                  <a:srgbClr val="FFFFFF"/>
-                </a:highlight>
-                <a:latin typeface="Times New Roman"/>
-                <a:ea typeface="Times New Roman"/>
-                <a:cs typeface="Times New Roman"/>
-                <a:sym typeface="Times New Roman"/>
-              </a:rPr>
-              <a:t>I.e., if a player plays on 2 teams, they would be shown 3 times, once with team 1, once with team 2 and once with Total, so we keep the total</a:t>
-            </a:r>
-            <a:endParaRPr sz="1500">
+            <a:endParaRPr sz="1500" dirty="0">
               <a:solidFill>
                 <a:srgbClr val="24292E"/>
               </a:solidFill>
@@ -13883,10 +12042,40 @@
               </a:spcAft>
               <a:buNone/>
             </a:pPr>
-            <a:endParaRPr/>
+            <a:endParaRPr dirty="0"/>
           </a:p>
         </p:txBody>
       </p:sp>
+      <p:pic>
+        <p:nvPicPr>
+          <p:cNvPr id="2" name="Picture 1">
+            <a:extLst>
+              <a:ext uri="{FF2B5EF4-FFF2-40B4-BE49-F238E27FC236}">
+                <a16:creationId xmlns:a16="http://schemas.microsoft.com/office/drawing/2014/main" id="{4CDD91B1-E466-4D02-8AED-6F82D829F10F}"/>
+              </a:ext>
+            </a:extLst>
+          </p:cNvPr>
+          <p:cNvPicPr>
+            <a:picLocks noChangeAspect="1"/>
+          </p:cNvPicPr>
+          <p:nvPr/>
+        </p:nvPicPr>
+        <p:blipFill>
+          <a:blip r:embed="rId3"/>
+          <a:stretch>
+            <a:fillRect/>
+          </a:stretch>
+        </p:blipFill>
+        <p:spPr>
+          <a:xfrm>
+            <a:off x="349175" y="2571750"/>
+            <a:ext cx="8416485" cy="1500736"/>
+          </a:xfrm>
+          <a:prstGeom prst="rect">
+            <a:avLst/>
+          </a:prstGeom>
+        </p:spPr>
+      </p:pic>
     </p:spTree>
   </p:cSld>
   <p:clrMapOvr>
@@ -13900,7 +12089,7 @@
   <p:cSld>
     <p:spTree>
       <p:nvGrpSpPr>
-        <p:cNvPr id="1" name="Shape 186"/>
+        <p:cNvPr id="1" name="Shape 180"/>
         <p:cNvGrpSpPr/>
         <p:nvPr/>
       </p:nvGrpSpPr>
@@ -13914,7 +12103,7 @@
       </p:grpSpPr>
       <p:sp>
         <p:nvSpPr>
-          <p:cNvPr id="187" name="Google Shape;187;p17"/>
+          <p:cNvPr id="181" name="Google Shape;181;p16"/>
           <p:cNvSpPr txBox="1">
             <a:spLocks noGrp="1"/>
           </p:cNvSpPr>
@@ -13924,8 +12113,8 @@
         </p:nvSpPr>
         <p:spPr>
           <a:xfrm>
-            <a:off x="729450" y="550600"/>
-            <a:ext cx="7688700" cy="577500"/>
+            <a:off x="819150" y="537175"/>
+            <a:ext cx="7505700" cy="604200"/>
           </a:xfrm>
           <a:prstGeom prst="rect">
             <a:avLst/>
@@ -13948,15 +12137,24 @@
               <a:buNone/>
             </a:pPr>
             <a:r>
-              <a:rPr lang="en" sz="2700">
+              <a:rPr lang="en" sz="2900" dirty="0">
                 <a:latin typeface="Times New Roman"/>
                 <a:ea typeface="Times New Roman"/>
                 <a:cs typeface="Times New Roman"/>
                 <a:sym typeface="Times New Roman"/>
               </a:rPr>
-              <a:t>DATA INTEGRATION</a:t>
+              <a:t>Database </a:t>
             </a:r>
-            <a:endParaRPr sz="2700">
+            <a:r>
+              <a:rPr lang="en-CA" sz="2900" dirty="0">
+                <a:latin typeface="Times New Roman"/>
+                <a:ea typeface="Times New Roman"/>
+                <a:cs typeface="Times New Roman"/>
+                <a:sym typeface="Times New Roman"/>
+              </a:rPr>
+              <a:t>Integration</a:t>
+            </a:r>
+            <a:endParaRPr sz="2900" dirty="0">
               <a:latin typeface="Times New Roman"/>
               <a:ea typeface="Times New Roman"/>
               <a:cs typeface="Times New Roman"/>
@@ -13967,7 +12165,7 @@
       </p:sp>
       <p:sp>
         <p:nvSpPr>
-          <p:cNvPr id="188" name="Google Shape;188;p17"/>
+          <p:cNvPr id="182" name="Google Shape;182;p16"/>
           <p:cNvSpPr txBox="1">
             <a:spLocks noGrp="1"/>
           </p:cNvSpPr>
@@ -13977,242 +12175,8 @@
         </p:nvSpPr>
         <p:spPr>
           <a:xfrm>
-            <a:off x="496900" y="1235525"/>
-            <a:ext cx="4155900" cy="3585600"/>
-          </a:xfrm>
-          <a:prstGeom prst="rect">
-            <a:avLst/>
-          </a:prstGeom>
-        </p:spPr>
-        <p:txBody>
-          <a:bodyPr spcFirstLastPara="1" wrap="square" lIns="91425" tIns="91425" rIns="91425" bIns="91425" anchor="t" anchorCtr="0">
-            <a:normAutofit/>
-          </a:bodyPr>
-          <a:lstStyle/>
-          <a:p>
-            <a:pPr marL="457200" lvl="0" indent="-330200" algn="l" rtl="0">
-              <a:spcBef>
-                <a:spcPts val="0"/>
-              </a:spcBef>
-              <a:spcAft>
-                <a:spcPts val="0"/>
-              </a:spcAft>
-              <a:buClr>
-                <a:srgbClr val="24292E"/>
-              </a:buClr>
-              <a:buSzPts val="1600"/>
-              <a:buFont typeface="Times New Roman"/>
-              <a:buChar char="●"/>
-            </a:pPr>
-            <a:r>
-              <a:rPr lang="en" sz="1600">
-                <a:solidFill>
-                  <a:srgbClr val="24292E"/>
-                </a:solidFill>
-                <a:highlight>
-                  <a:srgbClr val="FFFFFF"/>
-                </a:highlight>
-                <a:latin typeface="Times New Roman"/>
-                <a:ea typeface="Times New Roman"/>
-                <a:cs typeface="Times New Roman"/>
-                <a:sym typeface="Times New Roman"/>
-              </a:rPr>
-              <a:t>NBA Player data was collected from Kaggle.</a:t>
-            </a:r>
-            <a:endParaRPr sz="1600">
-              <a:solidFill>
-                <a:srgbClr val="24292E"/>
-              </a:solidFill>
-              <a:highlight>
-                <a:srgbClr val="FFFFFF"/>
-              </a:highlight>
-              <a:latin typeface="Times New Roman"/>
-              <a:ea typeface="Times New Roman"/>
-              <a:cs typeface="Times New Roman"/>
-              <a:sym typeface="Times New Roman"/>
-            </a:endParaRPr>
-          </a:p>
-          <a:p>
-            <a:pPr marL="457200" lvl="0" indent="-330200" algn="l" rtl="0">
-              <a:spcBef>
-                <a:spcPts val="0"/>
-              </a:spcBef>
-              <a:spcAft>
-                <a:spcPts val="0"/>
-              </a:spcAft>
-              <a:buClr>
-                <a:srgbClr val="24292E"/>
-              </a:buClr>
-              <a:buSzPts val="1600"/>
-              <a:buFont typeface="Times New Roman"/>
-              <a:buChar char="●"/>
-            </a:pPr>
-            <a:r>
-              <a:rPr lang="en" sz="1600">
-                <a:solidFill>
-                  <a:srgbClr val="24292E"/>
-                </a:solidFill>
-                <a:highlight>
-                  <a:srgbClr val="FFFFFF"/>
-                </a:highlight>
-                <a:latin typeface="Times New Roman"/>
-                <a:ea typeface="Times New Roman"/>
-                <a:cs typeface="Times New Roman"/>
-                <a:sym typeface="Times New Roman"/>
-              </a:rPr>
-              <a:t>ERD diagram was created to display contents of data store and constructing a relational database.</a:t>
-            </a:r>
-            <a:endParaRPr sz="1600">
-              <a:solidFill>
-                <a:srgbClr val="24292E"/>
-              </a:solidFill>
-              <a:highlight>
-                <a:srgbClr val="FFFFFF"/>
-              </a:highlight>
-              <a:latin typeface="Times New Roman"/>
-              <a:ea typeface="Times New Roman"/>
-              <a:cs typeface="Times New Roman"/>
-              <a:sym typeface="Times New Roman"/>
-            </a:endParaRPr>
-          </a:p>
-          <a:p>
-            <a:pPr marL="457200" lvl="0" indent="0" algn="l" rtl="0">
-              <a:spcBef>
-                <a:spcPts val="0"/>
-              </a:spcBef>
-              <a:spcAft>
-                <a:spcPts val="0"/>
-              </a:spcAft>
-              <a:buNone/>
-            </a:pPr>
-            <a:endParaRPr sz="1400">
-              <a:solidFill>
-                <a:srgbClr val="24292E"/>
-              </a:solidFill>
-              <a:highlight>
-                <a:srgbClr val="FFFFFF"/>
-              </a:highlight>
-              <a:latin typeface="Arial"/>
-              <a:ea typeface="Arial"/>
-              <a:cs typeface="Arial"/>
-              <a:sym typeface="Arial"/>
-            </a:endParaRPr>
-          </a:p>
-          <a:p>
-            <a:pPr marL="0" lvl="0" indent="0" algn="l" rtl="0">
-              <a:spcBef>
-                <a:spcPts val="0"/>
-              </a:spcBef>
-              <a:spcAft>
-                <a:spcPts val="0"/>
-              </a:spcAft>
-              <a:buNone/>
-            </a:pPr>
-            <a:endParaRPr sz="1400">
-              <a:solidFill>
-                <a:srgbClr val="24292E"/>
-              </a:solidFill>
-              <a:highlight>
-                <a:srgbClr val="FFFFFF"/>
-              </a:highlight>
-              <a:latin typeface="Arial"/>
-              <a:ea typeface="Arial"/>
-              <a:cs typeface="Arial"/>
-              <a:sym typeface="Arial"/>
-            </a:endParaRPr>
-          </a:p>
-          <a:p>
-            <a:pPr marL="457200" lvl="0" indent="0" algn="l" rtl="0">
-              <a:spcBef>
-                <a:spcPts val="0"/>
-              </a:spcBef>
-              <a:spcAft>
-                <a:spcPts val="0"/>
-              </a:spcAft>
-              <a:buNone/>
-            </a:pPr>
-            <a:endParaRPr sz="1400">
-              <a:solidFill>
-                <a:srgbClr val="24292E"/>
-              </a:solidFill>
-              <a:highlight>
-                <a:srgbClr val="FFFFFF"/>
-              </a:highlight>
-              <a:latin typeface="Arial"/>
-              <a:ea typeface="Arial"/>
-              <a:cs typeface="Arial"/>
-              <a:sym typeface="Arial"/>
-            </a:endParaRPr>
-          </a:p>
-        </p:txBody>
-      </p:sp>
-      <p:pic>
-        <p:nvPicPr>
-          <p:cNvPr id="189" name="Google Shape;189;p17"/>
-          <p:cNvPicPr preferRelativeResize="0"/>
-          <p:nvPr/>
-        </p:nvPicPr>
-        <p:blipFill>
-          <a:blip r:embed="rId3">
-            <a:alphaModFix/>
-          </a:blip>
-          <a:stretch>
-            <a:fillRect/>
-          </a:stretch>
-        </p:blipFill>
-        <p:spPr>
-          <a:xfrm>
-            <a:off x="4660050" y="617750"/>
-            <a:ext cx="4155925" cy="4270599"/>
-          </a:xfrm>
-          <a:prstGeom prst="rect">
-            <a:avLst/>
-          </a:prstGeom>
-          <a:noFill/>
-          <a:ln>
-            <a:noFill/>
-          </a:ln>
-        </p:spPr>
-      </p:pic>
-    </p:spTree>
-  </p:cSld>
-  <p:clrMapOvr>
-    <a:masterClrMapping/>
-  </p:clrMapOvr>
-</p:sld>
-</file>
-
-<file path=ppt/slides/slide6.xml><?xml version="1.0" encoding="utf-8"?>
-<p:sld xmlns:a="http://schemas.openxmlformats.org/drawingml/2006/main" xmlns:r="http://schemas.openxmlformats.org/officeDocument/2006/relationships" xmlns:p="http://schemas.openxmlformats.org/presentationml/2006/main">
-  <p:cSld>
-    <p:spTree>
-      <p:nvGrpSpPr>
-        <p:cNvPr id="1" name="Shape 193"/>
-        <p:cNvGrpSpPr/>
-        <p:nvPr/>
-      </p:nvGrpSpPr>
-      <p:grpSpPr>
-        <a:xfrm>
-          <a:off x="0" y="0"/>
-          <a:ext cx="0" cy="0"/>
-          <a:chOff x="0" y="0"/>
-          <a:chExt cx="0" cy="0"/>
-        </a:xfrm>
-      </p:grpSpPr>
-      <p:sp>
-        <p:nvSpPr>
-          <p:cNvPr id="194" name="Google Shape;194;p18"/>
-          <p:cNvSpPr txBox="1">
-            <a:spLocks noGrp="1"/>
-          </p:cNvSpPr>
-          <p:nvPr>
-            <p:ph type="body" idx="1"/>
-          </p:nvPr>
-        </p:nvSpPr>
-        <p:spPr>
-          <a:xfrm>
-            <a:off x="147725" y="496900"/>
-            <a:ext cx="8702400" cy="4404900"/>
+            <a:off x="349175" y="1248950"/>
+            <a:ext cx="8313000" cy="3330600"/>
           </a:xfrm>
           <a:prstGeom prst="rect">
             <a:avLst/>
@@ -14231,91 +12195,169 @@
               <a:spcAft>
                 <a:spcPts val="0"/>
               </a:spcAft>
+              <a:buClr>
+                <a:srgbClr val="24292E"/>
+              </a:buClr>
               <a:buSzPts val="1500"/>
+              <a:buFont typeface="Times New Roman"/>
               <a:buChar char="●"/>
             </a:pPr>
             <a:r>
-              <a:rPr lang="en" sz="1600">
+              <a:rPr lang="en" sz="1500" dirty="0">
                 <a:solidFill>
                   <a:srgbClr val="24292E"/>
                 </a:solidFill>
                 <a:highlight>
                   <a:srgbClr val="FFFFFF"/>
                 </a:highlight>
-                <a:latin typeface="Arial"/>
-                <a:ea typeface="Arial"/>
-                <a:cs typeface="Arial"/>
-                <a:sym typeface="Arial"/>
+                <a:latin typeface="Times New Roman"/>
+                <a:cs typeface="Times New Roman"/>
+                <a:sym typeface="Times New Roman"/>
               </a:rPr>
-              <a:t>The project used SQLite with SQLAlchemy for the database integration.</a:t>
+              <a:t>Created Database using SQLite and SQLAlchemy </a:t>
             </a:r>
-            <a:endParaRPr sz="1600">
-              <a:solidFill>
-                <a:srgbClr val="24292E"/>
-              </a:solidFill>
-              <a:highlight>
-                <a:srgbClr val="FFFFFF"/>
-              </a:highlight>
-              <a:latin typeface="Arial"/>
-              <a:ea typeface="Arial"/>
-              <a:cs typeface="Arial"/>
-              <a:sym typeface="Arial"/>
-            </a:endParaRPr>
           </a:p>
           <a:p>
-            <a:pPr marL="457200" lvl="0" indent="0" algn="l" rtl="0">
-              <a:spcBef>
-                <a:spcPts val="0"/>
-              </a:spcBef>
-              <a:spcAft>
-                <a:spcPts val="0"/>
-              </a:spcAft>
-              <a:buNone/>
+            <a:pPr marL="457200" lvl="0" indent="-323850" algn="l" rtl="0">
+              <a:spcBef>
+                <a:spcPts val="0"/>
+              </a:spcBef>
+              <a:spcAft>
+                <a:spcPts val="0"/>
+              </a:spcAft>
+              <a:buClr>
+                <a:srgbClr val="24292E"/>
+              </a:buClr>
+              <a:buSzPts val="1500"/>
+              <a:buFont typeface="Times New Roman"/>
+              <a:buChar char="●"/>
             </a:pPr>
-            <a:endParaRPr sz="1400">
-              <a:solidFill>
+            <a:r>
+              <a:rPr lang="en" sz="1500" dirty="0">
+                <a:solidFill>
+                  <a:srgbClr val="24292E"/>
+                </a:solidFill>
+                <a:highlight>
+                  <a:srgbClr val="FFFFFF"/>
+                </a:highlight>
+                <a:latin typeface="Times New Roman"/>
+                <a:cs typeface="Times New Roman"/>
+                <a:sym typeface="Times New Roman"/>
+              </a:rPr>
+              <a:t>Imported 3 tables into the database</a:t>
+            </a:r>
+          </a:p>
+          <a:p>
+            <a:pPr lvl="1" indent="-323850">
+              <a:buClr>
                 <a:srgbClr val="24292E"/>
-              </a:solidFill>
-              <a:highlight>
-                <a:srgbClr val="FFFFFF"/>
-              </a:highlight>
-              <a:latin typeface="Arial"/>
-              <a:ea typeface="Arial"/>
-              <a:cs typeface="Arial"/>
-              <a:sym typeface="Arial"/>
-            </a:endParaRPr>
+              </a:buClr>
+              <a:buSzPts val="1500"/>
+              <a:buFont typeface="Times New Roman"/>
+              <a:buChar char="●"/>
+            </a:pPr>
+            <a:r>
+              <a:rPr lang="en" dirty="0">
+                <a:solidFill>
+                  <a:srgbClr val="24292E"/>
+                </a:solidFill>
+                <a:highlight>
+                  <a:srgbClr val="FFFFFF"/>
+                </a:highlight>
+                <a:latin typeface="Times New Roman"/>
+                <a:cs typeface="Times New Roman"/>
+                <a:sym typeface="Times New Roman"/>
+              </a:rPr>
+              <a:t>Finialized Data</a:t>
+            </a:r>
+          </a:p>
+          <a:p>
+            <a:pPr lvl="1" indent="-323850">
+              <a:buClr>
+                <a:srgbClr val="24292E"/>
+              </a:buClr>
+              <a:buSzPts val="1500"/>
+              <a:buFont typeface="Times New Roman"/>
+              <a:buChar char="●"/>
+            </a:pPr>
+            <a:r>
+              <a:rPr lang="en" dirty="0">
+                <a:solidFill>
+                  <a:srgbClr val="24292E"/>
+                </a:solidFill>
+                <a:highlight>
+                  <a:srgbClr val="FFFFFF"/>
+                </a:highlight>
+                <a:latin typeface="Times New Roman"/>
+                <a:cs typeface="Times New Roman"/>
+                <a:sym typeface="Times New Roman"/>
+              </a:rPr>
+              <a:t>Clustered Data</a:t>
+            </a:r>
+          </a:p>
+          <a:p>
+            <a:pPr lvl="1" indent="-323850">
+              <a:buClr>
+                <a:srgbClr val="24292E"/>
+              </a:buClr>
+              <a:buSzPts val="1500"/>
+              <a:buFont typeface="Times New Roman"/>
+              <a:buChar char="●"/>
+            </a:pPr>
+            <a:r>
+              <a:rPr lang="en" dirty="0">
+                <a:solidFill>
+                  <a:srgbClr val="24292E"/>
+                </a:solidFill>
+                <a:highlight>
+                  <a:srgbClr val="FFFFFF"/>
+                </a:highlight>
+                <a:latin typeface="Times New Roman"/>
+                <a:cs typeface="Times New Roman"/>
+                <a:sym typeface="Times New Roman"/>
+              </a:rPr>
+              <a:t>For Vis Data</a:t>
+            </a:r>
+            <a:endParaRPr dirty="0"/>
           </a:p>
         </p:txBody>
       </p:sp>
       <p:pic>
         <p:nvPicPr>
-          <p:cNvPr id="195" name="Google Shape;195;p18"/>
-          <p:cNvPicPr preferRelativeResize="0"/>
+          <p:cNvPr id="3" name="Picture 2">
+            <a:extLst>
+              <a:ext uri="{FF2B5EF4-FFF2-40B4-BE49-F238E27FC236}">
+                <a16:creationId xmlns:a16="http://schemas.microsoft.com/office/drawing/2014/main" id="{4BB2BB41-12D2-41D2-BD1D-0A6AEBC5D4EB}"/>
+              </a:ext>
+            </a:extLst>
+          </p:cNvPr>
+          <p:cNvPicPr>
+            <a:picLocks noChangeAspect="1"/>
+          </p:cNvPicPr>
           <p:nvPr/>
         </p:nvPicPr>
         <p:blipFill>
-          <a:blip r:embed="rId3">
-            <a:alphaModFix/>
-          </a:blip>
+          <a:blip r:embed="rId3"/>
           <a:stretch>
             <a:fillRect/>
           </a:stretch>
         </p:blipFill>
         <p:spPr>
           <a:xfrm>
-            <a:off x="0" y="859500"/>
-            <a:ext cx="9144000" cy="4284000"/>
+            <a:off x="3777740" y="1802102"/>
+            <a:ext cx="4785582" cy="2691890"/>
           </a:xfrm>
           <a:prstGeom prst="rect">
             <a:avLst/>
           </a:prstGeom>
-          <a:noFill/>
-          <a:ln>
-            <a:noFill/>
-          </a:ln>
         </p:spPr>
       </p:pic>
     </p:spTree>
+    <p:extLst>
+      <p:ext uri="{BB962C8B-B14F-4D97-AF65-F5344CB8AC3E}">
+        <p14:creationId xmlns:p14="http://schemas.microsoft.com/office/powerpoint/2010/main" val="1182389370"/>
+      </p:ext>
+    </p:extLst>
   </p:cSld>
   <p:clrMapOvr>
     <a:masterClrMapping/>
@@ -14323,7 +12365,7 @@
 </p:sld>
 </file>
 
-<file path=ppt/slides/slide7.xml><?xml version="1.0" encoding="utf-8"?>
+<file path=ppt/slides/slide6.xml><?xml version="1.0" encoding="utf-8"?>
 <p:sld xmlns:a="http://schemas.openxmlformats.org/drawingml/2006/main" xmlns:r="http://schemas.openxmlformats.org/officeDocument/2006/relationships" xmlns:p="http://schemas.openxmlformats.org/presentationml/2006/main">
   <p:cSld>
     <p:spTree>
@@ -14413,21 +12455,15 @@
         </p:spPr>
         <p:txBody>
           <a:bodyPr spcFirstLastPara="1" wrap="square" lIns="91425" tIns="91425" rIns="91425" bIns="91425" anchor="t" anchorCtr="0">
-            <a:normAutofit fontScale="25000" lnSpcReduction="20000"/>
+            <a:normAutofit/>
           </a:bodyPr>
           <a:lstStyle/>
           <a:p>
-            <a:pPr marL="0" lvl="0" indent="0" algn="l" rtl="0">
-              <a:spcBef>
-                <a:spcPts val="0"/>
-              </a:spcBef>
-              <a:spcAft>
-                <a:spcPts val="0"/>
-              </a:spcAft>
+            <a:pPr marL="0" indent="0">
               <a:buNone/>
             </a:pPr>
             <a:r>
-              <a:rPr lang="en" sz="5511" b="1">
+              <a:rPr lang="en" sz="1600" b="1" dirty="0">
                 <a:latin typeface="Times New Roman"/>
                 <a:ea typeface="Times New Roman"/>
                 <a:cs typeface="Times New Roman"/>
@@ -14435,7 +12471,7 @@
               </a:rPr>
               <a:t>Primary Objective</a:t>
             </a:r>
-            <a:endParaRPr sz="5511" b="1">
+            <a:endParaRPr sz="1600" b="1" dirty="0">
               <a:latin typeface="Times New Roman"/>
               <a:ea typeface="Times New Roman"/>
               <a:cs typeface="Times New Roman"/>
@@ -14458,7 +12494,7 @@
               <a:buChar char="●"/>
             </a:pPr>
             <a:r>
-              <a:rPr lang="en" sz="6111">
+              <a:rPr lang="en" sz="1500" dirty="0">
                 <a:solidFill>
                   <a:srgbClr val="24292E"/>
                 </a:solidFill>
@@ -14470,32 +12506,14 @@
                 <a:cs typeface="Times New Roman"/>
                 <a:sym typeface="Times New Roman"/>
               </a:rPr>
-              <a:t>Dataset is fed into PCA model to predict player regression based on archetype in NBA. </a:t>
+              <a:t>Using unsupevised machine learning to create the PCA model and cluster player based on archetype</a:t>
             </a:r>
-            <a:endParaRPr sz="6111">
-              <a:solidFill>
-                <a:srgbClr val="24292E"/>
-              </a:solidFill>
-              <a:highlight>
-                <a:srgbClr val="FFFFFF"/>
-              </a:highlight>
-              <a:latin typeface="Times New Roman"/>
-              <a:ea typeface="Times New Roman"/>
-              <a:cs typeface="Times New Roman"/>
-              <a:sym typeface="Times New Roman"/>
-            </a:endParaRPr>
           </a:p>
           <a:p>
-            <a:pPr marL="457200" lvl="0" indent="-325613" algn="l" rtl="0">
-              <a:lnSpc>
-                <a:spcPct val="100000"/>
-              </a:lnSpc>
-              <a:spcBef>
-                <a:spcPts val="0"/>
-              </a:spcBef>
-              <a:spcAft>
-                <a:spcPts val="0"/>
-              </a:spcAft>
+            <a:pPr indent="-325613">
+              <a:spcBef>
+                <a:spcPts val="1200"/>
+              </a:spcBef>
               <a:buClr>
                 <a:srgbClr val="24292E"/>
               </a:buClr>
@@ -14504,7 +12522,7 @@
               <a:buChar char="●"/>
             </a:pPr>
             <a:r>
-              <a:rPr lang="en" sz="6111">
+              <a:rPr lang="en" sz="1500" dirty="0">
                 <a:solidFill>
                   <a:srgbClr val="24292E"/>
                 </a:solidFill>
@@ -14516,36 +12534,23 @@
                 <a:cs typeface="Times New Roman"/>
                 <a:sym typeface="Times New Roman"/>
               </a:rPr>
-              <a:t>By looking into various studies, we determine that our chances to have greater accuracy would be by using clustering.</a:t>
+              <a:t>By claculating the variances we determined that opitimal components for the PCA was 10</a:t>
             </a:r>
-            <a:endParaRPr sz="6111">
-              <a:solidFill>
-                <a:srgbClr val="24292E"/>
-              </a:solidFill>
-              <a:highlight>
-                <a:srgbClr val="FFFFFF"/>
-              </a:highlight>
-              <a:latin typeface="Times New Roman"/>
-              <a:ea typeface="Times New Roman"/>
-              <a:cs typeface="Times New Roman"/>
-              <a:sym typeface="Times New Roman"/>
-            </a:endParaRPr>
           </a:p>
           <a:p>
-            <a:pPr marL="0" lvl="0" indent="0" algn="l" rtl="0">
-              <a:lnSpc>
-                <a:spcPct val="125000"/>
-              </a:lnSpc>
-              <a:spcBef>
-                <a:spcPts val="1800"/>
-              </a:spcBef>
-              <a:spcAft>
-                <a:spcPts val="0"/>
-              </a:spcAft>
-              <a:buNone/>
+            <a:pPr indent="-325613">
+              <a:spcBef>
+                <a:spcPts val="1200"/>
+              </a:spcBef>
+              <a:buClr>
+                <a:srgbClr val="24292E"/>
+              </a:buClr>
+              <a:buSzPct val="100000"/>
+              <a:buFont typeface="Times New Roman"/>
+              <a:buChar char="●"/>
             </a:pPr>
             <a:r>
-              <a:rPr lang="en" sz="6632" b="1">
+              <a:rPr lang="en" sz="1500" dirty="0">
                 <a:solidFill>
                   <a:srgbClr val="24292E"/>
                 </a:solidFill>
@@ -14557,29 +12562,14 @@
                 <a:cs typeface="Times New Roman"/>
                 <a:sym typeface="Times New Roman"/>
               </a:rPr>
-              <a:t>How are you training your model?</a:t>
+              <a:t>Using K-Means we concluded to using 9 clusters based on the PCA</a:t>
             </a:r>
-            <a:endParaRPr sz="6632" b="1">
-              <a:solidFill>
-                <a:srgbClr val="24292E"/>
-              </a:solidFill>
-              <a:highlight>
-                <a:srgbClr val="FFFFFF"/>
-              </a:highlight>
-              <a:latin typeface="Times New Roman"/>
-              <a:ea typeface="Times New Roman"/>
-              <a:cs typeface="Times New Roman"/>
-              <a:sym typeface="Times New Roman"/>
-            </a:endParaRPr>
           </a:p>
           <a:p>
-            <a:pPr marL="457200" lvl="0" indent="-324887" algn="l" rtl="0">
+            <a:pPr indent="-325613">
               <a:spcBef>
                 <a:spcPts val="1200"/>
               </a:spcBef>
-              <a:spcAft>
-                <a:spcPts val="0"/>
-              </a:spcAft>
               <a:buClr>
                 <a:srgbClr val="24292E"/>
               </a:buClr>
@@ -14588,7 +12578,7 @@
               <a:buChar char="●"/>
             </a:pPr>
             <a:r>
-              <a:rPr lang="en" sz="6065">
+              <a:rPr lang="en" sz="1500" dirty="0">
                 <a:solidFill>
                   <a:srgbClr val="24292E"/>
                 </a:solidFill>
@@ -14600,224 +12590,21 @@
                 <a:cs typeface="Times New Roman"/>
                 <a:sym typeface="Times New Roman"/>
               </a:rPr>
-              <a:t>First cluster players using data into archetype each year</a:t>
+              <a:t>After clustering the dataset, we found cluster type to determin play styles </a:t>
             </a:r>
-            <a:endParaRPr sz="6065">
-              <a:solidFill>
-                <a:srgbClr val="24292E"/>
-              </a:solidFill>
-              <a:highlight>
-                <a:srgbClr val="FFFFFF"/>
-              </a:highlight>
-              <a:latin typeface="Times New Roman"/>
-              <a:ea typeface="Times New Roman"/>
-              <a:cs typeface="Times New Roman"/>
-              <a:sym typeface="Times New Roman"/>
-            </a:endParaRPr>
           </a:p>
           <a:p>
-            <a:pPr marL="457200" lvl="0" indent="-324887" algn="l" rtl="0">
-              <a:spcBef>
-                <a:spcPts val="0"/>
-              </a:spcBef>
-              <a:spcAft>
-                <a:spcPts val="0"/>
-              </a:spcAft>
+            <a:pPr marL="131587" indent="0">
+              <a:spcBef>
+                <a:spcPts val="1200"/>
+              </a:spcBef>
               <a:buClr>
                 <a:srgbClr val="24292E"/>
               </a:buClr>
               <a:buSzPct val="100000"/>
-              <a:buFont typeface="Times New Roman"/>
-              <a:buChar char="●"/>
+              <a:buNone/>
             </a:pPr>
-            <a:r>
-              <a:rPr lang="en" sz="6065">
-                <a:solidFill>
-                  <a:srgbClr val="24292E"/>
-                </a:solidFill>
-                <a:highlight>
-                  <a:srgbClr val="FFFFFF"/>
-                </a:highlight>
-                <a:latin typeface="Times New Roman"/>
-                <a:ea typeface="Times New Roman"/>
-                <a:cs typeface="Times New Roman"/>
-                <a:sym typeface="Times New Roman"/>
-              </a:rPr>
-              <a:t>Cluster ONCE then assign each year based on years into career</a:t>
-            </a:r>
-            <a:endParaRPr sz="6065">
-              <a:solidFill>
-                <a:srgbClr val="24292E"/>
-              </a:solidFill>
-              <a:highlight>
-                <a:srgbClr val="FFFFFF"/>
-              </a:highlight>
-              <a:latin typeface="Times New Roman"/>
-              <a:ea typeface="Times New Roman"/>
-              <a:cs typeface="Times New Roman"/>
-              <a:sym typeface="Times New Roman"/>
-            </a:endParaRPr>
-          </a:p>
-          <a:p>
-            <a:pPr marL="457200" lvl="0" indent="-324887" algn="l" rtl="0">
-              <a:spcBef>
-                <a:spcPts val="0"/>
-              </a:spcBef>
-              <a:spcAft>
-                <a:spcPts val="0"/>
-              </a:spcAft>
-              <a:buClr>
-                <a:srgbClr val="24292E"/>
-              </a:buClr>
-              <a:buSzPct val="100000"/>
-              <a:buFont typeface="Times New Roman"/>
-              <a:buChar char="●"/>
-            </a:pPr>
-            <a:r>
-              <a:rPr lang="en" sz="6065">
-                <a:solidFill>
-                  <a:srgbClr val="24292E"/>
-                </a:solidFill>
-                <a:highlight>
-                  <a:srgbClr val="FFFFFF"/>
-                </a:highlight>
-                <a:latin typeface="Times New Roman"/>
-                <a:ea typeface="Times New Roman"/>
-                <a:cs typeface="Times New Roman"/>
-                <a:sym typeface="Times New Roman"/>
-              </a:rPr>
-              <a:t>Look at VORP to see when if they regress</a:t>
-            </a:r>
-            <a:endParaRPr sz="6065">
-              <a:solidFill>
-                <a:srgbClr val="24292E"/>
-              </a:solidFill>
-              <a:highlight>
-                <a:srgbClr val="FFFFFF"/>
-              </a:highlight>
-              <a:latin typeface="Times New Roman"/>
-              <a:ea typeface="Times New Roman"/>
-              <a:cs typeface="Times New Roman"/>
-              <a:sym typeface="Times New Roman"/>
-            </a:endParaRPr>
-          </a:p>
-          <a:p>
-            <a:pPr marL="457200" lvl="0" indent="-324887" algn="l" rtl="0">
-              <a:spcBef>
-                <a:spcPts val="0"/>
-              </a:spcBef>
-              <a:spcAft>
-                <a:spcPts val="0"/>
-              </a:spcAft>
-              <a:buClr>
-                <a:srgbClr val="24292E"/>
-              </a:buClr>
-              <a:buSzPct val="100000"/>
-              <a:buFont typeface="Times New Roman"/>
-              <a:buChar char="●"/>
-            </a:pPr>
-            <a:r>
-              <a:rPr lang="en" sz="6065">
-                <a:solidFill>
-                  <a:srgbClr val="24292E"/>
-                </a:solidFill>
-                <a:highlight>
-                  <a:srgbClr val="FFFFFF"/>
-                </a:highlight>
-                <a:latin typeface="Times New Roman"/>
-                <a:ea typeface="Times New Roman"/>
-                <a:cs typeface="Times New Roman"/>
-                <a:sym typeface="Times New Roman"/>
-              </a:rPr>
-              <a:t>VORP is value over replacement player basically how good a player was that season with a -2.0 being a replacement level player (really bad player)</a:t>
-            </a:r>
-            <a:endParaRPr sz="6065">
-              <a:solidFill>
-                <a:srgbClr val="24292E"/>
-              </a:solidFill>
-              <a:highlight>
-                <a:srgbClr val="FFFFFF"/>
-              </a:highlight>
-              <a:latin typeface="Times New Roman"/>
-              <a:ea typeface="Times New Roman"/>
-              <a:cs typeface="Times New Roman"/>
-              <a:sym typeface="Times New Roman"/>
-            </a:endParaRPr>
-          </a:p>
-          <a:p>
-            <a:pPr marL="457200" lvl="0" indent="-324887" algn="l" rtl="0">
-              <a:spcBef>
-                <a:spcPts val="0"/>
-              </a:spcBef>
-              <a:spcAft>
-                <a:spcPts val="0"/>
-              </a:spcAft>
-              <a:buClr>
-                <a:srgbClr val="24292E"/>
-              </a:buClr>
-              <a:buSzPct val="100000"/>
-              <a:buFont typeface="Times New Roman"/>
-              <a:buChar char="●"/>
-            </a:pPr>
-            <a:r>
-              <a:rPr lang="en" sz="6065">
-                <a:solidFill>
-                  <a:srgbClr val="24292E"/>
-                </a:solidFill>
-                <a:highlight>
-                  <a:srgbClr val="FFFFFF"/>
-                </a:highlight>
-                <a:latin typeface="Times New Roman"/>
-                <a:ea typeface="Times New Roman"/>
-                <a:cs typeface="Times New Roman"/>
-                <a:sym typeface="Times New Roman"/>
-              </a:rPr>
-              <a:t>Also look at if they change player type do they still regress</a:t>
-            </a:r>
-            <a:endParaRPr sz="6065">
-              <a:solidFill>
-                <a:srgbClr val="24292E"/>
-              </a:solidFill>
-              <a:highlight>
-                <a:srgbClr val="FFFFFF"/>
-              </a:highlight>
-              <a:latin typeface="Times New Roman"/>
-              <a:ea typeface="Times New Roman"/>
-              <a:cs typeface="Times New Roman"/>
-              <a:sym typeface="Times New Roman"/>
-            </a:endParaRPr>
-          </a:p>
-          <a:p>
-            <a:pPr marL="457200" lvl="0" indent="-336550" algn="l" rtl="0">
-              <a:spcBef>
-                <a:spcPts val="0"/>
-              </a:spcBef>
-              <a:spcAft>
-                <a:spcPts val="0"/>
-              </a:spcAft>
-              <a:buClr>
-                <a:srgbClr val="24292E"/>
-              </a:buClr>
-              <a:buSzPct val="100000"/>
-              <a:buFont typeface="Times New Roman"/>
-              <a:buChar char="●"/>
-            </a:pPr>
-            <a:r>
-              <a:rPr lang="en" sz="6800">
-                <a:solidFill>
-                  <a:srgbClr val="24292E"/>
-                </a:solidFill>
-                <a:highlight>
-                  <a:srgbClr val="FFFFFF"/>
-                </a:highlight>
-                <a:latin typeface="Times New Roman"/>
-                <a:ea typeface="Times New Roman"/>
-                <a:cs typeface="Times New Roman"/>
-                <a:sym typeface="Times New Roman"/>
-              </a:rPr>
-              <a:t>From the two references, we should have an accuracy between 75% and 85%</a:t>
-            </a:r>
-            <a:endParaRPr sz="10865">
+            <a:endParaRPr lang="en-US" sz="1400" dirty="0">
               <a:solidFill>
                 <a:srgbClr val="24292E"/>
               </a:solidFill>
@@ -14848,7 +12635,7 @@
               <a:buFont typeface="Arial"/>
               <a:buChar char="●"/>
             </a:pPr>
-            <a:endParaRPr sz="2567" b="1">
+            <a:endParaRPr sz="2567" b="1" dirty="0">
               <a:solidFill>
                 <a:srgbClr val="24292E"/>
               </a:solidFill>
@@ -14874,7 +12661,7 @@
               </a:spcAft>
               <a:buNone/>
             </a:pPr>
-            <a:endParaRPr sz="2045">
+            <a:endParaRPr sz="2045" dirty="0">
               <a:solidFill>
                 <a:srgbClr val="24292E"/>
               </a:solidFill>
@@ -14900,7 +12687,7 @@
               </a:spcAft>
               <a:buNone/>
             </a:pPr>
-            <a:endParaRPr sz="2045">
+            <a:endParaRPr sz="2045" dirty="0">
               <a:solidFill>
                 <a:srgbClr val="24292E"/>
               </a:solidFill>
@@ -14926,7 +12713,7 @@
               </a:spcAft>
               <a:buNone/>
             </a:pPr>
-            <a:endParaRPr sz="2045">
+            <a:endParaRPr sz="2045" dirty="0">
               <a:solidFill>
                 <a:srgbClr val="24292E"/>
               </a:solidFill>
@@ -14949,7 +12736,7 @@
               </a:spcAft>
               <a:buNone/>
             </a:pPr>
-            <a:endParaRPr sz="1400">
+            <a:endParaRPr sz="1400" dirty="0">
               <a:solidFill>
                 <a:srgbClr val="24292E"/>
               </a:solidFill>
@@ -14972,7 +12759,7 @@
               </a:spcAft>
               <a:buNone/>
             </a:pPr>
-            <a:endParaRPr sz="1400">
+            <a:endParaRPr sz="1400" dirty="0">
               <a:solidFill>
                 <a:srgbClr val="24292E"/>
               </a:solidFill>
@@ -14995,7 +12782,7 @@
               </a:spcAft>
               <a:buNone/>
             </a:pPr>
-            <a:endParaRPr>
+            <a:endParaRPr dirty="0">
               <a:solidFill>
                 <a:srgbClr val="24292E"/>
               </a:solidFill>
@@ -15018,7 +12805,7 @@
               </a:spcAft>
               <a:buNone/>
             </a:pPr>
-            <a:endParaRPr>
+            <a:endParaRPr dirty="0">
               <a:solidFill>
                 <a:srgbClr val="24292E"/>
               </a:solidFill>
@@ -15041,12 +12828,12 @@
 </p:sld>
 </file>
 
-<file path=ppt/slides/slide8.xml><?xml version="1.0" encoding="utf-8"?>
+<file path=ppt/slides/slide7.xml><?xml version="1.0" encoding="utf-8"?>
 <p:sld xmlns:a="http://schemas.openxmlformats.org/drawingml/2006/main" xmlns:r="http://schemas.openxmlformats.org/officeDocument/2006/relationships" xmlns:p="http://schemas.openxmlformats.org/presentationml/2006/main">
   <p:cSld>
     <p:spTree>
       <p:nvGrpSpPr>
-        <p:cNvPr id="1" name="Shape 205"/>
+        <p:cNvPr id="1" name=""/>
         <p:cNvGrpSpPr/>
         <p:nvPr/>
       </p:nvGrpSpPr>
@@ -15060,251 +12847,323 @@
       </p:grpSpPr>
       <p:sp>
         <p:nvSpPr>
-          <p:cNvPr id="206" name="Google Shape;206;p20"/>
-          <p:cNvSpPr txBox="1">
+          <p:cNvPr id="2" name="Title 1">
+            <a:extLst>
+              <a:ext uri="{FF2B5EF4-FFF2-40B4-BE49-F238E27FC236}">
+                <a16:creationId xmlns:a16="http://schemas.microsoft.com/office/drawing/2014/main" id="{F5C6EB3C-064B-4FA8-915D-3CACAEF70A50}"/>
+              </a:ext>
+            </a:extLst>
+          </p:cNvPr>
+          <p:cNvSpPr>
             <a:spLocks noGrp="1"/>
           </p:cNvSpPr>
           <p:nvPr>
-            <p:ph type="body" idx="1"/>
+            <p:ph type="title"/>
           </p:nvPr>
         </p:nvSpPr>
+        <p:spPr/>
+        <p:txBody>
+          <a:bodyPr/>
+          <a:lstStyle/>
+          <a:p>
+            <a:r>
+              <a:rPr lang="en-US" dirty="0"/>
+              <a:t>Visualize clusters Based on VORP</a:t>
+            </a:r>
+            <a:endParaRPr lang="en-CA" dirty="0"/>
+          </a:p>
+        </p:txBody>
+      </p:sp>
+      <p:pic>
+        <p:nvPicPr>
+          <p:cNvPr id="4" name="Picture 3">
+            <a:extLst>
+              <a:ext uri="{FF2B5EF4-FFF2-40B4-BE49-F238E27FC236}">
+                <a16:creationId xmlns:a16="http://schemas.microsoft.com/office/drawing/2014/main" id="{BD034E5C-3F34-4348-9385-9A94D32E0B04}"/>
+              </a:ext>
+            </a:extLst>
+          </p:cNvPr>
+          <p:cNvPicPr>
+            <a:picLocks noChangeAspect="1"/>
+          </p:cNvPicPr>
+          <p:nvPr/>
+        </p:nvPicPr>
+        <p:blipFill>
+          <a:blip r:embed="rId2"/>
+          <a:stretch>
+            <a:fillRect/>
+          </a:stretch>
+        </p:blipFill>
         <p:spPr>
           <a:xfrm>
-            <a:off x="819150" y="752050"/>
-            <a:ext cx="7505700" cy="3686700"/>
+            <a:off x="981043" y="2263173"/>
+            <a:ext cx="6968332" cy="1938696"/>
           </a:xfrm>
           <a:prstGeom prst="rect">
             <a:avLst/>
           </a:prstGeom>
         </p:spPr>
+      </p:pic>
+    </p:spTree>
+    <p:extLst>
+      <p:ext uri="{BB962C8B-B14F-4D97-AF65-F5344CB8AC3E}">
+        <p14:creationId xmlns:p14="http://schemas.microsoft.com/office/powerpoint/2010/main" val="3056782231"/>
+      </p:ext>
+    </p:extLst>
+  </p:cSld>
+  <p:clrMapOvr>
+    <a:masterClrMapping/>
+  </p:clrMapOvr>
+</p:sld>
+</file>
+
+<file path=ppt/slides/slide8.xml><?xml version="1.0" encoding="utf-8"?>
+<p:sld xmlns:a="http://schemas.openxmlformats.org/drawingml/2006/main" xmlns:r="http://schemas.openxmlformats.org/officeDocument/2006/relationships" xmlns:p="http://schemas.openxmlformats.org/presentationml/2006/main">
+  <p:cSld>
+    <p:spTree>
+      <p:nvGrpSpPr>
+        <p:cNvPr id="1" name=""/>
+        <p:cNvGrpSpPr/>
+        <p:nvPr/>
+      </p:nvGrpSpPr>
+      <p:grpSpPr>
+        <a:xfrm>
+          <a:off x="0" y="0"/>
+          <a:ext cx="0" cy="0"/>
+          <a:chOff x="0" y="0"/>
+          <a:chExt cx="0" cy="0"/>
+        </a:xfrm>
+      </p:grpSpPr>
+      <p:sp>
+        <p:nvSpPr>
+          <p:cNvPr id="2" name="Title 1">
+            <a:extLst>
+              <a:ext uri="{FF2B5EF4-FFF2-40B4-BE49-F238E27FC236}">
+                <a16:creationId xmlns:a16="http://schemas.microsoft.com/office/drawing/2014/main" id="{4C67B3C0-718C-4D79-BC3F-EB9FDB7FDE4F}"/>
+              </a:ext>
+            </a:extLst>
+          </p:cNvPr>
+          <p:cNvSpPr>
+            <a:spLocks noGrp="1"/>
+          </p:cNvSpPr>
+          <p:nvPr>
+            <p:ph type="title"/>
+          </p:nvPr>
+        </p:nvSpPr>
+        <p:spPr/>
         <p:txBody>
-          <a:bodyPr spcFirstLastPara="1" wrap="square" lIns="91425" tIns="91425" rIns="91425" bIns="91425" anchor="t" anchorCtr="0">
-            <a:normAutofit/>
+          <a:bodyPr/>
+          <a:lstStyle/>
+          <a:p>
+            <a:r>
+              <a:rPr lang="en-CA" dirty="0"/>
+              <a:t>Final Results for Cluster Components </a:t>
+            </a:r>
+          </a:p>
+        </p:txBody>
+      </p:sp>
+      <p:graphicFrame>
+        <p:nvGraphicFramePr>
+          <p:cNvPr id="8" name="Object 7">
+            <a:extLst>
+              <a:ext uri="{FF2B5EF4-FFF2-40B4-BE49-F238E27FC236}">
+                <a16:creationId xmlns:a16="http://schemas.microsoft.com/office/drawing/2014/main" id="{2CD255BA-A67E-4FB2-AD73-415931EA5CC0}"/>
+              </a:ext>
+            </a:extLst>
+          </p:cNvPr>
+          <p:cNvGraphicFramePr>
+            <a:graphicFrameLocks noChangeAspect="1"/>
+          </p:cNvGraphicFramePr>
+          <p:nvPr>
+            <p:extLst>
+              <p:ext uri="{D42A27DB-BD31-4B8C-83A1-F6EECF244321}">
+                <p14:modId xmlns:p14="http://schemas.microsoft.com/office/powerpoint/2010/main" val="489958896"/>
+              </p:ext>
+            </p:extLst>
+          </p:nvPr>
+        </p:nvGraphicFramePr>
+        <p:xfrm>
+          <a:off x="1439943" y="2049369"/>
+          <a:ext cx="2152650" cy="1914525"/>
+        </p:xfrm>
+        <a:graphic>
+          <a:graphicData uri="http://schemas.openxmlformats.org/presentationml/2006/ole">
+            <mc:AlternateContent xmlns:mc="http://schemas.openxmlformats.org/markup-compatibility/2006">
+              <mc:Choice xmlns:v="urn:schemas-microsoft-com:vml" Requires="v">
+                <p:oleObj name="Worksheet" r:id="rId2" imgW="2152663" imgH="1914423" progId="Excel.Sheet.12">
+                  <p:embed/>
+                </p:oleObj>
+              </mc:Choice>
+              <mc:Fallback>
+                <p:oleObj name="Worksheet" r:id="rId2" imgW="2152663" imgH="1914423" progId="Excel.Sheet.12">
+                  <p:embed/>
+                  <p:pic>
+                    <p:nvPicPr>
+                      <p:cNvPr id="0" name=""/>
+                      <p:cNvPicPr/>
+                      <p:nvPr/>
+                    </p:nvPicPr>
+                    <p:blipFill>
+                      <a:blip r:embed="rId3"/>
+                      <a:stretch>
+                        <a:fillRect/>
+                      </a:stretch>
+                    </p:blipFill>
+                    <p:spPr>
+                      <a:xfrm>
+                        <a:off x="1439943" y="2049369"/>
+                        <a:ext cx="2152650" cy="1914525"/>
+                      </a:xfrm>
+                      <a:prstGeom prst="rect">
+                        <a:avLst/>
+                      </a:prstGeom>
+                    </p:spPr>
+                  </p:pic>
+                </p:oleObj>
+              </mc:Fallback>
+            </mc:AlternateContent>
+          </a:graphicData>
+        </a:graphic>
+      </p:graphicFrame>
+      <p:graphicFrame>
+        <p:nvGraphicFramePr>
+          <p:cNvPr id="9" name="Object 8">
+            <a:extLst>
+              <a:ext uri="{FF2B5EF4-FFF2-40B4-BE49-F238E27FC236}">
+                <a16:creationId xmlns:a16="http://schemas.microsoft.com/office/drawing/2014/main" id="{98FF257C-3604-43C6-8E84-6F3CB67C7CA8}"/>
+              </a:ext>
+            </a:extLst>
+          </p:cNvPr>
+          <p:cNvGraphicFramePr>
+            <a:graphicFrameLocks noChangeAspect="1"/>
+          </p:cNvGraphicFramePr>
+          <p:nvPr>
+            <p:extLst>
+              <p:ext uri="{D42A27DB-BD31-4B8C-83A1-F6EECF244321}">
+                <p14:modId xmlns:p14="http://schemas.microsoft.com/office/powerpoint/2010/main" val="4112880128"/>
+              </p:ext>
+            </p:extLst>
+          </p:nvPr>
+        </p:nvGraphicFramePr>
+        <p:xfrm>
+          <a:off x="4708690" y="2052550"/>
+          <a:ext cx="2152650" cy="1762785"/>
+        </p:xfrm>
+        <a:graphic>
+          <a:graphicData uri="http://schemas.openxmlformats.org/presentationml/2006/ole">
+            <mc:AlternateContent xmlns:mc="http://schemas.openxmlformats.org/markup-compatibility/2006">
+              <mc:Choice xmlns:v="urn:schemas-microsoft-com:vml" Requires="v">
+                <p:oleObj name="Worksheet" r:id="rId4" imgW="2152663" imgH="1723991" progId="Excel.Sheet.12">
+                  <p:embed/>
+                </p:oleObj>
+              </mc:Choice>
+              <mc:Fallback>
+                <p:oleObj name="Worksheet" r:id="rId4" imgW="2152663" imgH="1723991" progId="Excel.Sheet.12">
+                  <p:embed/>
+                  <p:pic>
+                    <p:nvPicPr>
+                      <p:cNvPr id="0" name=""/>
+                      <p:cNvPicPr/>
+                      <p:nvPr/>
+                    </p:nvPicPr>
+                    <p:blipFill>
+                      <a:blip r:embed="rId5"/>
+                      <a:stretch>
+                        <a:fillRect/>
+                      </a:stretch>
+                    </p:blipFill>
+                    <p:spPr>
+                      <a:xfrm>
+                        <a:off x="4708690" y="2052550"/>
+                        <a:ext cx="2152650" cy="1762785"/>
+                      </a:xfrm>
+                      <a:prstGeom prst="rect">
+                        <a:avLst/>
+                      </a:prstGeom>
+                    </p:spPr>
+                  </p:pic>
+                </p:oleObj>
+              </mc:Fallback>
+            </mc:AlternateContent>
+          </a:graphicData>
+        </a:graphic>
+      </p:graphicFrame>
+      <p:sp>
+        <p:nvSpPr>
+          <p:cNvPr id="10" name="TextBox 9">
+            <a:extLst>
+              <a:ext uri="{FF2B5EF4-FFF2-40B4-BE49-F238E27FC236}">
+                <a16:creationId xmlns:a16="http://schemas.microsoft.com/office/drawing/2014/main" id="{83400B35-28B8-45F2-AB2A-DD8D752B128D}"/>
+              </a:ext>
+            </a:extLst>
+          </p:cNvPr>
+          <p:cNvSpPr txBox="1"/>
+          <p:nvPr/>
+        </p:nvSpPr>
+        <p:spPr>
+          <a:xfrm>
+            <a:off x="1439943" y="1741150"/>
+            <a:ext cx="2302686" cy="307777"/>
+          </a:xfrm>
+          <a:prstGeom prst="rect">
+            <a:avLst/>
+          </a:prstGeom>
+          <a:noFill/>
+        </p:spPr>
+        <p:txBody>
+          <a:bodyPr wrap="square" rtlCol="0">
+            <a:spAutoFit/>
           </a:bodyPr>
           <a:lstStyle/>
           <a:p>
-            <a:pPr marL="0" lvl="0" indent="0" algn="l" rtl="0">
-              <a:lnSpc>
-                <a:spcPct val="125000"/>
-              </a:lnSpc>
-              <a:spcBef>
-                <a:spcPts val="1800"/>
-              </a:spcBef>
-              <a:spcAft>
-                <a:spcPts val="0"/>
-              </a:spcAft>
-              <a:buNone/>
-            </a:pPr>
             <a:r>
-              <a:rPr lang="en" sz="1500" b="1">
-                <a:solidFill>
-                  <a:srgbClr val="24292E"/>
-                </a:solidFill>
-                <a:highlight>
-                  <a:srgbClr val="FFFFFF"/>
-                </a:highlight>
-                <a:latin typeface="Times New Roman"/>
-                <a:ea typeface="Times New Roman"/>
-                <a:cs typeface="Times New Roman"/>
-                <a:sym typeface="Times New Roman"/>
-              </a:rPr>
-              <a:t>How does this model work?</a:t>
+              <a:rPr lang="en-CA" dirty="0"/>
+              <a:t>PCA Playing Styles</a:t>
             </a:r>
-            <a:endParaRPr sz="1500" b="1">
-              <a:solidFill>
-                <a:srgbClr val="24292E"/>
-              </a:solidFill>
-              <a:highlight>
-                <a:srgbClr val="FFFFFF"/>
-              </a:highlight>
-              <a:latin typeface="Times New Roman"/>
-              <a:ea typeface="Times New Roman"/>
-              <a:cs typeface="Times New Roman"/>
-              <a:sym typeface="Times New Roman"/>
-            </a:endParaRPr>
           </a:p>
+        </p:txBody>
+      </p:sp>
+      <p:sp>
+        <p:nvSpPr>
+          <p:cNvPr id="11" name="TextBox 10">
+            <a:extLst>
+              <a:ext uri="{FF2B5EF4-FFF2-40B4-BE49-F238E27FC236}">
+                <a16:creationId xmlns:a16="http://schemas.microsoft.com/office/drawing/2014/main" id="{C27AF32F-7EAE-4951-A351-41F954ED34E6}"/>
+              </a:ext>
+            </a:extLst>
+          </p:cNvPr>
+          <p:cNvSpPr txBox="1"/>
+          <p:nvPr/>
+        </p:nvSpPr>
+        <p:spPr>
+          <a:xfrm>
+            <a:off x="4708690" y="1741591"/>
+            <a:ext cx="2302686" cy="307777"/>
+          </a:xfrm>
+          <a:prstGeom prst="rect">
+            <a:avLst/>
+          </a:prstGeom>
+          <a:noFill/>
+        </p:spPr>
+        <p:txBody>
+          <a:bodyPr wrap="square" rtlCol="0">
+            <a:spAutoFit/>
+          </a:bodyPr>
+          <a:lstStyle/>
           <a:p>
-            <a:pPr marL="0" lvl="0" indent="0" algn="l" rtl="0">
-              <a:spcBef>
-                <a:spcPts val="1200"/>
-              </a:spcBef>
-              <a:spcAft>
-                <a:spcPts val="0"/>
-              </a:spcAft>
-              <a:buNone/>
-            </a:pPr>
             <a:r>
-              <a:rPr lang="en" sz="1500">
-                <a:solidFill>
-                  <a:srgbClr val="24292E"/>
-                </a:solidFill>
-                <a:highlight>
-                  <a:srgbClr val="FFFFFF"/>
-                </a:highlight>
-                <a:latin typeface="Times New Roman"/>
-                <a:ea typeface="Times New Roman"/>
-                <a:cs typeface="Times New Roman"/>
-                <a:sym typeface="Times New Roman"/>
-              </a:rPr>
-              <a:t>We will use a "voting classifier". It aggregate a logistic regression, adaptive boosting, gradient boosting, random forest, and extra trees.</a:t>
+              <a:rPr lang="en-CA" dirty="0"/>
+              <a:t>Cluster Player Types</a:t>
             </a:r>
-            <a:endParaRPr sz="1500">
-              <a:solidFill>
-                <a:srgbClr val="24292E"/>
-              </a:solidFill>
-              <a:highlight>
-                <a:srgbClr val="FFFFFF"/>
-              </a:highlight>
-              <a:latin typeface="Times New Roman"/>
-              <a:ea typeface="Times New Roman"/>
-              <a:cs typeface="Times New Roman"/>
-              <a:sym typeface="Times New Roman"/>
-            </a:endParaRPr>
-          </a:p>
-          <a:p>
-            <a:pPr marL="457200" lvl="0" indent="-323850" algn="l" rtl="0">
-              <a:spcBef>
-                <a:spcPts val="1200"/>
-              </a:spcBef>
-              <a:spcAft>
-                <a:spcPts val="0"/>
-              </a:spcAft>
-              <a:buClr>
-                <a:srgbClr val="24292E"/>
-              </a:buClr>
-              <a:buSzPts val="1500"/>
-              <a:buFont typeface="Times New Roman"/>
-              <a:buChar char="●"/>
-            </a:pPr>
-            <a:r>
-              <a:rPr lang="en" sz="1500">
-                <a:solidFill>
-                  <a:srgbClr val="24292E"/>
-                </a:solidFill>
-                <a:highlight>
-                  <a:srgbClr val="FFFFFF"/>
-                </a:highlight>
-                <a:latin typeface="Times New Roman"/>
-                <a:ea typeface="Times New Roman"/>
-                <a:cs typeface="Times New Roman"/>
-                <a:sym typeface="Times New Roman"/>
-              </a:rPr>
-              <a:t>The database in the schema (NBA_Analysis_ERD.png)</a:t>
-            </a:r>
-            <a:endParaRPr sz="1500">
-              <a:solidFill>
-                <a:srgbClr val="24292E"/>
-              </a:solidFill>
-              <a:highlight>
-                <a:srgbClr val="FFFFFF"/>
-              </a:highlight>
-              <a:latin typeface="Times New Roman"/>
-              <a:ea typeface="Times New Roman"/>
-              <a:cs typeface="Times New Roman"/>
-              <a:sym typeface="Times New Roman"/>
-            </a:endParaRPr>
-          </a:p>
-          <a:p>
-            <a:pPr marL="457200" lvl="0" indent="-323850" algn="l" rtl="0">
-              <a:spcBef>
-                <a:spcPts val="0"/>
-              </a:spcBef>
-              <a:spcAft>
-                <a:spcPts val="0"/>
-              </a:spcAft>
-              <a:buClr>
-                <a:srgbClr val="24292E"/>
-              </a:buClr>
-              <a:buSzPts val="1500"/>
-              <a:buFont typeface="Times New Roman"/>
-              <a:buChar char="●"/>
-            </a:pPr>
-            <a:r>
-              <a:rPr lang="en" sz="1500">
-                <a:solidFill>
-                  <a:srgbClr val="24292E"/>
-                </a:solidFill>
-                <a:highlight>
-                  <a:srgbClr val="FFFFFF"/>
-                </a:highlight>
-                <a:latin typeface="Times New Roman"/>
-                <a:ea typeface="Times New Roman"/>
-                <a:cs typeface="Times New Roman"/>
-                <a:sym typeface="Times New Roman"/>
-              </a:rPr>
-              <a:t>Filter to use the data from 2003 to 2018</a:t>
-            </a:r>
-            <a:endParaRPr sz="1500">
-              <a:solidFill>
-                <a:srgbClr val="24292E"/>
-              </a:solidFill>
-              <a:highlight>
-                <a:srgbClr val="FFFFFF"/>
-              </a:highlight>
-              <a:latin typeface="Times New Roman"/>
-              <a:ea typeface="Times New Roman"/>
-              <a:cs typeface="Times New Roman"/>
-              <a:sym typeface="Times New Roman"/>
-            </a:endParaRPr>
-          </a:p>
-          <a:p>
-            <a:pPr marL="457200" lvl="0" indent="-323850" algn="l" rtl="0">
-              <a:spcBef>
-                <a:spcPts val="0"/>
-              </a:spcBef>
-              <a:spcAft>
-                <a:spcPts val="0"/>
-              </a:spcAft>
-              <a:buClr>
-                <a:srgbClr val="24292E"/>
-              </a:buClr>
-              <a:buSzPts val="1500"/>
-              <a:buFont typeface="Times New Roman"/>
-              <a:buChar char="●"/>
-            </a:pPr>
-            <a:r>
-              <a:rPr lang="en" sz="1500">
-                <a:solidFill>
-                  <a:srgbClr val="24292E"/>
-                </a:solidFill>
-                <a:highlight>
-                  <a:srgbClr val="FFFFFF"/>
-                </a:highlight>
-                <a:latin typeface="Times New Roman"/>
-                <a:ea typeface="Times New Roman"/>
-                <a:cs typeface="Times New Roman"/>
-                <a:sym typeface="Times New Roman"/>
-              </a:rPr>
-              <a:t>For example, our dataset will include the year, is it his first year, salary, position (e.g. 3B) then each cluster will have parameters for each player.</a:t>
-            </a:r>
-            <a:endParaRPr sz="1500">
-              <a:solidFill>
-                <a:srgbClr val="24292E"/>
-              </a:solidFill>
-              <a:highlight>
-                <a:srgbClr val="FFFFFF"/>
-              </a:highlight>
-              <a:latin typeface="Times New Roman"/>
-              <a:ea typeface="Times New Roman"/>
-              <a:cs typeface="Times New Roman"/>
-              <a:sym typeface="Times New Roman"/>
-            </a:endParaRPr>
-          </a:p>
-          <a:p>
-            <a:pPr marL="0" lvl="0" indent="0" algn="l" rtl="0">
-              <a:spcBef>
-                <a:spcPts val="1200"/>
-              </a:spcBef>
-              <a:spcAft>
-                <a:spcPts val="1200"/>
-              </a:spcAft>
-              <a:buNone/>
-            </a:pPr>
-            <a:endParaRPr/>
           </a:p>
         </p:txBody>
       </p:sp>
     </p:spTree>
+    <p:extLst>
+      <p:ext uri="{BB962C8B-B14F-4D97-AF65-F5344CB8AC3E}">
+        <p14:creationId xmlns:p14="http://schemas.microsoft.com/office/powerpoint/2010/main" val="270958392"/>
+      </p:ext>
+    </p:extLst>
   </p:cSld>
   <p:clrMapOvr>
     <a:masterClrMapping/>
@@ -15432,7 +13291,7 @@
               <a:buNone/>
             </a:pPr>
             <a:r>
-              <a:rPr lang="en" b="1" u="sng" dirty="0">
+              <a:rPr lang="en-CA" b="1" u="sng" dirty="0">
                 <a:solidFill>
                   <a:schemeClr val="hlink"/>
                 </a:solidFill>
@@ -15445,50 +13304,11 @@
                 <a:sym typeface="Arial"/>
                 <a:hlinkClick r:id="rId3"/>
               </a:rPr>
-              <a:t>https://public.tableau.com/app/profile/karanpreet8221/viz/NBAAnalysis_16223090479000/VORPbyPlayer</a:t>
+              <a:t>https://public.tableau.com/app/profile/syed.ali.akbar/viz/NBAAnalysis_16232021658490/VORPbyAgebyPlayers</a:t>
             </a:r>
-            <a:endParaRPr b="1" dirty="0">
+            <a:endParaRPr lang="en-CA" b="1" u="sng" dirty="0">
               <a:solidFill>
-                <a:srgbClr val="202124"/>
-              </a:solidFill>
-              <a:highlight>
-                <a:srgbClr val="FFFFFF"/>
-              </a:highlight>
-              <a:latin typeface="Arial"/>
-              <a:ea typeface="Arial"/>
-              <a:cs typeface="Arial"/>
-              <a:sym typeface="Arial"/>
-            </a:endParaRPr>
-          </a:p>
-          <a:p>
-            <a:pPr marL="0" lvl="0" indent="0" algn="l" rtl="0">
-              <a:spcBef>
-                <a:spcPts val="1200"/>
-              </a:spcBef>
-              <a:spcAft>
-                <a:spcPts val="0"/>
-              </a:spcAft>
-              <a:buNone/>
-            </a:pPr>
-            <a:r>
-              <a:rPr lang="en" b="1" u="sng" dirty="0">
-                <a:solidFill>
-                  <a:schemeClr val="hlink"/>
-                </a:solidFill>
-                <a:highlight>
-                  <a:srgbClr val="FFFFFF"/>
-                </a:highlight>
-                <a:latin typeface="Arial"/>
-                <a:ea typeface="Arial"/>
-                <a:cs typeface="Arial"/>
-                <a:sym typeface="Arial"/>
-                <a:hlinkClick r:id="rId4"/>
-              </a:rPr>
-              <a:t>https://public.tableau.com/app/profile/karanpreet8221/viz/FinalResults_16225849830960/Finalresults</a:t>
-            </a:r>
-            <a:endParaRPr b="1" dirty="0">
-              <a:solidFill>
-                <a:srgbClr val="202124"/>
+                <a:schemeClr val="hlink"/>
               </a:solidFill>
               <a:highlight>
                 <a:srgbClr val="FFFFFF"/>
@@ -15511,11 +13331,11 @@
                 <a:srgbClr val="202124"/>
               </a:buClr>
               <a:buSzPts val="1200"/>
-              <a:buFont typeface="Times New Roman"/>
-              <a:buChar char="●"/>
+              <a:buFont typeface="Arial" panose="020B0604020202020204" pitchFamily="34" charset="0"/>
+              <a:buChar char="•"/>
             </a:pPr>
             <a:r>
-              <a:rPr lang="en" sz="1200" dirty="0">
+              <a:rPr lang="en-US" sz="1200" dirty="0">
                 <a:solidFill>
                   <a:srgbClr val="202124"/>
                 </a:solidFill>
@@ -15527,38 +13347,23 @@
                 <a:cs typeface="Times New Roman"/>
                 <a:sym typeface="Times New Roman"/>
               </a:rPr>
-              <a:t>The dashboard is representing visuals that are answering the questions asked.</a:t>
+              <a:t>The Charts are</a:t>
             </a:r>
-            <a:endParaRPr sz="1200" dirty="0">
-              <a:solidFill>
-                <a:srgbClr val="202124"/>
-              </a:solidFill>
-              <a:highlight>
-                <a:srgbClr val="FFFFFF"/>
-              </a:highlight>
-              <a:latin typeface="Times New Roman"/>
-              <a:ea typeface="Times New Roman"/>
-              <a:cs typeface="Times New Roman"/>
-              <a:sym typeface="Times New Roman"/>
-            </a:endParaRPr>
           </a:p>
           <a:p>
-            <a:pPr marL="457200" lvl="0" indent="-304800" algn="l" rtl="0">
-              <a:spcBef>
-                <a:spcPts val="0"/>
-              </a:spcBef>
-              <a:spcAft>
-                <a:spcPts val="0"/>
-              </a:spcAft>
+            <a:pPr lvl="1" indent="-304800">
+              <a:spcBef>
+                <a:spcPts val="1200"/>
+              </a:spcBef>
               <a:buClr>
                 <a:srgbClr val="202124"/>
               </a:buClr>
               <a:buSzPts val="1200"/>
-              <a:buFont typeface="Times New Roman"/>
-              <a:buChar char="●"/>
+              <a:buFont typeface="Arial" panose="020B0604020202020204" pitchFamily="34" charset="0"/>
+              <a:buChar char="•"/>
             </a:pPr>
             <a:r>
-              <a:rPr lang="en" sz="1200" dirty="0">
+              <a:rPr lang="en-US" sz="1200" dirty="0">
                 <a:solidFill>
                   <a:srgbClr val="202124"/>
                 </a:solidFill>
@@ -15570,38 +13375,23 @@
                 <a:cs typeface="Times New Roman"/>
                 <a:sym typeface="Times New Roman"/>
               </a:rPr>
-              <a:t>Player’s VORP is compared with their age, MP, age and years into the game to see what affects player’s performance the most.</a:t>
+              <a:t>VORP By Year </a:t>
             </a:r>
-            <a:endParaRPr sz="1200" dirty="0">
-              <a:solidFill>
-                <a:srgbClr val="202124"/>
-              </a:solidFill>
-              <a:highlight>
-                <a:srgbClr val="FFFFFF"/>
-              </a:highlight>
-              <a:latin typeface="Times New Roman"/>
-              <a:ea typeface="Times New Roman"/>
-              <a:cs typeface="Times New Roman"/>
-              <a:sym typeface="Times New Roman"/>
-            </a:endParaRPr>
           </a:p>
           <a:p>
-            <a:pPr marL="457200" lvl="0" indent="-304800" algn="l" rtl="0">
-              <a:spcBef>
-                <a:spcPts val="0"/>
-              </a:spcBef>
-              <a:spcAft>
-                <a:spcPts val="0"/>
-              </a:spcAft>
+            <a:pPr lvl="1" indent="-304800">
+              <a:spcBef>
+                <a:spcPts val="1200"/>
+              </a:spcBef>
               <a:buClr>
                 <a:srgbClr val="202124"/>
               </a:buClr>
               <a:buSzPts val="1200"/>
-              <a:buFont typeface="Times New Roman"/>
-              <a:buChar char="●"/>
+              <a:buFont typeface="Arial" panose="020B0604020202020204" pitchFamily="34" charset="0"/>
+              <a:buChar char="•"/>
             </a:pPr>
             <a:r>
-              <a:rPr lang="en" sz="1200" dirty="0">
+              <a:rPr lang="en-US" sz="1200" dirty="0">
                 <a:solidFill>
                   <a:srgbClr val="202124"/>
                 </a:solidFill>
@@ -15613,38 +13403,23 @@
                 <a:cs typeface="Times New Roman"/>
                 <a:sym typeface="Times New Roman"/>
               </a:rPr>
-              <a:t>Once player regression is determined, the final clustering helps us to determine if changing playerstyle actually helps in some players over the others.</a:t>
+              <a:t>VOPR By Player</a:t>
             </a:r>
-            <a:endParaRPr sz="1200" dirty="0">
-              <a:solidFill>
-                <a:srgbClr val="202124"/>
-              </a:solidFill>
-              <a:highlight>
-                <a:srgbClr val="FFFFFF"/>
-              </a:highlight>
-              <a:latin typeface="Times New Roman"/>
-              <a:ea typeface="Times New Roman"/>
-              <a:cs typeface="Times New Roman"/>
-              <a:sym typeface="Times New Roman"/>
-            </a:endParaRPr>
           </a:p>
           <a:p>
-            <a:pPr marL="457200" lvl="0" indent="-304800" algn="l" rtl="0">
-              <a:spcBef>
-                <a:spcPts val="0"/>
-              </a:spcBef>
-              <a:spcAft>
-                <a:spcPts val="0"/>
-              </a:spcAft>
+            <a:pPr lvl="1" indent="-304800">
+              <a:spcBef>
+                <a:spcPts val="1200"/>
+              </a:spcBef>
               <a:buClr>
                 <a:srgbClr val="202124"/>
               </a:buClr>
               <a:buSzPts val="1200"/>
-              <a:buFont typeface="Times New Roman"/>
-              <a:buChar char="●"/>
+              <a:buFont typeface="Arial" panose="020B0604020202020204" pitchFamily="34" charset="0"/>
+              <a:buChar char="•"/>
             </a:pPr>
             <a:r>
-              <a:rPr lang="en" sz="1200" dirty="0">
+              <a:rPr lang="en-US" sz="1200" dirty="0">
                 <a:solidFill>
                   <a:srgbClr val="202124"/>
                 </a:solidFill>
@@ -15656,20 +13431,8 @@
                 <a:cs typeface="Times New Roman"/>
                 <a:sym typeface="Times New Roman"/>
               </a:rPr>
-              <a:t>Here are some of the visualizations-</a:t>
+              <a:t>VORP By Age</a:t>
             </a:r>
-            <a:endParaRPr sz="1200" dirty="0">
-              <a:solidFill>
-                <a:srgbClr val="202124"/>
-              </a:solidFill>
-              <a:highlight>
-                <a:srgbClr val="FFFFFF"/>
-              </a:highlight>
-              <a:latin typeface="Times New Roman"/>
-              <a:ea typeface="Times New Roman"/>
-              <a:cs typeface="Times New Roman"/>
-              <a:sym typeface="Times New Roman"/>
-            </a:endParaRPr>
           </a:p>
         </p:txBody>
       </p:sp>

--- a/Visualization/NBA_PLAYER_ANALYSIS.pptx
+++ b/Visualization/NBA_PLAYER_ANALYSIS.pptx
@@ -15095,7 +15095,7 @@
           <a:p>
             <a:r>
               <a:rPr lang="en-US" sz="2000" dirty="0"/>
-              <a:t>VORP By Year </a:t>
+              <a:t>VORP By Player</a:t>
             </a:r>
           </a:p>
           <a:p>
@@ -15113,7 +15113,7 @@
           <a:p>
             <a:r>
               <a:rPr lang="en-US" sz="2000" dirty="0"/>
-              <a:t>VOPR By Player</a:t>
+              <a:t>VOPR By Age</a:t>
             </a:r>
           </a:p>
           <a:p>
@@ -15125,8 +15125,17 @@
           <a:p>
             <a:r>
               <a:rPr lang="en-US" sz="2000" dirty="0"/>
-              <a:t>VORP By Age</a:t>
+              <a:t>VORP By Status</a:t>
             </a:r>
+          </a:p>
+          <a:p>
+            <a:pPr marL="146050" indent="0">
+              <a:buNone/>
+            </a:pPr>
+            <a:endParaRPr lang="en-US" sz="2000" dirty="0"/>
+          </a:p>
+          <a:p>
+            <a:endParaRPr lang="en-US" sz="2000" dirty="0"/>
           </a:p>
         </p:txBody>
       </p:sp>
@@ -15179,31 +15188,18 @@
                 <a:ea typeface="Arial"/>
                 <a:cs typeface="Arial"/>
                 <a:sym typeface="Arial"/>
-                <a:hlinkClick r:id="rId3"/>
               </a:rPr>
-              <a:t>https://public.tableau.com/app/profile/syed.ali.akbar/viz/NBAAnalysis_16232021658490/VORPbyAgebyPlayers</a:t>
+              <a:t>https://public.tableau.com/app/profile/syed.ali.akbar/viz/NBAAnalysis_16232021658490/VORPbyPlayersandAge</a:t>
             </a:r>
-            <a:endParaRPr lang="en-CA" b="1" u="sng" dirty="0">
-              <a:solidFill>
-                <a:schemeClr val="hlink"/>
-              </a:solidFill>
-              <a:highlight>
-                <a:srgbClr val="FFFFFF"/>
-              </a:highlight>
-              <a:latin typeface="Arial"/>
-              <a:ea typeface="Arial"/>
-              <a:cs typeface="Arial"/>
-              <a:sym typeface="Arial"/>
-            </a:endParaRPr>
           </a:p>
         </p:txBody>
       </p:sp>
       <p:pic>
         <p:nvPicPr>
-          <p:cNvPr id="20" name="Picture 19" descr="Chart, bar chart&#10;&#10;Description automatically generated">
+          <p:cNvPr id="3" name="Picture 2" descr="Chart, bar chart&#10;&#10;Description automatically generated">
             <a:extLst>
               <a:ext uri="{FF2B5EF4-FFF2-40B4-BE49-F238E27FC236}">
-                <a16:creationId xmlns:a16="http://schemas.microsoft.com/office/drawing/2014/main" id="{78956241-9F9B-4EE0-B1E2-4A8E1F62AC7E}"/>
+                <a16:creationId xmlns:a16="http://schemas.microsoft.com/office/drawing/2014/main" id="{D1A677B4-F35B-422F-A22E-71B2DE378961}"/>
               </a:ext>
             </a:extLst>
           </p:cNvPr>
@@ -15213,15 +15209,15 @@
           <p:nvPr/>
         </p:nvPicPr>
         <p:blipFill>
-          <a:blip r:embed="rId4"/>
+          <a:blip r:embed="rId3"/>
           <a:stretch>
             <a:fillRect/>
           </a:stretch>
         </p:blipFill>
         <p:spPr>
           <a:xfrm>
-            <a:off x="5018008" y="249105"/>
-            <a:ext cx="3352927" cy="3571038"/>
+            <a:off x="4999382" y="420390"/>
+            <a:ext cx="3091748" cy="3292869"/>
           </a:xfrm>
           <a:prstGeom prst="rect">
             <a:avLst/>

--- a/Visualization/NBA_PLAYER_ANALYSIS.pptx
+++ b/Visualization/NBA_PLAYER_ANALYSIS.pptx
@@ -15189,7 +15189,69 @@
                 <a:cs typeface="Arial"/>
                 <a:sym typeface="Arial"/>
               </a:rPr>
-              <a:t>https://public.tableau.com/app/profile/syed.ali.akbar/viz/NBAAnalysis_16232021658490/VORPbyPlayersandAge</a:t>
+              <a:t>https://public.</a:t>
+            </a:r>
+            <a:r>
+              <a:rPr lang="en-CA" b="1" u="sng" dirty="0">
+                <a:solidFill>
+                  <a:schemeClr val="hlink"/>
+                </a:solidFill>
+                <a:highlight>
+                  <a:srgbClr val="FFFFFF"/>
+                </a:highlight>
+                <a:latin typeface="Arial"/>
+                <a:ea typeface="Arial"/>
+                <a:cs typeface="Arial"/>
+                <a:sym typeface="Arial"/>
+                <a:hlinkClick r:id="rId3"/>
+              </a:rPr>
+              <a:t>tableau</a:t>
+            </a:r>
+            <a:r>
+              <a:rPr lang="en-CA" b="1" u="sng" dirty="0">
+                <a:solidFill>
+                  <a:schemeClr val="hlink"/>
+                </a:solidFill>
+                <a:highlight>
+                  <a:srgbClr val="FFFFFF"/>
+                </a:highlight>
+                <a:latin typeface="Arial"/>
+                <a:ea typeface="Arial"/>
+                <a:cs typeface="Arial"/>
+                <a:sym typeface="Arial"/>
+              </a:rPr>
+              <a:t>.com/app/</a:t>
+            </a:r>
+            <a:r>
+              <a:rPr lang="en-CA" b="1" u="sng" dirty="0">
+                <a:solidFill>
+                  <a:schemeClr val="hlink"/>
+                </a:solidFill>
+                <a:highlight>
+                  <a:srgbClr val="FFFFFF"/>
+                </a:highlight>
+                <a:latin typeface="Arial"/>
+                <a:ea typeface="Arial"/>
+                <a:cs typeface="Arial"/>
+                <a:sym typeface="Arial"/>
+                <a:hlinkClick r:id="rId3"/>
+              </a:rPr>
+              <a:t>profile</a:t>
+            </a:r>
+            <a:r>
+              <a:rPr lang="en-CA" b="1" u="sng" dirty="0">
+                <a:solidFill>
+                  <a:schemeClr val="hlink"/>
+                </a:solidFill>
+                <a:highlight>
+                  <a:srgbClr val="FFFFFF"/>
+                </a:highlight>
+                <a:latin typeface="Arial"/>
+                <a:ea typeface="Arial"/>
+                <a:cs typeface="Arial"/>
+                <a:sym typeface="Arial"/>
+              </a:rPr>
+              <a:t>/syed.ali.akbar/viz/NBAAnalysis_16232021658490/VORPbyPlayersandAge</a:t>
             </a:r>
           </a:p>
         </p:txBody>
@@ -15209,7 +15271,7 @@
           <p:nvPr/>
         </p:nvPicPr>
         <p:blipFill>
-          <a:blip r:embed="rId3"/>
+          <a:blip r:embed="rId4"/>
           <a:stretch>
             <a:fillRect/>
           </a:stretch>

--- a/Visualization/NBA_PLAYER_ANALYSIS.pptx
+++ b/Visualization/NBA_PLAYER_ANALYSIS.pptx
@@ -14,8 +14,8 @@
     <p:sldId id="259" r:id="rId5"/>
     <p:sldId id="273" r:id="rId6"/>
     <p:sldId id="262" r:id="rId7"/>
-    <p:sldId id="274" r:id="rId8"/>
-    <p:sldId id="275" r:id="rId9"/>
+    <p:sldId id="275" r:id="rId8"/>
+    <p:sldId id="274" r:id="rId9"/>
     <p:sldId id="264" r:id="rId10"/>
     <p:sldId id="276" r:id="rId11"/>
     <p:sldId id="277" r:id="rId12"/>
@@ -14269,301 +14269,6 @@
           <a:chExt cx="0" cy="0"/>
         </a:xfrm>
       </p:grpSpPr>
-      <p:pic>
-        <p:nvPicPr>
-          <p:cNvPr id="4" name="Picture 3">
-            <a:extLst>
-              <a:ext uri="{FF2B5EF4-FFF2-40B4-BE49-F238E27FC236}">
-                <a16:creationId xmlns:a16="http://schemas.microsoft.com/office/drawing/2014/main" id="{BD034E5C-3F34-4348-9385-9A94D32E0B04}"/>
-              </a:ext>
-            </a:extLst>
-          </p:cNvPr>
-          <p:cNvPicPr>
-            <a:picLocks noChangeAspect="1"/>
-          </p:cNvPicPr>
-          <p:nvPr/>
-        </p:nvPicPr>
-        <p:blipFill>
-          <a:blip r:embed="rId2"/>
-          <a:stretch>
-            <a:fillRect/>
-          </a:stretch>
-        </p:blipFill>
-        <p:spPr>
-          <a:xfrm>
-            <a:off x="1063014" y="1918696"/>
-            <a:ext cx="7724042" cy="2148946"/>
-          </a:xfrm>
-          <a:prstGeom prst="rect">
-            <a:avLst/>
-          </a:prstGeom>
-        </p:spPr>
-      </p:pic>
-      <p:sp>
-        <p:nvSpPr>
-          <p:cNvPr id="6" name="Google Shape;136;p14">
-            <a:extLst>
-              <a:ext uri="{FF2B5EF4-FFF2-40B4-BE49-F238E27FC236}">
-                <a16:creationId xmlns:a16="http://schemas.microsoft.com/office/drawing/2014/main" id="{169D7454-DB52-4A61-833B-4F1B80CE989B}"/>
-              </a:ext>
-            </a:extLst>
-          </p:cNvPr>
-          <p:cNvSpPr txBox="1">
-            <a:spLocks/>
-          </p:cNvSpPr>
-          <p:nvPr/>
-        </p:nvSpPr>
-        <p:spPr>
-          <a:xfrm>
-            <a:off x="1271666" y="249105"/>
-            <a:ext cx="7306739" cy="912946"/>
-          </a:xfrm>
-          <a:prstGeom prst="rect">
-            <a:avLst/>
-          </a:prstGeom>
-          <a:effectLst/>
-        </p:spPr>
-        <p:txBody>
-          <a:bodyPr spcFirstLastPara="1" vert="horz" wrap="square" lIns="91440" tIns="45720" rIns="91440" bIns="45720" rtlCol="0" anchor="ctr" anchorCtr="0">
-            <a:normAutofit lnSpcReduction="10000"/>
-          </a:bodyPr>
-          <a:lstStyle>
-            <a:lvl1pPr lvl="0" algn="ctr" defTabSz="342900" rtl="0" eaLnBrk="1" latinLnBrk="0" hangingPunct="1">
-              <a:spcBef>
-                <a:spcPts val="0"/>
-              </a:spcBef>
-              <a:spcAft>
-                <a:spcPts val="0"/>
-              </a:spcAft>
-              <a:buSzPts val="3000"/>
-              <a:buNone/>
-              <a:defRPr sz="3000" kern="1200" cap="none">
-                <a:ln w="3175" cmpd="sng">
-                  <a:noFill/>
-                </a:ln>
-                <a:solidFill>
-                  <a:schemeClr val="tx1"/>
-                </a:solidFill>
-                <a:effectLst/>
-                <a:latin typeface="+mj-lt"/>
-                <a:ea typeface="+mj-ea"/>
-                <a:cs typeface="+mj-cs"/>
-              </a:defRPr>
-            </a:lvl1pPr>
-            <a:lvl2pPr lvl="1" eaLnBrk="1" hangingPunct="1">
-              <a:spcBef>
-                <a:spcPts val="0"/>
-              </a:spcBef>
-              <a:spcAft>
-                <a:spcPts val="0"/>
-              </a:spcAft>
-              <a:buSzPts val="3000"/>
-              <a:buNone/>
-              <a:defRPr sz="3000">
-                <a:solidFill>
-                  <a:schemeClr val="tx2"/>
-                </a:solidFill>
-              </a:defRPr>
-            </a:lvl2pPr>
-            <a:lvl3pPr lvl="2" eaLnBrk="1" hangingPunct="1">
-              <a:spcBef>
-                <a:spcPts val="0"/>
-              </a:spcBef>
-              <a:spcAft>
-                <a:spcPts val="0"/>
-              </a:spcAft>
-              <a:buSzPts val="3000"/>
-              <a:buNone/>
-              <a:defRPr sz="3000">
-                <a:solidFill>
-                  <a:schemeClr val="tx2"/>
-                </a:solidFill>
-              </a:defRPr>
-            </a:lvl3pPr>
-            <a:lvl4pPr lvl="3" eaLnBrk="1" hangingPunct="1">
-              <a:spcBef>
-                <a:spcPts val="0"/>
-              </a:spcBef>
-              <a:spcAft>
-                <a:spcPts val="0"/>
-              </a:spcAft>
-              <a:buSzPts val="3000"/>
-              <a:buNone/>
-              <a:defRPr sz="3000">
-                <a:solidFill>
-                  <a:schemeClr val="tx2"/>
-                </a:solidFill>
-              </a:defRPr>
-            </a:lvl4pPr>
-            <a:lvl5pPr lvl="4" eaLnBrk="1" hangingPunct="1">
-              <a:spcBef>
-                <a:spcPts val="0"/>
-              </a:spcBef>
-              <a:spcAft>
-                <a:spcPts val="0"/>
-              </a:spcAft>
-              <a:buSzPts val="3000"/>
-              <a:buNone/>
-              <a:defRPr sz="3000">
-                <a:solidFill>
-                  <a:schemeClr val="tx2"/>
-                </a:solidFill>
-              </a:defRPr>
-            </a:lvl5pPr>
-            <a:lvl6pPr lvl="5" eaLnBrk="1" hangingPunct="1">
-              <a:spcBef>
-                <a:spcPts val="0"/>
-              </a:spcBef>
-              <a:spcAft>
-                <a:spcPts val="0"/>
-              </a:spcAft>
-              <a:buSzPts val="3000"/>
-              <a:buNone/>
-              <a:defRPr sz="3000">
-                <a:solidFill>
-                  <a:schemeClr val="tx2"/>
-                </a:solidFill>
-              </a:defRPr>
-            </a:lvl6pPr>
-            <a:lvl7pPr lvl="6" eaLnBrk="1" hangingPunct="1">
-              <a:spcBef>
-                <a:spcPts val="0"/>
-              </a:spcBef>
-              <a:spcAft>
-                <a:spcPts val="0"/>
-              </a:spcAft>
-              <a:buSzPts val="3000"/>
-              <a:buNone/>
-              <a:defRPr sz="3000">
-                <a:solidFill>
-                  <a:schemeClr val="tx2"/>
-                </a:solidFill>
-              </a:defRPr>
-            </a:lvl7pPr>
-            <a:lvl8pPr lvl="7" eaLnBrk="1" hangingPunct="1">
-              <a:spcBef>
-                <a:spcPts val="0"/>
-              </a:spcBef>
-              <a:spcAft>
-                <a:spcPts val="0"/>
-              </a:spcAft>
-              <a:buSzPts val="3000"/>
-              <a:buNone/>
-              <a:defRPr sz="3000">
-                <a:solidFill>
-                  <a:schemeClr val="tx2"/>
-                </a:solidFill>
-              </a:defRPr>
-            </a:lvl8pPr>
-            <a:lvl9pPr lvl="8" eaLnBrk="1" hangingPunct="1">
-              <a:spcBef>
-                <a:spcPts val="0"/>
-              </a:spcBef>
-              <a:spcAft>
-                <a:spcPts val="0"/>
-              </a:spcAft>
-              <a:buSzPts val="3000"/>
-              <a:buNone/>
-              <a:defRPr sz="3000">
-                <a:solidFill>
-                  <a:schemeClr val="tx2"/>
-                </a:solidFill>
-              </a:defRPr>
-            </a:lvl9pPr>
-          </a:lstStyle>
-          <a:p>
-            <a:pPr algn="l" defTabSz="457200">
-              <a:spcBef>
-                <a:spcPct val="0"/>
-              </a:spcBef>
-            </a:pPr>
-            <a:r>
-              <a:rPr lang="en-US" sz="2800" dirty="0">
-                <a:sym typeface="Times New Roman"/>
-              </a:rPr>
-              <a:t>Visualizing Clusters based on VORP</a:t>
-            </a:r>
-          </a:p>
-          <a:p>
-            <a:pPr algn="l" defTabSz="457200">
-              <a:spcBef>
-                <a:spcPct val="0"/>
-              </a:spcBef>
-            </a:pPr>
-            <a:r>
-              <a:rPr lang="en-US" sz="2800" dirty="0">
-                <a:sym typeface="Times New Roman"/>
-              </a:rPr>
-              <a:t>(</a:t>
-            </a:r>
-            <a:r>
-              <a:rPr lang="en-CA" sz="1600" dirty="0">
-                <a:solidFill>
-                  <a:srgbClr val="202124"/>
-                </a:solidFill>
-                <a:latin typeface="arial" panose="020B0604020202020204" pitchFamily="34" charset="0"/>
-                <a:sym typeface="Times New Roman"/>
-              </a:rPr>
-              <a:t>Value Over Replacement Player)</a:t>
-            </a:r>
-            <a:endParaRPr lang="en-US" sz="2800" dirty="0">
-              <a:sym typeface="Times New Roman"/>
-            </a:endParaRPr>
-          </a:p>
-        </p:txBody>
-      </p:sp>
-    </p:spTree>
-    <p:extLst>
-      <p:ext uri="{BB962C8B-B14F-4D97-AF65-F5344CB8AC3E}">
-        <p14:creationId xmlns:p14="http://schemas.microsoft.com/office/powerpoint/2010/main" val="3056782231"/>
-      </p:ext>
-    </p:extLst>
-  </p:cSld>
-  <p:clrMapOvr>
-    <a:masterClrMapping/>
-  </p:clrMapOvr>
-</p:sld>
-</file>
-
-<file path=ppt/slides/slide8.xml><?xml version="1.0" encoding="utf-8"?>
-<p:sld xmlns:a="http://schemas.openxmlformats.org/drawingml/2006/main" xmlns:r="http://schemas.openxmlformats.org/officeDocument/2006/relationships" xmlns:p="http://schemas.openxmlformats.org/presentationml/2006/main">
-  <p:cSld>
-    <p:bg>
-      <p:bgPr>
-        <a:gradFill>
-          <a:gsLst>
-            <a:gs pos="0">
-              <a:schemeClr val="bg2">
-                <a:tint val="90000"/>
-                <a:lumMod val="110000"/>
-              </a:schemeClr>
-            </a:gs>
-            <a:gs pos="100000">
-              <a:schemeClr val="bg2">
-                <a:shade val="64000"/>
-                <a:lumMod val="98000"/>
-              </a:schemeClr>
-            </a:gs>
-          </a:gsLst>
-          <a:lin ang="5400000" scaled="0"/>
-        </a:gradFill>
-        <a:effectLst/>
-      </p:bgPr>
-    </p:bg>
-    <p:spTree>
-      <p:nvGrpSpPr>
-        <p:cNvPr id="1" name=""/>
-        <p:cNvGrpSpPr/>
-        <p:nvPr/>
-      </p:nvGrpSpPr>
-      <p:grpSpPr>
-        <a:xfrm>
-          <a:off x="0" y="0"/>
-          <a:ext cx="0" cy="0"/>
-          <a:chOff x="0" y="0"/>
-          <a:chExt cx="0" cy="0"/>
-        </a:xfrm>
-      </p:grpSpPr>
       <p:graphicFrame>
         <p:nvGraphicFramePr>
           <p:cNvPr id="8" name="Object 7">
@@ -14963,6 +14668,301 @@
     <p:extLst>
       <p:ext uri="{BB962C8B-B14F-4D97-AF65-F5344CB8AC3E}">
         <p14:creationId xmlns:p14="http://schemas.microsoft.com/office/powerpoint/2010/main" val="270958392"/>
+      </p:ext>
+    </p:extLst>
+  </p:cSld>
+  <p:clrMapOvr>
+    <a:masterClrMapping/>
+  </p:clrMapOvr>
+</p:sld>
+</file>
+
+<file path=ppt/slides/slide8.xml><?xml version="1.0" encoding="utf-8"?>
+<p:sld xmlns:a="http://schemas.openxmlformats.org/drawingml/2006/main" xmlns:r="http://schemas.openxmlformats.org/officeDocument/2006/relationships" xmlns:p="http://schemas.openxmlformats.org/presentationml/2006/main">
+  <p:cSld>
+    <p:bg>
+      <p:bgPr>
+        <a:gradFill>
+          <a:gsLst>
+            <a:gs pos="0">
+              <a:schemeClr val="bg2">
+                <a:tint val="90000"/>
+                <a:lumMod val="110000"/>
+              </a:schemeClr>
+            </a:gs>
+            <a:gs pos="100000">
+              <a:schemeClr val="bg2">
+                <a:shade val="64000"/>
+                <a:lumMod val="98000"/>
+              </a:schemeClr>
+            </a:gs>
+          </a:gsLst>
+          <a:lin ang="5400000" scaled="0"/>
+        </a:gradFill>
+        <a:effectLst/>
+      </p:bgPr>
+    </p:bg>
+    <p:spTree>
+      <p:nvGrpSpPr>
+        <p:cNvPr id="1" name=""/>
+        <p:cNvGrpSpPr/>
+        <p:nvPr/>
+      </p:nvGrpSpPr>
+      <p:grpSpPr>
+        <a:xfrm>
+          <a:off x="0" y="0"/>
+          <a:ext cx="0" cy="0"/>
+          <a:chOff x="0" y="0"/>
+          <a:chExt cx="0" cy="0"/>
+        </a:xfrm>
+      </p:grpSpPr>
+      <p:pic>
+        <p:nvPicPr>
+          <p:cNvPr id="4" name="Picture 3">
+            <a:extLst>
+              <a:ext uri="{FF2B5EF4-FFF2-40B4-BE49-F238E27FC236}">
+                <a16:creationId xmlns:a16="http://schemas.microsoft.com/office/drawing/2014/main" id="{BD034E5C-3F34-4348-9385-9A94D32E0B04}"/>
+              </a:ext>
+            </a:extLst>
+          </p:cNvPr>
+          <p:cNvPicPr>
+            <a:picLocks noChangeAspect="1"/>
+          </p:cNvPicPr>
+          <p:nvPr/>
+        </p:nvPicPr>
+        <p:blipFill>
+          <a:blip r:embed="rId2"/>
+          <a:stretch>
+            <a:fillRect/>
+          </a:stretch>
+        </p:blipFill>
+        <p:spPr>
+          <a:xfrm>
+            <a:off x="1063014" y="1918696"/>
+            <a:ext cx="7724042" cy="2148946"/>
+          </a:xfrm>
+          <a:prstGeom prst="rect">
+            <a:avLst/>
+          </a:prstGeom>
+        </p:spPr>
+      </p:pic>
+      <p:sp>
+        <p:nvSpPr>
+          <p:cNvPr id="6" name="Google Shape;136;p14">
+            <a:extLst>
+              <a:ext uri="{FF2B5EF4-FFF2-40B4-BE49-F238E27FC236}">
+                <a16:creationId xmlns:a16="http://schemas.microsoft.com/office/drawing/2014/main" id="{169D7454-DB52-4A61-833B-4F1B80CE989B}"/>
+              </a:ext>
+            </a:extLst>
+          </p:cNvPr>
+          <p:cNvSpPr txBox="1">
+            <a:spLocks/>
+          </p:cNvSpPr>
+          <p:nvPr/>
+        </p:nvSpPr>
+        <p:spPr>
+          <a:xfrm>
+            <a:off x="1271666" y="249105"/>
+            <a:ext cx="7306739" cy="912946"/>
+          </a:xfrm>
+          <a:prstGeom prst="rect">
+            <a:avLst/>
+          </a:prstGeom>
+          <a:effectLst/>
+        </p:spPr>
+        <p:txBody>
+          <a:bodyPr spcFirstLastPara="1" vert="horz" wrap="square" lIns="91440" tIns="45720" rIns="91440" bIns="45720" rtlCol="0" anchor="ctr" anchorCtr="0">
+            <a:normAutofit lnSpcReduction="10000"/>
+          </a:bodyPr>
+          <a:lstStyle>
+            <a:lvl1pPr lvl="0" algn="ctr" defTabSz="342900" rtl="0" eaLnBrk="1" latinLnBrk="0" hangingPunct="1">
+              <a:spcBef>
+                <a:spcPts val="0"/>
+              </a:spcBef>
+              <a:spcAft>
+                <a:spcPts val="0"/>
+              </a:spcAft>
+              <a:buSzPts val="3000"/>
+              <a:buNone/>
+              <a:defRPr sz="3000" kern="1200" cap="none">
+                <a:ln w="3175" cmpd="sng">
+                  <a:noFill/>
+                </a:ln>
+                <a:solidFill>
+                  <a:schemeClr val="tx1"/>
+                </a:solidFill>
+                <a:effectLst/>
+                <a:latin typeface="+mj-lt"/>
+                <a:ea typeface="+mj-ea"/>
+                <a:cs typeface="+mj-cs"/>
+              </a:defRPr>
+            </a:lvl1pPr>
+            <a:lvl2pPr lvl="1" eaLnBrk="1" hangingPunct="1">
+              <a:spcBef>
+                <a:spcPts val="0"/>
+              </a:spcBef>
+              <a:spcAft>
+                <a:spcPts val="0"/>
+              </a:spcAft>
+              <a:buSzPts val="3000"/>
+              <a:buNone/>
+              <a:defRPr sz="3000">
+                <a:solidFill>
+                  <a:schemeClr val="tx2"/>
+                </a:solidFill>
+              </a:defRPr>
+            </a:lvl2pPr>
+            <a:lvl3pPr lvl="2" eaLnBrk="1" hangingPunct="1">
+              <a:spcBef>
+                <a:spcPts val="0"/>
+              </a:spcBef>
+              <a:spcAft>
+                <a:spcPts val="0"/>
+              </a:spcAft>
+              <a:buSzPts val="3000"/>
+              <a:buNone/>
+              <a:defRPr sz="3000">
+                <a:solidFill>
+                  <a:schemeClr val="tx2"/>
+                </a:solidFill>
+              </a:defRPr>
+            </a:lvl3pPr>
+            <a:lvl4pPr lvl="3" eaLnBrk="1" hangingPunct="1">
+              <a:spcBef>
+                <a:spcPts val="0"/>
+              </a:spcBef>
+              <a:spcAft>
+                <a:spcPts val="0"/>
+              </a:spcAft>
+              <a:buSzPts val="3000"/>
+              <a:buNone/>
+              <a:defRPr sz="3000">
+                <a:solidFill>
+                  <a:schemeClr val="tx2"/>
+                </a:solidFill>
+              </a:defRPr>
+            </a:lvl4pPr>
+            <a:lvl5pPr lvl="4" eaLnBrk="1" hangingPunct="1">
+              <a:spcBef>
+                <a:spcPts val="0"/>
+              </a:spcBef>
+              <a:spcAft>
+                <a:spcPts val="0"/>
+              </a:spcAft>
+              <a:buSzPts val="3000"/>
+              <a:buNone/>
+              <a:defRPr sz="3000">
+                <a:solidFill>
+                  <a:schemeClr val="tx2"/>
+                </a:solidFill>
+              </a:defRPr>
+            </a:lvl5pPr>
+            <a:lvl6pPr lvl="5" eaLnBrk="1" hangingPunct="1">
+              <a:spcBef>
+                <a:spcPts val="0"/>
+              </a:spcBef>
+              <a:spcAft>
+                <a:spcPts val="0"/>
+              </a:spcAft>
+              <a:buSzPts val="3000"/>
+              <a:buNone/>
+              <a:defRPr sz="3000">
+                <a:solidFill>
+                  <a:schemeClr val="tx2"/>
+                </a:solidFill>
+              </a:defRPr>
+            </a:lvl6pPr>
+            <a:lvl7pPr lvl="6" eaLnBrk="1" hangingPunct="1">
+              <a:spcBef>
+                <a:spcPts val="0"/>
+              </a:spcBef>
+              <a:spcAft>
+                <a:spcPts val="0"/>
+              </a:spcAft>
+              <a:buSzPts val="3000"/>
+              <a:buNone/>
+              <a:defRPr sz="3000">
+                <a:solidFill>
+                  <a:schemeClr val="tx2"/>
+                </a:solidFill>
+              </a:defRPr>
+            </a:lvl7pPr>
+            <a:lvl8pPr lvl="7" eaLnBrk="1" hangingPunct="1">
+              <a:spcBef>
+                <a:spcPts val="0"/>
+              </a:spcBef>
+              <a:spcAft>
+                <a:spcPts val="0"/>
+              </a:spcAft>
+              <a:buSzPts val="3000"/>
+              <a:buNone/>
+              <a:defRPr sz="3000">
+                <a:solidFill>
+                  <a:schemeClr val="tx2"/>
+                </a:solidFill>
+              </a:defRPr>
+            </a:lvl8pPr>
+            <a:lvl9pPr lvl="8" eaLnBrk="1" hangingPunct="1">
+              <a:spcBef>
+                <a:spcPts val="0"/>
+              </a:spcBef>
+              <a:spcAft>
+                <a:spcPts val="0"/>
+              </a:spcAft>
+              <a:buSzPts val="3000"/>
+              <a:buNone/>
+              <a:defRPr sz="3000">
+                <a:solidFill>
+                  <a:schemeClr val="tx2"/>
+                </a:solidFill>
+              </a:defRPr>
+            </a:lvl9pPr>
+          </a:lstStyle>
+          <a:p>
+            <a:pPr algn="l" defTabSz="457200">
+              <a:spcBef>
+                <a:spcPct val="0"/>
+              </a:spcBef>
+            </a:pPr>
+            <a:r>
+              <a:rPr lang="en-US" sz="2800" dirty="0">
+                <a:sym typeface="Times New Roman"/>
+              </a:rPr>
+              <a:t>Visualizing Clusters based on VORP</a:t>
+            </a:r>
+          </a:p>
+          <a:p>
+            <a:pPr algn="l" defTabSz="457200">
+              <a:spcBef>
+                <a:spcPct val="0"/>
+              </a:spcBef>
+            </a:pPr>
+            <a:r>
+              <a:rPr lang="en-US" sz="2800" dirty="0">
+                <a:sym typeface="Times New Roman"/>
+              </a:rPr>
+              <a:t>(</a:t>
+            </a:r>
+            <a:r>
+              <a:rPr lang="en-CA" sz="1600" dirty="0">
+                <a:solidFill>
+                  <a:srgbClr val="202124"/>
+                </a:solidFill>
+                <a:latin typeface="arial" panose="020B0604020202020204" pitchFamily="34" charset="0"/>
+                <a:sym typeface="Times New Roman"/>
+              </a:rPr>
+              <a:t>Value Over Replacement Player)</a:t>
+            </a:r>
+            <a:endParaRPr lang="en-US" sz="2800" dirty="0">
+              <a:sym typeface="Times New Roman"/>
+            </a:endParaRPr>
+          </a:p>
+        </p:txBody>
+      </p:sp>
+    </p:spTree>
+    <p:extLst>
+      <p:ext uri="{BB962C8B-B14F-4D97-AF65-F5344CB8AC3E}">
+        <p14:creationId xmlns:p14="http://schemas.microsoft.com/office/powerpoint/2010/main" val="3056782231"/>
       </p:ext>
     </p:extLst>
   </p:cSld>

--- a/Visualization/NBA_PLAYER_ANALYSIS.pptx
+++ b/Visualization/NBA_PLAYER_ANALYSIS.pptx
@@ -14284,7 +14284,7 @@
           <p:nvPr>
             <p:extLst>
               <p:ext uri="{D42A27DB-BD31-4B8C-83A1-F6EECF244321}">
-                <p14:modId xmlns:p14="http://schemas.microsoft.com/office/powerpoint/2010/main" val="1057236756"/>
+                <p14:modId xmlns:p14="http://schemas.microsoft.com/office/powerpoint/2010/main" val="1588974944"/>
               </p:ext>
             </p:extLst>
           </p:nvPr>
@@ -14352,7 +14352,7 @@
           <p:nvPr>
             <p:extLst>
               <p:ext uri="{D42A27DB-BD31-4B8C-83A1-F6EECF244321}">
-                <p14:modId xmlns:p14="http://schemas.microsoft.com/office/powerpoint/2010/main" val="628603202"/>
+                <p14:modId xmlns:p14="http://schemas.microsoft.com/office/powerpoint/2010/main" val="1641134050"/>
               </p:ext>
             </p:extLst>
           </p:nvPr>
